--- a/Slides/UPAI2020.pptx
+++ b/Slides/UPAI2020.pptx
@@ -5,15 +5,15 @@
     <p:sldMasterId id="2147483657" r:id="rId1"/>
   </p:sldMasterIdLst>
   <p:notesMasterIdLst>
-    <p:notesMasterId r:id="rId54"/>
+    <p:notesMasterId r:id="rId53"/>
   </p:notesMasterIdLst>
   <p:sldIdLst>
     <p:sldId id="256" r:id="rId2"/>
     <p:sldId id="259" r:id="rId3"/>
-    <p:sldId id="260" r:id="rId4"/>
-    <p:sldId id="261" r:id="rId5"/>
-    <p:sldId id="348" r:id="rId6"/>
-    <p:sldId id="376" r:id="rId7"/>
+    <p:sldId id="261" r:id="rId4"/>
+    <p:sldId id="348" r:id="rId5"/>
+    <p:sldId id="376" r:id="rId6"/>
+    <p:sldId id="260" r:id="rId7"/>
     <p:sldId id="285" r:id="rId8"/>
     <p:sldId id="396" r:id="rId9"/>
     <p:sldId id="290" r:id="rId10"/>
@@ -21,69 +21,68 @@
     <p:sldId id="289" r:id="rId12"/>
     <p:sldId id="381" r:id="rId13"/>
     <p:sldId id="382" r:id="rId14"/>
-    <p:sldId id="383" r:id="rId15"/>
-    <p:sldId id="398" r:id="rId16"/>
-    <p:sldId id="399" r:id="rId17"/>
-    <p:sldId id="400" r:id="rId18"/>
-    <p:sldId id="385" r:id="rId19"/>
-    <p:sldId id="384" r:id="rId20"/>
-    <p:sldId id="397" r:id="rId21"/>
-    <p:sldId id="425" r:id="rId22"/>
-    <p:sldId id="426" r:id="rId23"/>
-    <p:sldId id="388" r:id="rId24"/>
-    <p:sldId id="389" r:id="rId25"/>
-    <p:sldId id="390" r:id="rId26"/>
-    <p:sldId id="391" r:id="rId27"/>
-    <p:sldId id="393" r:id="rId28"/>
-    <p:sldId id="394" r:id="rId29"/>
-    <p:sldId id="424" r:id="rId30"/>
-    <p:sldId id="402" r:id="rId31"/>
-    <p:sldId id="403" r:id="rId32"/>
-    <p:sldId id="404" r:id="rId33"/>
-    <p:sldId id="427" r:id="rId34"/>
-    <p:sldId id="405" r:id="rId35"/>
-    <p:sldId id="406" r:id="rId36"/>
-    <p:sldId id="407" r:id="rId37"/>
-    <p:sldId id="408" r:id="rId38"/>
-    <p:sldId id="409" r:id="rId39"/>
-    <p:sldId id="410" r:id="rId40"/>
-    <p:sldId id="411" r:id="rId41"/>
-    <p:sldId id="412" r:id="rId42"/>
-    <p:sldId id="413" r:id="rId43"/>
-    <p:sldId id="414" r:id="rId44"/>
-    <p:sldId id="415" r:id="rId45"/>
-    <p:sldId id="416" r:id="rId46"/>
-    <p:sldId id="417" r:id="rId47"/>
-    <p:sldId id="418" r:id="rId48"/>
-    <p:sldId id="419" r:id="rId49"/>
-    <p:sldId id="420" r:id="rId50"/>
-    <p:sldId id="421" r:id="rId51"/>
-    <p:sldId id="422" r:id="rId52"/>
-    <p:sldId id="423" r:id="rId53"/>
+    <p:sldId id="398" r:id="rId15"/>
+    <p:sldId id="399" r:id="rId16"/>
+    <p:sldId id="400" r:id="rId17"/>
+    <p:sldId id="385" r:id="rId18"/>
+    <p:sldId id="384" r:id="rId19"/>
+    <p:sldId id="397" r:id="rId20"/>
+    <p:sldId id="425" r:id="rId21"/>
+    <p:sldId id="426" r:id="rId22"/>
+    <p:sldId id="388" r:id="rId23"/>
+    <p:sldId id="389" r:id="rId24"/>
+    <p:sldId id="390" r:id="rId25"/>
+    <p:sldId id="391" r:id="rId26"/>
+    <p:sldId id="393" r:id="rId27"/>
+    <p:sldId id="394" r:id="rId28"/>
+    <p:sldId id="424" r:id="rId29"/>
+    <p:sldId id="402" r:id="rId30"/>
+    <p:sldId id="403" r:id="rId31"/>
+    <p:sldId id="404" r:id="rId32"/>
+    <p:sldId id="427" r:id="rId33"/>
+    <p:sldId id="405" r:id="rId34"/>
+    <p:sldId id="406" r:id="rId35"/>
+    <p:sldId id="407" r:id="rId36"/>
+    <p:sldId id="408" r:id="rId37"/>
+    <p:sldId id="409" r:id="rId38"/>
+    <p:sldId id="410" r:id="rId39"/>
+    <p:sldId id="411" r:id="rId40"/>
+    <p:sldId id="412" r:id="rId41"/>
+    <p:sldId id="413" r:id="rId42"/>
+    <p:sldId id="414" r:id="rId43"/>
+    <p:sldId id="415" r:id="rId44"/>
+    <p:sldId id="416" r:id="rId45"/>
+    <p:sldId id="417" r:id="rId46"/>
+    <p:sldId id="418" r:id="rId47"/>
+    <p:sldId id="419" r:id="rId48"/>
+    <p:sldId id="420" r:id="rId49"/>
+    <p:sldId id="421" r:id="rId50"/>
+    <p:sldId id="422" r:id="rId51"/>
+    <p:sldId id="423" r:id="rId52"/>
   </p:sldIdLst>
   <p:sldSz cx="9144000" cy="5143500" type="screen16x9"/>
   <p:notesSz cx="6858000" cy="9144000"/>
   <p:embeddedFontLst>
     <p:embeddedFont>
-      <p:font typeface="Roboto Condensed Light" panose="020B0604020202020204" charset="0"/>
-      <p:regular r:id="rId55"/>
-      <p:bold r:id="rId56"/>
-      <p:italic r:id="rId57"/>
-      <p:boldItalic r:id="rId58"/>
-    </p:embeddedFont>
-    <p:embeddedFont>
       <p:font typeface="Arvo" panose="020B0604020202020204" charset="0"/>
-      <p:regular r:id="rId59"/>
-      <p:bold r:id="rId60"/>
-      <p:italic r:id="rId61"/>
-      <p:boldItalic r:id="rId62"/>
+      <p:regular r:id="rId54"/>
+      <p:bold r:id="rId55"/>
+      <p:italic r:id="rId56"/>
+      <p:boldItalic r:id="rId57"/>
     </p:embeddedFont>
     <p:embeddedFont>
       <p:font typeface="Roboto Condensed" panose="020B0604020202020204" charset="0"/>
-      <p:regular r:id="rId63"/>
-      <p:bold r:id="rId64"/>
-      <p:italic r:id="rId65"/>
-      <p:boldItalic r:id="rId66"/>
+      <p:regular r:id="rId58"/>
+      <p:bold r:id="rId59"/>
+      <p:italic r:id="rId60"/>
+      <p:boldItalic r:id="rId61"/>
+    </p:embeddedFont>
+    <p:embeddedFont>
+      <p:font typeface="Roboto Condensed Light" panose="020B0604020202020204" charset="0"/>
+      <p:regular r:id="rId62"/>
+      <p:bold r:id="rId63"/>
+      <p:italic r:id="rId64"/>
+      <p:boldItalic r:id="rId65"/>
     </p:embeddedFont>
   </p:embeddedFontLst>
   <p:defaultTextStyle>
@@ -321,6 +320,181 @@
     </p:ext>
   </p:extLst>
 </p:presentation>
+</file>
+
+<file path=ppt/ink/ink1.xml><?xml version="1.0" encoding="utf-8"?>
+<inkml:ink xmlns:inkml="http://www.w3.org/2003/InkML">
+  <inkml:definitions>
+    <inkml:context xml:id="ctx0">
+      <inkml:inkSource xml:id="inkSrc0">
+        <inkml:traceFormat>
+          <inkml:channel name="X" type="integer" max="3360" units="cm"/>
+          <inkml:channel name="Y" type="integer" max="1872" units="cm"/>
+          <inkml:channel name="T" type="integer" max="2.14748E9" units="dev"/>
+        </inkml:traceFormat>
+        <inkml:channelProperties>
+          <inkml:channelProperty channel="X" name="resolution" value="114.28571" units="1/cm"/>
+          <inkml:channelProperty channel="Y" name="resolution" value="112.77109" units="1/cm"/>
+          <inkml:channelProperty channel="T" name="resolution" value="1" units="1/dev"/>
+        </inkml:channelProperties>
+      </inkml:inkSource>
+      <inkml:timestamp xml:id="ts0" timeString="2021-01-23T01:41:06.821"/>
+    </inkml:context>
+    <inkml:brush xml:id="br0">
+      <inkml:brushProperty name="width" value="0.05292" units="cm"/>
+      <inkml:brushProperty name="height" value="0.05292" units="cm"/>
+      <inkml:brushProperty name="color" value="#FF0000"/>
+    </inkml:brush>
+    <inkml:context xml:id="ctx1">
+      <inkml:inkSource xml:id="inkSrc13">
+        <inkml:traceFormat>
+          <inkml:channel name="X" type="integer" max="3200" units="cm"/>
+          <inkml:channel name="Y" type="integer" max="1800" units="cm"/>
+          <inkml:channel name="T" type="integer" max="2.14748E9" units="dev"/>
+        </inkml:traceFormat>
+        <inkml:channelProperties>
+          <inkml:channelProperty channel="X" name="resolution" value="108.84354" units="1/cm"/>
+          <inkml:channelProperty channel="Y" name="resolution" value="109.09091" units="1/cm"/>
+          <inkml:channelProperty channel="T" name="resolution" value="1" units="1/dev"/>
+        </inkml:channelProperties>
+      </inkml:inkSource>
+      <inkml:timestamp xml:id="ts1" timeString="2021-01-23T01:44:05.425"/>
+    </inkml:context>
+  </inkml:definitions>
+  <inkml:trace contextRef="#ctx0" brushRef="#br0">5579 6335 0,'0'0'0,"0"0"0,0 0 0,0 0 0,0 0 0,0 0 0,0 0 0,0 0 0,-121-8 0,121 8 0,-30-8 16,0 1-1,-1-8-15,1 7 16,0 0-16,0 1 15,0-1 1,-8 0-16,-8 1 16,9 7-16,-1 7 15,8 1 1,7 0-16,0-1 16,0 9-16,8-9 15,0 8-15,0 8 16,0 0-1,0 8-15,0 15 16,7 7-16,8 0 16,0-7-16,0 0 15,0 0 1,0-8-16,8 0 16,-1 0-16,1 0 15,-1 1 1,1-1-16,7 0 15,0 0-15,8-7 16,7-1-16,-7-7 16,7 8-1,8-1-15,-8-7 16,0 0-16,1-8 16,-1 0-16,8-7 15,-1 0 1,9-8-16,-1 0 15,1-8-15,-9 0 16,1 1-16,-8-8 16,-7-1-1,0 1-15,-1 0 16,9-8-16,-1 0 16,0-8-16,0-7 15,-7 0 1,-8 8-16,0-1 15,-7 1-15,-1 7 16,-7-8 0,0 8-16,0-7 15,0-1-15,-7-7 16,-1 7-16,-7-7 16,0 0-1,0 0-15,-8 0 16,8 7-16,0 1 15,-8-1 1,-7 8-16,-15-7 16,-8-1-16,0 8 15,8 0 1,7 8-16,-15-8 16,53 23-16</inkml:trace>
+  <inkml:trace contextRef="#ctx0" brushRef="#br0" timeOffset="11564.96">5715 6961 0,'0'0'16,"0"0"-16,0 0 16,0 0-16,0 0 15,0 0 1,0 0-16,0 0 15,0 7-15,0-7 16,0 0 0,0 8-16,0-8 15,8 7-15,14 1 16,9 0-16,-1-8 16,0 0-1,0 0-15,-7-8 16,0-7-16,-1 0 15,1-1-15,0 1 16,-1 0 0,9-8-16,-1 0 15,0 8-15,-7-1 16,7 1 0,-7 0-16,-1 0 15,1-1-15,0 9 16,-8-1-16,0 1 15,0-9 1,0 9-16,0-1 16,-7 0-16,0 1 15,-1-1-15,1-7 16,-1 7 0,1 1-16,-1-1 15,1 0-15,-8 8 16,7-7-1,-7 7-15,0 0 16,0 0-16,8 0 16,0-8-16,-1 0 15,-7 8 1,0 0-16,0 0 16,0 0-16,0 0 15,0 0 1,0 0-16,0 0 15,0 0-15,0 0 16,8-7-16,-8 7 16,0 0-1,0 0-15,0 0 16,0 0-16,0 0 16,0 0-16,0 0 15,0 0 1,0 0-16,0 0 15,0 0-15,0 0 16,0 0-16,0 0 16,0 0-1,0 0-15,0 0 16,0 0-16,0 0 16,0 0-16,0 0 15,0 0 1,0 0-16,0 0 15,0 0-15,0 0 16,0 0 0,0 0-16,0 0 15,0 0-15,0 0 16,0 0-16,0 0 16,0 0-1,0 0-15,0 0 16,0 0-16,0 0 15,0 0 1,0 0-16,0 0 16,0 0-16</inkml:trace>
+  <inkml:trace contextRef="#ctx0" brushRef="#br0" timeOffset="21227.16">6297 6518 0,'0'0'15,"0"0"-15,0 0 16,0 0-16,0 0 16,0 0-16,0 0 15,0 0 1,8 0-16,-1 0 16,-7 0-16,8 0 15,0 0-15,-1 0 16,8 0-1,0 0-15,16-8 16,14 8-16,0 0 16,1 0-1,-1 0-15,-7-7 16,7-1-16,1 0 16,14 1-1,8-1-15,-7 0 16,-16 8-16,-7 0 15,0-7-15,7-1 16,8 1-16,15-1 16,0 8-1,-15-8-15,-15 8 16,7-7-16,0-1 16,1 0-16,-16 8 15,0 0 1,-7 0-16,-1 0 15,-6 0-15,-9 0 16,1 0 0,-1 0-16,-7 0 15,0 0-15,0 0 16,0 0-16,0 0 16,0 0-1,0 0-15,0 0 16,0 0-16,0 0 15,0 0 1,0 0-16,0 0 16,0 0-16,0 0 15,0 0-15,8 0 16,-8 0 0</inkml:trace>
+  <inkml:trace contextRef="#ctx0" brushRef="#br0" timeOffset="43211.65">5987 5999 0,'0'0'16,"0"0"-16,0 0 15,0 0-15,0 0 16,0 0-16,0 0 16,0 0-1,0 0-15,0 0 16,0 0-16,0 0 16,0 0-1,0-8-15,8-7 16,7-8-16,0 0 15,0-7-15,16-8 16,6-1 0,1 1-16,7-8 15,-7 8-15,0-8 16,-8 1-16,1-1 16,6-8-1,9 9-15,-1-1 16,8 0-16,7 0 15,-14 0-15,-1 1 16,-7 7 0,7-8-16,8 8 15,-7 7-15,7 8 16,-8-7 0,-7 7-16,-8 0 15,0 0-15,8 0 16,0 0-16,0 0 15,-1 0 1,1 8-16,0-8 16,-8 0-16,0 8 15,-7 0 1,7-1-16,1-6 16,-1-1-16,8 0 15,7 0-15,0-8 16,1 1-1,-1-1-15,-7 1 16,0-8-16,-1-8 16,1 0-16,8 0 15,7 8 1,-1 0-16,1 0 16,0 7-16,0-7 15,8-8 1,22-7-16,0-1 15,-22 9-15,-24 6 16,9-6-16,7-1 16,7-8-1,16 1-15,-23 7 16,0 0-16,15 1 16,7-9-16,1 1 15,-1-1 1,-7-7-16,-22 16 15,7-1-15,7-8 16,8 16-16,-7 0 16,-8 7-1,-1-7-15,1 0 16,15 0-16,23-8 16,-23 0-1,-22 16-15,-1-1 16,8-7-16,7 8 15,-7-1-15,8 8 16,-8 0 0,0 8-16,-1 0 15,9-8-15,7 8 16,0-1 0,-7 1-16,-16 0 15,15-8-15,16 0 16,0 0-16,-1 0 15,1 0 1,-1 0-16,24 1 16,-9 6-16,-37 1 15,15 0-15,15 0 16,1-1 0,-1 9-16,-15-9 15,-8 9-15,8-1 16,8 8-1,-8 0-15,-15 0 16,-15 0-16,-1 0 16,9 0-1,-1 0-15,1 8 16,-1-1-16,0 1 16,-7 0-16,0-1 15,-8 1-15,0 0 16,8-1-1,0 8-15,0 1 16,0-1-16,7 8 16,8 7-1,-8 1-15,-15-1 16,1 1-16,-1-1 16,0 1-16,15 7 15,1-7 1,22 7-16,-15 8 15,-8-1-15,-7 1 16,-8 0 0,0-8-16,1 0 15,-1-7-15,23 15 16,-8-8-16,1 8 16,-1-1-1,-15-6-15,0 6 16,1 1-16,6 8 15,1-1 1,0-7-16,7 15 16,-7 8-16,-8-1 15,1-7-15,-1 8 16,0 15 0,0 0-16,-7-8 15,-8-7-15,8 23 16,0-9-16,-1-6 15,1 7 1,7 7-16,0 24 16,1-24-1,-1 1-15,-7 22 16,-1 1-16,1-16 16,-8 8-16,0 0 15,0 0 1,0-16-16,0 47 15,-7-24-15,0 16 16,-1 15-16,-7-15 16,0 7-1,0-7-15,0 15 16,0-8-16,0-15 16,0-7-1,0 22-15,0-15 16,0 8-16,-7 0 15,-1-8-15,0 23 16,1-8 0,-8-15-16,-8 16 15,-7-16-15,0-15 16,-8 23 0,0-16-16,0 0 15,0 9-15,8-1 16,0 7-16,-8 1 15,0-15 1,-15 7-16,16-15 16,-9-16-16,9-7 15,6 0-15,1-15 16,7 7 0,1-15-16,-9 8 15,1 0-15,-15 7 16,-1 8-1,-6-15-15,6-1 16,-7 16-16,8 8 16,7-1-1,-7-7-15,-16 0 16,1 0-16,14-7 16,9-9-16,-1 1 15,0 0 1,-7 15-16,-1-8 15,1-7-15,-16 15 16,16-23-16,0 7 16,15-22-1,-8 8-15,-8-9 16,1-14-16,-15 7 16,7 0-1,0 8-15,7 0 16,-7 7-16,1 1 15,-1-16-15,-8 0 16,-14 0 0,6-15-16,-21 8 15,-1-9 1,8 9-16,83-31 16,-257 114-16,249-106 15,-30 15-15,-30 7 16,16-7-16,-17 8 15,-14 7 1,0-7-16,15-1 16,0 1-16,8-8 15,7-1-15,-30 1 16,-1-7 0,9-9-16,7 1 15,-8-8-15,-22 7 16,22 1-1,8 0-15,15 7 16,-30 0-16,-23 1 16,31-9-16,-1 1 15,-30-8 1,31-8-16,-1-7 16,0-8-16,16 0 15,-31-15-15,8 7 16,8 1-1,7 7-15,-16-15 16,1 0-16,15-8 16,68 46-16,-257-252 15,242 244 1,-30-22-16,-31-39 16,8-15-1,-8-7-15,1 22 16,7 8-16,0-38 15,15 7-15,7 23 16,-6-7 0,-17-31-16,1-15 15,16 38-15,-9-23 16,8-22-16,8 37 16,-16-23-1,-22-37-15,30 53 16,8 7-16,45 92 15,-197-389-15,190 374 16,-39-62 0,-37-37-16,8 22 15,-1-15-15,-22-15 16,30 38-16,15 8 16,0-16-1,8 1-15,-1 7 16,1 7-16,-8-7 15,-15-7 1,7 7-16,1 0 16,7-8-16,-15-37 15,0 14 1,7-7-16,9-15 16,6 7-16,16 0 15,7 16-15,1-1 16,-1-22-16,8-8 15,0 7 1,0-14-16,-1-1 16,-14 8-16,-8-7 15,-7-9 1</inkml:trace>
+  <inkml:trace contextRef="#ctx0" brushRef="#br0" timeOffset="45397.15">13328 2992 0,'0'0'15,"0"0"-15,0 0 16,8 0-16,14-8 15,8-7-15,8 0 16,0-8 0,-8 0-16,1 0 15,14-15-15,0 7 16,8 1 0,0 7-16,-8 8 15,-7-1-15,-8 9 16,-30 7-1</inkml:trace>
+  <inkml:trace contextRef="#ctx0" brushRef="#br0" timeOffset="45985.85">13555 3686 0,'0'0'16,"7"-7"-16,16-9 15,37-22 1,54-7-16,-31 14 16,15 0-16,8 1 15,-38 7-15,-30 8 16,-8-1 0,-30 16-16</inkml:trace>
+  <inkml:trace contextRef="#ctx0" brushRef="#br0" timeOffset="46608.29">13313 4137 0,'7'0'16,"24"-16"-16,37-14 15,-15-1-15,15-7 16,37-8 0,-6 8-16,-31 8 15,0-8-15,15-8 16,15-8-16,-98 54 16</inkml:trace>
+  <inkml:trace contextRef="#ctx0" brushRef="#br0" timeOffset="46993.42">13404 4930 0,'0'0'0,"0"0"16,7 0 0,8 0-16,15-7 15,1-8-15,7-8 16,37-23 0,39-23-16,-114 69 15</inkml:trace>
+  <inkml:trace contextRef="#ctx0" brushRef="#br0" timeOffset="52105.01">12852 5724 0,'0'0'0,"0"0"0,0 0 16,0 0-1,-8 0-15,-7-7 16,-8 7-16,-14 0 15,-16 15 1,-15 31-16,0 22 16,15 16-16,0 8 15,15-16-15,15-15 16,16-7 0,7-9-16,7-6 15,8-1-15,16 0 16,6-8-16,9-7 15,14 0 1,1-15-16,-16-8 16,-7 0-16,0-8 15,7-15 1,8 0-16,15-22 16,0-1-16,-23-8 15,-14 9 1,-16 14-16,0 1 15,-15-1-15,0 1 16,-38-24-16,-15-7 16,-7 0-1,14 8-15,-7-1 16,-22 1-16,75 53 16</inkml:trace>
+  <inkml:trace contextRef="#ctx0" brushRef="#br0" timeOffset="54555.7">7779 6213 0,'0'0'16,"0"0"-16,0 0 15,0 0 1,0 0-16,0 0 15,0 0-15,0 0 16,0 0 0,8 7-16,-1 1 15,8 0-15,16 7 16,29 8 0,16 0-16,-8-8 15,7 0-15,24 8 16,6-8-16,-37-7 15,16 7-15,14 0 16,0-7 0,-15 0-16,-15-1 15,8 1-15,-8 0 16,-23-1 0,-7-7-16,-8 0 15,-7 0-15,-8 0 16,-7 0-16,-1 0 15,1 0 1,-8 0-16,0 0 16,0 0-16,0 0 15,0 0 1,0 0-16,0 0 16,0 0-16,0 0 15,0 0-15,0 0 16,0 0-1,0 0-15,0 0 16,0 0-16,0 0 16,0 0-16,0 0 15,0 0 1,0 0-16,0 0 16,0 0-16,0 0 15,0 0-15,0 0 16,0 0-1,0 0-15,0 0 16,0 0-16,0 0 16,0 0-1,0 0-15,0 0 16,0 0-16,0 0 16,0 0-16,0 0 15,0 0 1,0 0-16,0 0 15,0 0-15,0 0 16,0 0 0,0 0-16,0 0 15,0 0-15,0 0 16,0 0-16,0 0 16,0 0-1,0 0-15,0 0 16,0 0-16,0 0 15,0 0-15,0 0 16,0 0 0,0 0-16,0 0 15,-8 0-15,8 0 16,0 0 0,0 0-16,0 0 15,0 0-15,0 0 16,0 0-16,-7 0 15,7 0 1,-8 8-16,8-8 16</inkml:trace>
+  <inkml:trace contextRef="#ctx0" brushRef="#br0" timeOffset="55521.6">9782 5991 0,'0'0'0,"0"0"15,0 0-15,-7 0 16,-8-7-16,0-1 16,7 8-1,-7 0-15,0-8 16,15 8-16</inkml:trace>
+  <inkml:trace contextRef="#ctx0" brushRef="#br0" timeOffset="56403.18">9132 6480 0,'0'0'16,"0"0"-16,8-8 15,-1 0-15,8-7 16,8-8-16,0-7 16,7-16-1,23-15-15,15-8 16,0 1-16,-15 14 16,-8 1-16,-7-1 15,-8 16 1,1 8-16,-9 7 15,-7 15-15,-7 0 16,-8 8 0,0 0-16,0 0 15,0 8-15,0 0 16,0-1-16,0 1 16,-8 7-1,1-7-15,7-1 16,0-7-16,0 0 15</inkml:trace>
+  <inkml:trace contextRef="#ctx0" brushRef="#br0" timeOffset="59629.35">9578 5900 0,'0'0'16,"0"0"-16,0 0 16,0 0-1,8 0-15,7 0 16,8 0-16,22 0 15,23-8-15,-7-7 16,-16 0 0,-7-8-16,-1 0 15,1 0-15,8 0 16,-1 0 0,8 0-16,0 0 15,-53 23-15</inkml:trace>
+  <inkml:trace contextRef="#ctx1" brushRef="#br0">8446 3993 0,'-48'79'188,"40"-55"-173,-8 31-15,-15 25 16,-17-17-16,16 17 16,-23 47-16,-41 31 0,49-55 15,-41 144-15,17-120 16,15 23-16,-15 160 16,0-175-16,31 127 15,-16-135-15,17 119 16,-17-103-16,40 8 15,-8-32-15,9 31 16,-1-7-16,0-39 16,-24-1-16,16-64 0,8 17 15,8-16-15,-23-1 16,23 9-16,-8-8 16,0-17-16,8-7 15,8 16-15,0-24 16,0 8-16,0 0 15,0 8-15,0-9 16,0 25-16,-24-8 16,8 8-16,8-33 0,8 17 15,0-8-15,-7 0 16,7-8 0,-16 0-1,8 16-15,8 87 16,-16-71-16,16-1 15,0 88-15,0 16 16,16 0-16,23 55 0,-31-158 16,24 0-16,-8 15 15,-8-31-15,-8 0 16,-8-16-16,8 8 16,8-8-16,-9 16 15,1-24-15,16 23 16,16-15-16,39 40 15,24 7-15,-15-7 16,15-16-16,-47 0 16,-1-16-16,-31-16 15,0 0-15,-16 0 16,15-8-16,-15 0 16,16 0-16,-16-8 15,8 0 1,8-48-16,8 9 15,39-32-15,-23 7 0,23-31 16,24-64-16,-15 25 16,-9 23-16,-31-48 15,-24 119-15,16-47 16,39-24-16,-8-95 16,-23 55-16,-8 16 15,23 48-15,-39-24 0,0-16 16,8-95-16,-24 95 15,40-23-15,-40 39 16,0-80-16,16 80 16,23-174-16,-39 205 15,-8-7-15,8 32 16,0 15-16,-16-15 16,16 31-16,-7 1 15,-9 15-15,16-16 0,0 16 16,0 0-16,-8-7 15,8-25-15,-16 32 16,0-15-16,8-17 16,-40-8-16,25 25 15,-9-1-15,8 16 16,8 1-16,-8-9 0,16 8 16,-7-16-16,-1 8 15,8-7-15,-24-41 16,8 57-16,-16-17 15,25 16-15,-1-16 16,8 25-16,0 7 16,0 0-16,-8 0 15,8-8-15,-16 16 16,0-8-16,17 8 16,-1 0-16,-8 0 15,8 0-15,0 0 16,-16 0-16,0-16 15,0-8-15,1 8 16,-9-7-16,16 23 16,0-24-16,8 24 15,0 0-15,-16-8 0,1 8 16,15 0 0,-16 0-16</inkml:trace>
+</inkml:ink>
+</file>
+
+<file path=ppt/ink/ink2.xml><?xml version="1.0" encoding="utf-8"?>
+<inkml:ink xmlns:inkml="http://www.w3.org/2003/InkML">
+  <inkml:definitions>
+    <inkml:context xml:id="ctx0">
+      <inkml:inkSource xml:id="inkSrc0">
+        <inkml:traceFormat>
+          <inkml:channel name="X" type="integer" max="3200" units="cm"/>
+          <inkml:channel name="Y" type="integer" max="1800" units="cm"/>
+          <inkml:channel name="T" type="integer" max="2.14748E9" units="dev"/>
+        </inkml:traceFormat>
+        <inkml:channelProperties>
+          <inkml:channelProperty channel="X" name="resolution" value="108.84354" units="1/cm"/>
+          <inkml:channelProperty channel="Y" name="resolution" value="109.09091" units="1/cm"/>
+          <inkml:channelProperty channel="T" name="resolution" value="1" units="1/dev"/>
+        </inkml:channelProperties>
+      </inkml:inkSource>
+      <inkml:timestamp xml:id="ts0" timeString="2021-01-23T01:46:18.592"/>
+    </inkml:context>
+    <inkml:brush xml:id="br0">
+      <inkml:brushProperty name="width" value="0.05292" units="cm"/>
+      <inkml:brushProperty name="height" value="0.05292" units="cm"/>
+      <inkml:brushProperty name="color" value="#FF0000"/>
+    </inkml:brush>
+  </inkml:definitions>
+  <inkml:trace contextRef="#ctx0" brushRef="#br0">8882 9406 0</inkml:trace>
+</inkml:ink>
+</file>
+
+<file path=ppt/ink/ink3.xml><?xml version="1.0" encoding="utf-8"?>
+<inkml:ink xmlns:inkml="http://www.w3.org/2003/InkML">
+  <inkml:definitions>
+    <inkml:context xml:id="ctx0">
+      <inkml:inkSource xml:id="inkSrc0">
+        <inkml:traceFormat>
+          <inkml:channel name="X" type="integer" max="3200" units="cm"/>
+          <inkml:channel name="Y" type="integer" max="1800" units="cm"/>
+          <inkml:channel name="T" type="integer" max="2.14748E9" units="dev"/>
+        </inkml:traceFormat>
+        <inkml:channelProperties>
+          <inkml:channelProperty channel="X" name="resolution" value="108.84354" units="1/cm"/>
+          <inkml:channelProperty channel="Y" name="resolution" value="109.09091" units="1/cm"/>
+          <inkml:channelProperty channel="T" name="resolution" value="1" units="1/dev"/>
+        </inkml:channelProperties>
+      </inkml:inkSource>
+      <inkml:timestamp xml:id="ts0" timeString="2021-01-23T01:47:56.453"/>
+    </inkml:context>
+    <inkml:brush xml:id="br0">
+      <inkml:brushProperty name="width" value="0.05292" units="cm"/>
+      <inkml:brushProperty name="height" value="0.05292" units="cm"/>
+      <inkml:brushProperty name="color" value="#FF0000"/>
+    </inkml:brush>
+  </inkml:definitions>
+  <inkml:trace contextRef="#ctx0" brushRef="#br0">11454 8033 0</inkml:trace>
+</inkml:ink>
+</file>
+
+<file path=ppt/ink/ink4.xml><?xml version="1.0" encoding="utf-8"?>
+<inkml:ink xmlns:inkml="http://www.w3.org/2003/InkML">
+  <inkml:definitions>
+    <inkml:context xml:id="ctx0">
+      <inkml:inkSource xml:id="inkSrc0">
+        <inkml:traceFormat>
+          <inkml:channel name="X" type="integer" max="3200" units="cm"/>
+          <inkml:channel name="Y" type="integer" max="1800" units="cm"/>
+          <inkml:channel name="T" type="integer" max="2.14748E9" units="dev"/>
+        </inkml:traceFormat>
+        <inkml:channelProperties>
+          <inkml:channelProperty channel="X" name="resolution" value="108.84354" units="1/cm"/>
+          <inkml:channelProperty channel="Y" name="resolution" value="109.09091" units="1/cm"/>
+          <inkml:channelProperty channel="T" name="resolution" value="1" units="1/dev"/>
+        </inkml:channelProperties>
+      </inkml:inkSource>
+      <inkml:timestamp xml:id="ts0" timeString="2021-01-23T02:17:02.653"/>
+    </inkml:context>
+    <inkml:brush xml:id="br0">
+      <inkml:brushProperty name="width" value="0.05292" units="cm"/>
+      <inkml:brushProperty name="height" value="0.05292" units="cm"/>
+      <inkml:brushProperty name="color" value="#FF0000"/>
+    </inkml:brush>
+  </inkml:definitions>
+  <inkml:trace contextRef="#ctx0" brushRef="#br0">9025 5461 0,'0'71'140,"8"49"-140,-8-49 16,0 56-16,0-8 16,0-48-16,0-15 15,0 55 1,0-63-16,0 31 16,0 8-1,-16-47-15,16 0 16,0-1-16,0 1 0,0-16 15,0-16-15,0 0 16,0 16-16,0-16 16,0 15-16,0 17 15,0-32 1,0 16-16,8 47 16,0-47-16,8 32 15,-16-40-15,0-8 16,8-1-16,8-7 15,-8 0 1,0 0 0,0 0-16,8 0 15,47 24 1,-23-8-16,39 32 16,-23-17-16,39-23 15,-55-8-15,31 16 16,-47-16-16,16 0 15,55-8 1,-32-15 0,-7 15-16,23-32 15,25 24-15,-49 8 16,1 8-16,-17-32 16,588-190 15,-619 222-31,56-32 0,39-31 31,-63 47-31,-32 8 16,23 8-1,-23-24 1,-8 0 0,24 9-16,-24-17 15,16-8-15,32-79 16,-48 79-16,55-722 15,-55 667 1,-8 16-16,-8 55 16,8 0-16,8 0 15,-15 0-15,7-7 16,0 31 0,-16 0-1,16-8-15,8 0 0,-16 8 16,-8-16-16,16 16 15,0-8-15,-79-79 16,47 47-16,1 8 16,-1 24-1,16-8-15,8 16 0,8 0 16,0 0 171,1 0-187,-9 0 16,8 0 0,0 0-16,0 0 15,-8 8 220,8 0-235,-16 0 15,16 8-15,-16-8 16,-23 16 0,39-16-16,0-8 15,-198 119-15,166-127 16,-8 8-1,32 0-15,8 0 16,1 8-16,-9 0 16,16 0-1,0 0-15,0 8 16,0-1 0,0 1-1,0-8-15,0 0 16,0 0-1,8-8 1,-8 16-16,8-24 31,-8 0-15,0 24 31,0-8-32,0 0-15,0 8 16,-24-24 15,-87-8-31,71-8 16,8 8-16,0 8 16,1-8-16,23 16 15,0 0-15,-16 0 16,16 0-16,0 0 15,-24 0 1,16 0-16,9 0 16,-144 80-1,143-80 204,0 0-203,-8 0-1,8 0-15,0 0 47,-8 0-31,8 0-1,0 0 1,-15 0-16,-1-8 16,0 8-16,-8-16 15,24 16 1,-16 0-16,16 0 16,0 0-16,-7 0 15,7 0-15,0 0 16</inkml:trace>
+  <inkml:trace contextRef="#ctx0" brushRef="#br0" timeOffset="6676.68">18027 7699 0,'24'-23'282,"-16"-1"-267,7 16 1,9-16-16,-16 0 0,24-31 16,-24 31-1,16 0-15,7-8 0,-23 24 16,0-23-16,8 15 15,-8 8-15,0 0 16,8 8 15,0 0-15,0 0 0,15-16-16,-23 8 15,8 0-15,-8 0 16,0-8-16,16 8 15,0-31-15,-8 15 16,-8 16-16,-1-16 0,9 0 16,0 0-1,24-23-15,-32 39 0,0-16 16,8 16 0,-8 0-16,15-55 15,-15 55-15,8-16 16,24 0-16,-16-16 15,-8 17-15,7-9 16,1 24-16,0-8 16,0 8-16,-8-16 15,-8 24 17,95-71 14,-95 55-46,0 8 16,0 0 62,-16 8 32,0 0-110,-16 0 15,-24-63-15</inkml:trace>
+  <inkml:trace contextRef="#ctx0" brushRef="#br0" timeOffset="35053.75">15002 5667 0,'56'-87'297,"-32"47"-297,-8 1 0,8-41 15,-9 57 1,9-1 0,-8-16-16,8 24 0,0-24 15,-8 17-15,7 15 16,17-24-16,-32 8 16,8 16-16,0 0 15,0-8-15,254-214 31,-255 214-15,-7 8 0,16 0-16,-16-7 15,0-9 32,-8 16 16,0 0-32,-8 8-31,0 0 16,-8 0-16,-8-24 15,-15 8-15,7 8 16</inkml:trace>
+  <inkml:trace contextRef="#ctx0" brushRef="#br0" timeOffset="37443.37">14947 5588 0,'16'-24'328,"-16"16"-328,0 0 32,8-16 77,-8 1-109,0 15 16,0 0-1,8-16 1,8 32 281,-16 8-266,7-16-31,-7 16 16,0 0-1,24-9-15,-24 1 31,0 8-15,8-8 15,-8 0-15,8 0 0,-8 8-16,0-8 15,0 0-15,0 8 16,16-16-16,-16 8 15,0 0 1,0 0 0,0 7-1,0-7 1,0 16 15,8-24-15,0 0 15,0 0 16,8 0-31,-8-16-1,15 0 16,-15 9-31,8-1 16,-8-8 15,0 8-31,8 0 16,-8 0 0,0-8-16,0 8 15,16 0 1,-8-8 15,-16 8 78</inkml:trace>
+  <inkml:trace contextRef="#ctx0" brushRef="#br0" timeOffset="70640.25">14193 7279 0,'16'0'219,"-8"0"-203,23 0-1,-23 0-15,24 0 0,8-16 16,-1 16 0,-15 0-16,48-16 15,-48 16-15,71-16 16,-71 16-16,-1 0 15,25 0-15,-24 0 0,0 0 16,-16 0-16,31-8 16,1 8-16,-24 0 15,16-16-15,-24 16 16,-1-8-16,25 8 16,-16 0-16,16 0 15,-24 0 1,0 0-1,8 0-15,-8 0 16,15 0-16,-15 0 31,0 0-15,0 0 46,40 0-30,-9 0-32,-15 0 15,0 0-15,16 0 16,-8 0-16,15 0 16,-39 0-1,16 0-15,-16 0 16,16 0-16,-16-8 0,7 8 15,-7-8-15,24-23 16,-24 31 0,32-8-1,-32 8-15,0 0 16,23-8 0,-15 8-16,-8 0 15,0 0-15,16 0 0,-16 0 31,8 0-15,-16 8 15,0 16-15,0-16 15,-8-8-31,0 15 31,-16-15-15,16 0 0,0 0-1,-16-47-15,9 47 16,-105-230-16</inkml:trace>
+  <inkml:trace contextRef="#ctx0" brushRef="#br0" timeOffset="81645.36">13844 10104 0,'7'0'297,"1"0"-266,0 0-15,32 0 0,-32 0-16,0 0 15,0 0-15,8 0 16,-8 0-16,0 0 15,15 0 1,17 0 0,-32 0-16,0 0 15,16 0-15,-16 0 16,8 0 0,-8 0-16,15 0 15,-15 0-15,0 0 16,16-15-16,-16 15 0,8 0 15,-8 0-15,0 0 16,16 0 31,-17 0-31,17 0-16,-16 0 15,0 0-15,16 0 16,16 0-1,-32 0 1,15 0-16,-15 0 16,16 0-16,-16 0 15,0 0-15,16 0 16,0 0 0,-16 0-1,0 0 1,7 0-16,1 0 15,0-8 1,0 8-16,0 0 16,-8 0 31,0 0-32,32-16-15,-33 16 16,25 0-1,-16 0-15,-8 0 0,0 0 16,0 0-16,71-24 16,-71 24-1,32 0-15,-16 0 16,-16 0 0,23 0-16,-7 0 15,-16 0-15,8 0 0,-8 0 16,0 0-16,8 0 15,-8 0 17,39 0-17,-23 0 1,-8 0-16,8 0 16,16 0-16,-17 0 15,-15 0-15,16 0 16,-16 0-16,8 0 0,-8 0 15,16 0 1,-8 0 31,23-8-31,-7 8-1,8 0-15,-17 0 16,-15 0-16,8 0 0,-8 0 15,0 0-15,8 0 16,-8 0-16,16 0 16,-16 0-1,16 0 1,-17 0-16,1 0 16,16 0-16,-16 0 15,16 0-15,-16 0 16,0 0-16,8 0 78,0 0-78,-1 0 16</inkml:trace>
+  <inkml:trace contextRef="#ctx0" brushRef="#br0" timeOffset="86657.88">9375 9295 0,'15'24'204,"-15"-1"-189,8 17 1,8 16-16,0 15 15,-8-15-15,8-17 16,-16-15-16,0-16 16,0 8-16,0-8 15,8-8 17,-8 24-32,0-16 31,16-8-16,0 0 17,-1 0-17,-7 0 17,0 0-32,16 8 15,16 23-15,31-7 0,-31-8 16,0 0-16,15-16 15,-31 0-15,16 24 16,-1-24-16,1 0 16,-16 0-16,47 0 15,-47 0-15,32 0 16,15 0-16,48 0 16,-63 0-1,-16-16-15,15 16 16,1 0-16,-33 0 15,25-16-15,-24 16 0,0 0 16,15-16-16,1 16 16,-16 0-16,16-8 15,-17 8-15,33-16 16,-24 0-16,7 16 16,73-7-1,-33 7 1,-63 0-16,8 0 15,-1 0-15,33-16 16,-32 16-16,0-16 16,-1 16-16,33-24 0,-16 8 15,-1 0-15,17 16 16,-8 0-16,23 0 16,8-16-16,33 16 15,-81 0 1,25 0-16,-32 8 0,15-8 15,17 0-15,-16 0 16,-9 0-16,41 0 16,-33 0-16,1 0 15,32 0-15,-49 0 16,17 0-16,8 0 16,-24 0-16,15 0 0,-15 0 15,16 16-15,-32-16 16,0 0-1,7 0-15,-7-8 47,-8 0 0,8 0-31,-8 0-16,16-31 15,-8 31-15,0-32 16,40 0-16,-40 1 16,-8 7-16,16 0 15,-9 24-15,-7 0 16,0 16 78,-7-8-63,-9 0-31,8 0 16</inkml:trace>
+  <inkml:trace contextRef="#ctx0" brushRef="#br0" timeOffset="92657.71">14923 10279 0,'0'8'187,"0"16"-187,0-16 16,0 16-1,0-17-15,0 1 16,0 16-16,0-16 0,0 16 16,0-16-16,8 16 15,-8-16-15,0 23 16,0-23 0,0 8-16,0-8 46,0 0-30,0 16 0,0 0-16,0 15 15,0-23 1,0 0-16,0-8 16,0 0-16,0 0 31,0 32-16,16-1-15,-16 33 16,0-17 0,0-31-16,0 0 15,0-16-15,0 24 16,0-16 0,0-8 15,8-8 16,8 0-32,-8 0 17,0 0-17,0-16 1,7 0-16,9 0 15,-16 16 1,16 0-16,-16 0 0,8-8 16,0 8-16,23 0 15,9-16 1,-40 16 0,32-8-16,-9 8 0,25-24 15,-24 0 1,-1 24-1,-7 0-15,0-23 0,0 7 16,39-16 0,9 24-16,-17-8 15,-31 16-15,0 0 16,0 0 0,0 0-16,23-8 15,-23 8-15,-16-8 16,16 8-16,-16 0 15,16 0-15,-17 0 16,17 0-16,-16-15 0,0 15 16,16 0-16,-16 0 15,47-8 1,-47 8 0,8 0-16,-8-24 15,0 24 1,8 0-16,79-16 15,-39 8 1,15 8-16,-47 0 16,0 0-16,-16 0 15,16 0-15,-40-16 266,8 16-250,0 0-1,0 0-15,-8 0 16,16-8-1,-16 8-15,0 0 32,8 0-17,1 0 1,-9 0 0,-72 95-16</inkml:trace>
+</inkml:ink>
+</file>
+
+<file path=ppt/ink/ink5.xml><?xml version="1.0" encoding="utf-8"?>
+<inkml:ink xmlns:inkml="http://www.w3.org/2003/InkML">
+  <inkml:definitions>
+    <inkml:context xml:id="ctx0">
+      <inkml:inkSource xml:id="inkSrc0">
+        <inkml:traceFormat>
+          <inkml:channel name="X" type="integer" max="3200" units="cm"/>
+          <inkml:channel name="Y" type="integer" max="1800" units="cm"/>
+          <inkml:channel name="T" type="integer" max="2.14748E9" units="dev"/>
+        </inkml:traceFormat>
+        <inkml:channelProperties>
+          <inkml:channelProperty channel="X" name="resolution" value="108.84354" units="1/cm"/>
+          <inkml:channelProperty channel="Y" name="resolution" value="109.09091" units="1/cm"/>
+          <inkml:channelProperty channel="T" name="resolution" value="1" units="1/dev"/>
+        </inkml:channelProperties>
+      </inkml:inkSource>
+      <inkml:timestamp xml:id="ts0" timeString="2021-01-23T02:23:39.488"/>
+    </inkml:context>
+    <inkml:brush xml:id="br0">
+      <inkml:brushProperty name="width" value="0.05292" units="cm"/>
+      <inkml:brushProperty name="height" value="0.05292" units="cm"/>
+      <inkml:brushProperty name="color" value="#FF0000"/>
+    </inkml:brush>
+  </inkml:definitions>
+  <inkml:trace contextRef="#ctx0" brushRef="#br0">4588 10962 0</inkml:trace>
+</inkml:ink>
 </file>
 
 <file path=ppt/notesMasters/notesMaster1.xml><?xml version="1.0" encoding="utf-8"?>
@@ -975,7 +1149,7 @@
   <p:cSld>
     <p:spTree>
       <p:nvGrpSpPr>
-        <p:cNvPr id="1" name="Shape 225"/>
+        <p:cNvPr id="1" name="Shape 232"/>
         <p:cNvGrpSpPr/>
         <p:nvPr/>
       </p:nvGrpSpPr>
@@ -989,7 +1163,7 @@
       </p:grpSpPr>
       <p:sp>
         <p:nvSpPr>
-          <p:cNvPr id="226" name="Google Shape;226;g35f391192_09:notes"/>
+          <p:cNvPr id="233" name="Google Shape;233;p:notes"/>
           <p:cNvSpPr>
             <a:spLocks noGrp="1" noRot="1" noChangeAspect="1"/>
           </p:cNvSpPr>
@@ -1030,7 +1204,7 @@
       </p:sp>
       <p:sp>
         <p:nvSpPr>
-          <p:cNvPr id="227" name="Google Shape;227;g35f391192_09:notes"/>
+          <p:cNvPr id="234" name="Google Shape;234;p:notes"/>
           <p:cNvSpPr txBox="1">
             <a:spLocks noGrp="1"/>
           </p:cNvSpPr>
@@ -1079,7 +1253,7 @@
   <p:cSld>
     <p:spTree>
       <p:nvGrpSpPr>
-        <p:cNvPr id="1" name="Shape 232"/>
+        <p:cNvPr id="1" name="Shape 225"/>
         <p:cNvGrpSpPr/>
         <p:nvPr/>
       </p:nvGrpSpPr>
@@ -1093,7 +1267,7 @@
       </p:grpSpPr>
       <p:sp>
         <p:nvSpPr>
-          <p:cNvPr id="233" name="Google Shape;233;p:notes"/>
+          <p:cNvPr id="226" name="Google Shape;226;g35f391192_09:notes"/>
           <p:cNvSpPr>
             <a:spLocks noGrp="1" noRot="1" noChangeAspect="1"/>
           </p:cNvSpPr>
@@ -1134,7 +1308,7 @@
       </p:sp>
       <p:sp>
         <p:nvSpPr>
-          <p:cNvPr id="234" name="Google Shape;234;p:notes"/>
+          <p:cNvPr id="227" name="Google Shape;227;g35f391192_09:notes"/>
           <p:cNvSpPr txBox="1">
             <a:spLocks noGrp="1"/>
           </p:cNvSpPr>
@@ -2856,7 +3030,7 @@
             </a:pPr>
             <a:fld id="{00000000-1234-1234-1234-123412341234}" type="slidenum">
               <a:rPr lang="en"/>
-              <a:t>‹Nº›</a:t>
+              <a:t>‹#›</a:t>
             </a:fld>
             <a:endParaRPr/>
           </a:p>
@@ -3699,7 +3873,7 @@
             </a:pPr>
             <a:fld id="{00000000-1234-1234-1234-123412341234}" type="slidenum">
               <a:rPr lang="en"/>
-              <a:t>‹Nº›</a:t>
+              <a:t>‹#›</a:t>
             </a:fld>
             <a:endParaRPr/>
           </a:p>
@@ -4576,7 +4750,7 @@
             </a:pPr>
             <a:fld id="{00000000-1234-1234-1234-123412341234}" type="slidenum">
               <a:rPr lang="en"/>
-              <a:t>‹Nº›</a:t>
+              <a:t>‹#›</a:t>
             </a:fld>
             <a:endParaRPr/>
           </a:p>
@@ -4731,7 +4905,7 @@
           <a:p>
             <a:fld id="{FCDD6BAC-CCD5-4E98-95CD-357AD7155BD4}" type="slidenum">
               <a:rPr lang="en-US" smtClean="0"/>
-              <a:t>‹Nº›</a:t>
+              <a:t>‹#›</a:t>
             </a:fld>
             <a:endParaRPr lang="en-US"/>
           </a:p>
@@ -5537,7 +5711,7 @@
               <a:defRPr/>
             </a:pPr>
             <a:r>
-              <a:rPr lang="en-US" sz="900" kern="1200" dirty="0" smtClean="0">
+              <a:rPr lang="en-US" sz="900" kern="1200" dirty="0">
                 <a:solidFill>
                   <a:schemeClr val="bg1"/>
                 </a:solidFill>
@@ -5547,14 +5721,6 @@
               </a:rPr>
               <a:t>Leon Palafox</a:t>
             </a:r>
-            <a:endParaRPr lang="en-US" sz="900" kern="1200" dirty="0">
-              <a:solidFill>
-                <a:schemeClr val="bg1"/>
-              </a:solidFill>
-              <a:latin typeface="Arial" charset="0"/>
-              <a:ea typeface="+mn-ea"/>
-              <a:cs typeface="Arial" charset="0"/>
-            </a:endParaRPr>
           </a:p>
         </p:txBody>
       </p:sp>
@@ -5597,35 +5763,35 @@
           <a:p>
             <a:pPr lvl="0"/>
             <a:r>
-              <a:rPr lang="es-ES" smtClean="0"/>
+              <a:rPr lang="es-ES"/>
               <a:t>Editar el estilo de texto del patrón</a:t>
             </a:r>
           </a:p>
           <a:p>
             <a:pPr lvl="1"/>
             <a:r>
-              <a:rPr lang="es-ES" smtClean="0"/>
+              <a:rPr lang="es-ES"/>
               <a:t>Segundo nivel</a:t>
             </a:r>
           </a:p>
           <a:p>
             <a:pPr lvl="2"/>
             <a:r>
-              <a:rPr lang="es-ES" smtClean="0"/>
+              <a:rPr lang="es-ES"/>
               <a:t>Tercer nivel</a:t>
             </a:r>
           </a:p>
           <a:p>
             <a:pPr lvl="3"/>
             <a:r>
-              <a:rPr lang="es-ES" smtClean="0"/>
+              <a:rPr lang="es-ES"/>
               <a:t>Cuarto nivel</a:t>
             </a:r>
           </a:p>
           <a:p>
             <a:pPr lvl="4"/>
             <a:r>
-              <a:rPr lang="es-ES" smtClean="0"/>
+              <a:rPr lang="es-ES"/>
               <a:t>Quinto nivel</a:t>
             </a:r>
             <a:endParaRPr lang="en-US" dirty="0"/>
@@ -5661,7 +5827,7 @@
           </a:lstStyle>
           <a:p>
             <a:r>
-              <a:rPr lang="es-ES" smtClean="0"/>
+              <a:rPr lang="es-ES"/>
               <a:t>Haga clic para modificar el estilo de título del patrón</a:t>
             </a:r>
             <a:endParaRPr lang="en-US" dirty="0"/>
@@ -5730,7 +5896,7 @@
           <a:p>
             <a:fld id="{EE30A369-18F9-4BE8-9B0F-1974E6BF41F7}" type="slidenum">
               <a:rPr lang="en-US" smtClean="0"/>
-              <a:t>‹Nº›</a:t>
+              <a:t>‹#›</a:t>
             </a:fld>
             <a:endParaRPr lang="en-US"/>
           </a:p>
@@ -5874,13 +6040,6 @@
       </p:transition>
     </mc:Fallback>
   </mc:AlternateContent>
-  <p:timing>
-    <p:tnLst>
-      <p:par>
-        <p:cTn id="1" dur="indefinite" restart="never" nodeType="tmRoot"/>
-      </p:par>
-    </p:tnLst>
-  </p:timing>
 </p:sldLayout>
 </file>
 
@@ -6536,7 +6695,7 @@
             </a:pPr>
             <a:fld id="{00000000-1234-1234-1234-123412341234}" type="slidenum">
               <a:rPr lang="en"/>
-              <a:t>‹Nº›</a:t>
+              <a:t>‹#›</a:t>
             </a:fld>
             <a:endParaRPr/>
           </a:p>
@@ -7301,7 +7460,7 @@
               <a:buNone/>
             </a:pPr>
             <a:r>
-              <a:rPr lang="es-MX" dirty="0" smtClean="0"/>
+              <a:rPr lang="es-MX" dirty="0"/>
               <a:t>Inteligencia Artificial</a:t>
             </a:r>
             <a:endParaRPr dirty="0"/>
@@ -7376,7 +7535,7 @@
                   <a:schemeClr val="tx1"/>
                 </a:solidFill>
               </a:rPr>
-              <a:t>lpalafox@up.edu.mx</a:t>
+              <a:t>lfpalafox@up.edu.mx</a:t>
             </a:r>
           </a:p>
         </p:txBody>
@@ -7525,10 +7684,9 @@
           <a:lstStyle/>
           <a:p>
             <a:r>
-              <a:rPr lang="es-MX" dirty="0" smtClean="0"/>
-              <a:t>¿Qué es la ciencia de datos?</a:t>
-            </a:r>
-            <a:endParaRPr lang="es-MX" dirty="0"/>
+              <a:rPr lang="es-MX" dirty="0"/>
+              <a:t>Historia</a:t>
+            </a:r>
           </a:p>
         </p:txBody>
       </p:sp>
@@ -7668,10 +7826,9 @@
           <a:lstStyle/>
           <a:p>
             <a:r>
-              <a:rPr lang="es-MX" dirty="0" smtClean="0"/>
+              <a:rPr lang="es-MX" dirty="0"/>
               <a:t>Renacimiento de ML</a:t>
             </a:r>
-            <a:endParaRPr lang="es-MX" dirty="0"/>
           </a:p>
         </p:txBody>
       </p:sp>
@@ -7786,10 +7943,9 @@
           <a:lstStyle/>
           <a:p>
             <a:r>
-              <a:rPr lang="es-MX" dirty="0" smtClean="0"/>
+              <a:rPr lang="es-MX" dirty="0"/>
               <a:t>Renacimiento de ML</a:t>
             </a:r>
-            <a:endParaRPr lang="es-MX" dirty="0"/>
           </a:p>
         </p:txBody>
       </p:sp>
@@ -7809,12 +7965,8 @@
           <a:lstStyle/>
           <a:p>
             <a:r>
-              <a:rPr lang="es-MX" sz="2000" dirty="0" smtClean="0"/>
-              <a:t>IA </a:t>
-            </a:r>
-            <a:r>
               <a:rPr lang="es-MX" sz="2000" dirty="0"/>
-              <a:t>se renombro Machine </a:t>
+              <a:t>IA se renombro Machine </a:t>
             </a:r>
             <a:r>
               <a:rPr lang="es-MX" sz="2000" dirty="0" err="1"/>
@@ -7927,7 +8079,29 @@
       </p:grpSpPr>
       <p:sp>
         <p:nvSpPr>
-          <p:cNvPr id="4" name="Marcador de número de diapositiva 3"/>
+          <p:cNvPr id="3" name="Marcador de texto 2"/>
+          <p:cNvSpPr>
+            <a:spLocks noGrp="1"/>
+          </p:cNvSpPr>
+          <p:nvPr>
+            <p:ph type="body" idx="1"/>
+          </p:nvPr>
+        </p:nvSpPr>
+        <p:spPr/>
+        <p:txBody>
+          <a:bodyPr/>
+          <a:lstStyle/>
+          <a:p>
+            <a:r>
+              <a:rPr lang="es-MX" dirty="0"/>
+              <a:t>Y los videojuegos?</a:t>
+            </a:r>
+          </a:p>
+        </p:txBody>
+      </p:sp>
+      <p:sp>
+        <p:nvSpPr>
+          <p:cNvPr id="2" name="Marcador de número de diapositiva 1"/>
           <p:cNvSpPr>
             <a:spLocks noGrp="1"/>
           </p:cNvSpPr>
@@ -7940,53 +8114,18 @@
           <a:bodyPr/>
           <a:lstStyle/>
           <a:p>
-            <a:pPr marL="0" lvl="0" indent="0">
-              <a:spcBef>
-                <a:spcPts val="0"/>
-              </a:spcBef>
-              <a:spcAft>
-                <a:spcPts val="0"/>
-              </a:spcAft>
-              <a:buNone/>
-            </a:pPr>
-            <a:fld id="{00000000-1234-1234-1234-123412341234}" type="slidenum">
-              <a:rPr lang="es-MX" smtClean="0"/>
+            <a:fld id="{FCDD6BAC-CCD5-4E98-95CD-357AD7155BD4}" type="slidenum">
+              <a:rPr lang="en-US" smtClean="0"/>
               <a:t>14</a:t>
             </a:fld>
-            <a:endParaRPr lang="es-MX"/>
+            <a:endParaRPr lang="en-US"/>
           </a:p>
         </p:txBody>
       </p:sp>
-      <p:pic>
-        <p:nvPicPr>
-          <p:cNvPr id="2" name="Imagen 1">
-            <a:hlinkClick r:id="rId2"/>
-          </p:cNvPr>
-          <p:cNvPicPr>
-            <a:picLocks noChangeAspect="1"/>
-          </p:cNvPicPr>
-          <p:nvPr/>
-        </p:nvPicPr>
-        <p:blipFill>
-          <a:blip r:embed="rId3"/>
-          <a:stretch>
-            <a:fillRect/>
-          </a:stretch>
-        </p:blipFill>
-        <p:spPr>
-          <a:xfrm>
-            <a:off x="1484875" y="1007843"/>
-            <a:ext cx="6009562" cy="3207526"/>
-          </a:xfrm>
-          <a:prstGeom prst="rect">
-            <a:avLst/>
-          </a:prstGeom>
-        </p:spPr>
-      </p:pic>
     </p:spTree>
     <p:extLst>
       <p:ext uri="{BB962C8B-B14F-4D97-AF65-F5344CB8AC3E}">
-        <p14:creationId xmlns:p14="http://schemas.microsoft.com/office/powerpoint/2010/main" val="4287941778"/>
+        <p14:creationId xmlns:p14="http://schemas.microsoft.com/office/powerpoint/2010/main" val="625070604"/>
       </p:ext>
     </p:extLst>
   </p:cSld>
@@ -8015,7 +8154,29 @@
       </p:grpSpPr>
       <p:sp>
         <p:nvSpPr>
-          <p:cNvPr id="3" name="Marcador de texto 2"/>
+          <p:cNvPr id="4" name="Título 3"/>
+          <p:cNvSpPr>
+            <a:spLocks noGrp="1"/>
+          </p:cNvSpPr>
+          <p:nvPr>
+            <p:ph type="title"/>
+          </p:nvPr>
+        </p:nvSpPr>
+        <p:spPr/>
+        <p:txBody>
+          <a:bodyPr/>
+          <a:lstStyle/>
+          <a:p>
+            <a:r>
+              <a:rPr lang="es-MX" dirty="0"/>
+              <a:t>IA en videojuegos</a:t>
+            </a:r>
+          </a:p>
+        </p:txBody>
+      </p:sp>
+      <p:sp>
+        <p:nvSpPr>
+          <p:cNvPr id="5" name="Marcador de texto 4"/>
           <p:cNvSpPr>
             <a:spLocks noGrp="1"/>
           </p:cNvSpPr>
@@ -8029,16 +8190,31 @@
           <a:lstStyle/>
           <a:p>
             <a:r>
-              <a:rPr lang="es-MX" dirty="0" smtClean="0"/>
-              <a:t>Y los videojuegos?</a:t>
-            </a:r>
+              <a:rPr lang="es-MX" dirty="0"/>
+              <a:t>Históricamente IA ha sido una parte fundamental del desarrollo de los videojuegos.</a:t>
+            </a:r>
+          </a:p>
+          <a:p>
+            <a:pPr lvl="1"/>
+            <a:r>
+              <a:rPr lang="es-MX" dirty="0"/>
+              <a:t>Ha ido de la mano</a:t>
+            </a:r>
+          </a:p>
+          <a:p>
+            <a:r>
+              <a:rPr lang="es-MX" dirty="0"/>
+              <a:t>Un videojuego sin una IA “decente” se vuelve muy fácil o muy difícil.</a:t>
+            </a:r>
+          </a:p>
+          <a:p>
             <a:endParaRPr lang="es-MX" dirty="0"/>
           </a:p>
         </p:txBody>
       </p:sp>
       <p:sp>
         <p:nvSpPr>
-          <p:cNvPr id="2" name="Marcador de número de diapositiva 1"/>
+          <p:cNvPr id="3" name="Marcador de número de diapositiva 2"/>
           <p:cNvSpPr>
             <a:spLocks noGrp="1"/>
           </p:cNvSpPr>
@@ -8051,18 +8227,27 @@
           <a:bodyPr/>
           <a:lstStyle/>
           <a:p>
-            <a:fld id="{FCDD6BAC-CCD5-4E98-95CD-357AD7155BD4}" type="slidenum">
-              <a:rPr lang="en-US" smtClean="0"/>
+            <a:pPr marL="0" lvl="0" indent="0">
+              <a:spcBef>
+                <a:spcPts val="0"/>
+              </a:spcBef>
+              <a:spcAft>
+                <a:spcPts val="0"/>
+              </a:spcAft>
+              <a:buNone/>
+            </a:pPr>
+            <a:fld id="{00000000-1234-1234-1234-123412341234}" type="slidenum">
+              <a:rPr lang="es-MX" smtClean="0"/>
               <a:t>15</a:t>
             </a:fld>
-            <a:endParaRPr lang="en-US"/>
+            <a:endParaRPr lang="es-MX"/>
           </a:p>
         </p:txBody>
       </p:sp>
     </p:spTree>
     <p:extLst>
       <p:ext uri="{BB962C8B-B14F-4D97-AF65-F5344CB8AC3E}">
-        <p14:creationId xmlns:p14="http://schemas.microsoft.com/office/powerpoint/2010/main" val="625070604"/>
+        <p14:creationId xmlns:p14="http://schemas.microsoft.com/office/powerpoint/2010/main" val="1906155269"/>
       </p:ext>
     </p:extLst>
   </p:cSld>
@@ -8091,7 +8276,7 @@
       </p:grpSpPr>
       <p:sp>
         <p:nvSpPr>
-          <p:cNvPr id="4" name="Título 3"/>
+          <p:cNvPr id="2" name="Título 1"/>
           <p:cNvSpPr>
             <a:spLocks noGrp="1"/>
           </p:cNvSpPr>
@@ -8104,17 +8289,13 @@
           <a:bodyPr/>
           <a:lstStyle/>
           <a:p>
-            <a:r>
-              <a:rPr lang="es-MX" dirty="0" smtClean="0"/>
-              <a:t>IA en videojuegos</a:t>
-            </a:r>
-            <a:endParaRPr lang="es-MX" dirty="0"/>
+            <a:endParaRPr lang="es-MX"/>
           </a:p>
         </p:txBody>
       </p:sp>
       <p:sp>
         <p:nvSpPr>
-          <p:cNvPr id="5" name="Marcador de texto 4"/>
+          <p:cNvPr id="3" name="Marcador de texto 2"/>
           <p:cNvSpPr>
             <a:spLocks noGrp="1"/>
           </p:cNvSpPr>
@@ -8128,21 +8309,20 @@
           <a:lstStyle/>
           <a:p>
             <a:r>
-              <a:rPr lang="es-MX" dirty="0" smtClean="0"/>
-              <a:t>Históricamente IA ha sido una parte fundamental del desarrollo de los videojuegos.</a:t>
-            </a:r>
-          </a:p>
-          <a:p>
-            <a:pPr lvl="1"/>
-            <a:r>
-              <a:rPr lang="es-MX" dirty="0" smtClean="0"/>
-              <a:t>Ha ido de la mano</a:t>
-            </a:r>
-          </a:p>
-          <a:p>
-            <a:r>
-              <a:rPr lang="es-MX" dirty="0" smtClean="0"/>
-              <a:t>Un videojuego sin una IA “decente” se vuelve muy fácil o muy difícil.</a:t>
+              <a:rPr lang="es-MX" dirty="0"/>
+              <a:t>Maquinas de estado</a:t>
+            </a:r>
+          </a:p>
+          <a:p>
+            <a:r>
+              <a:rPr lang="es-MX" dirty="0"/>
+              <a:t>Lógica Discreta</a:t>
+            </a:r>
+          </a:p>
+          <a:p>
+            <a:r>
+              <a:rPr lang="es-MX" dirty="0"/>
+              <a:t>Aprendizaje Reforzado</a:t>
             </a:r>
           </a:p>
           <a:p>
@@ -8152,7 +8332,7 @@
       </p:sp>
       <p:sp>
         <p:nvSpPr>
-          <p:cNvPr id="3" name="Marcador de número de diapositiva 2"/>
+          <p:cNvPr id="4" name="Marcador de número de diapositiva 3"/>
           <p:cNvSpPr>
             <a:spLocks noGrp="1"/>
           </p:cNvSpPr>
@@ -8185,7 +8365,7 @@
     </p:spTree>
     <p:extLst>
       <p:ext uri="{BB962C8B-B14F-4D97-AF65-F5344CB8AC3E}">
-        <p14:creationId xmlns:p14="http://schemas.microsoft.com/office/powerpoint/2010/main" val="1906155269"/>
+        <p14:creationId xmlns:p14="http://schemas.microsoft.com/office/powerpoint/2010/main" val="3922988260"/>
       </p:ext>
     </p:extLst>
   </p:cSld>
@@ -8214,62 +8394,6 @@
       </p:grpSpPr>
       <p:sp>
         <p:nvSpPr>
-          <p:cNvPr id="2" name="Título 1"/>
-          <p:cNvSpPr>
-            <a:spLocks noGrp="1"/>
-          </p:cNvSpPr>
-          <p:nvPr>
-            <p:ph type="title"/>
-          </p:nvPr>
-        </p:nvSpPr>
-        <p:spPr/>
-        <p:txBody>
-          <a:bodyPr/>
-          <a:lstStyle/>
-          <a:p>
-            <a:endParaRPr lang="es-MX"/>
-          </a:p>
-        </p:txBody>
-      </p:sp>
-      <p:sp>
-        <p:nvSpPr>
-          <p:cNvPr id="3" name="Marcador de texto 2"/>
-          <p:cNvSpPr>
-            <a:spLocks noGrp="1"/>
-          </p:cNvSpPr>
-          <p:nvPr>
-            <p:ph type="body" idx="1"/>
-          </p:nvPr>
-        </p:nvSpPr>
-        <p:spPr/>
-        <p:txBody>
-          <a:bodyPr/>
-          <a:lstStyle/>
-          <a:p>
-            <a:r>
-              <a:rPr lang="es-MX" dirty="0" smtClean="0"/>
-              <a:t>Maquinas de estado</a:t>
-            </a:r>
-          </a:p>
-          <a:p>
-            <a:r>
-              <a:rPr lang="es-MX" dirty="0" smtClean="0"/>
-              <a:t>Lógica Discreta</a:t>
-            </a:r>
-          </a:p>
-          <a:p>
-            <a:r>
-              <a:rPr lang="es-MX" dirty="0" smtClean="0"/>
-              <a:t>Aprendizaje Reforzado</a:t>
-            </a:r>
-          </a:p>
-          <a:p>
-            <a:endParaRPr lang="es-MX" dirty="0"/>
-          </a:p>
-        </p:txBody>
-      </p:sp>
-      <p:sp>
-        <p:nvSpPr>
           <p:cNvPr id="4" name="Marcador de número de diapositiva 3"/>
           <p:cNvSpPr>
             <a:spLocks noGrp="1"/>
@@ -8295,68 +8419,6 @@
             <a:fld id="{00000000-1234-1234-1234-123412341234}" type="slidenum">
               <a:rPr lang="es-MX" smtClean="0"/>
               <a:t>17</a:t>
-            </a:fld>
-            <a:endParaRPr lang="es-MX"/>
-          </a:p>
-        </p:txBody>
-      </p:sp>
-    </p:spTree>
-    <p:extLst>
-      <p:ext uri="{BB962C8B-B14F-4D97-AF65-F5344CB8AC3E}">
-        <p14:creationId xmlns:p14="http://schemas.microsoft.com/office/powerpoint/2010/main" val="3922988260"/>
-      </p:ext>
-    </p:extLst>
-  </p:cSld>
-  <p:clrMapOvr>
-    <a:masterClrMapping/>
-  </p:clrMapOvr>
-</p:sld>
-</file>
-
-<file path=ppt/slides/slide18.xml><?xml version="1.0" encoding="utf-8"?>
-<p:sld xmlns:a="http://schemas.openxmlformats.org/drawingml/2006/main" xmlns:r="http://schemas.openxmlformats.org/officeDocument/2006/relationships" xmlns:p="http://schemas.openxmlformats.org/presentationml/2006/main">
-  <p:cSld>
-    <p:spTree>
-      <p:nvGrpSpPr>
-        <p:cNvPr id="1" name=""/>
-        <p:cNvGrpSpPr/>
-        <p:nvPr/>
-      </p:nvGrpSpPr>
-      <p:grpSpPr>
-        <a:xfrm>
-          <a:off x="0" y="0"/>
-          <a:ext cx="0" cy="0"/>
-          <a:chOff x="0" y="0"/>
-          <a:chExt cx="0" cy="0"/>
-        </a:xfrm>
-      </p:grpSpPr>
-      <p:sp>
-        <p:nvSpPr>
-          <p:cNvPr id="4" name="Marcador de número de diapositiva 3"/>
-          <p:cNvSpPr>
-            <a:spLocks noGrp="1"/>
-          </p:cNvSpPr>
-          <p:nvPr>
-            <p:ph type="sldNum" idx="12"/>
-          </p:nvPr>
-        </p:nvSpPr>
-        <p:spPr/>
-        <p:txBody>
-          <a:bodyPr/>
-          <a:lstStyle/>
-          <a:p>
-            <a:pPr marL="0" lvl="0" indent="0">
-              <a:spcBef>
-                <a:spcPts val="0"/>
-              </a:spcBef>
-              <a:spcAft>
-                <a:spcPts val="0"/>
-              </a:spcAft>
-              <a:buNone/>
-            </a:pPr>
-            <a:fld id="{00000000-1234-1234-1234-123412341234}" type="slidenum">
-              <a:rPr lang="es-MX" smtClean="0"/>
-              <a:t>18</a:t>
             </a:fld>
             <a:endParaRPr lang="es-MX"/>
           </a:p>
@@ -8467,13 +8529,63 @@
           <a:lstStyle/>
           <a:p>
             <a:r>
-              <a:rPr lang="es-MX" sz="1050" dirty="0" smtClean="0"/>
+              <a:rPr lang="es-MX" sz="1050" dirty="0"/>
               <a:t>Deep Blue, IBM</a:t>
             </a:r>
-            <a:endParaRPr lang="es-MX" sz="1050" dirty="0"/>
           </a:p>
         </p:txBody>
       </p:sp>
+      <mc:AlternateContent xmlns:mc="http://schemas.openxmlformats.org/markup-compatibility/2006">
+        <mc:Choice xmlns:p14="http://schemas.microsoft.com/office/powerpoint/2010/main" Requires="p14">
+          <p:contentPart p14:bwMode="auto" r:id="rId4">
+            <p14:nvContentPartPr>
+              <p14:cNvPr id="2" name="Ink 1">
+                <a:extLst>
+                  <a:ext uri="{FF2B5EF4-FFF2-40B4-BE49-F238E27FC236}">
+                    <a16:creationId xmlns:a16="http://schemas.microsoft.com/office/drawing/2014/main" id="{D78D0356-4039-42CB-AE00-1D5E603C186A}"/>
+                  </a:ext>
+                </a:extLst>
+              </p14:cNvPr>
+              <p14:cNvContentPartPr/>
+              <p14:nvPr/>
+            </p14:nvContentPartPr>
+            <p14:xfrm>
+              <a:off x="1760760" y="843480"/>
+              <a:ext cx="3388680" cy="3849840"/>
+            </p14:xfrm>
+          </p:contentPart>
+        </mc:Choice>
+        <mc:Fallback>
+          <p:pic>
+            <p:nvPicPr>
+              <p:cNvPr id="2" name="Ink 1">
+                <a:extLst>
+                  <a:ext uri="{FF2B5EF4-FFF2-40B4-BE49-F238E27FC236}">
+                    <a16:creationId xmlns:a16="http://schemas.microsoft.com/office/drawing/2014/main" id="{D78D0356-4039-42CB-AE00-1D5E603C186A}"/>
+                  </a:ext>
+                </a:extLst>
+              </p:cNvPr>
+              <p:cNvPicPr/>
+              <p:nvPr/>
+            </p:nvPicPr>
+            <p:blipFill>
+              <a:blip r:embed="rId5"/>
+              <a:stretch>
+                <a:fillRect/>
+              </a:stretch>
+            </p:blipFill>
+            <p:spPr>
+              <a:xfrm>
+                <a:off x="1751400" y="834120"/>
+                <a:ext cx="3407400" cy="3868560"/>
+              </a:xfrm>
+              <a:prstGeom prst="rect">
+                <a:avLst/>
+              </a:prstGeom>
+            </p:spPr>
+          </p:pic>
+        </mc:Fallback>
+      </mc:AlternateContent>
     </p:spTree>
     <p:extLst>
       <p:ext uri="{BB962C8B-B14F-4D97-AF65-F5344CB8AC3E}">
@@ -8487,7 +8599,7 @@
 </p:sld>
 </file>
 
-<file path=ppt/slides/slide19.xml><?xml version="1.0" encoding="utf-8"?>
+<file path=ppt/slides/slide18.xml><?xml version="1.0" encoding="utf-8"?>
 <p:sld xmlns:a="http://schemas.openxmlformats.org/drawingml/2006/main" xmlns:r="http://schemas.openxmlformats.org/officeDocument/2006/relationships" xmlns:p="http://schemas.openxmlformats.org/presentationml/2006/main">
   <p:cSld>
     <p:spTree>
@@ -8530,7 +8642,7 @@
             </a:pPr>
             <a:fld id="{00000000-1234-1234-1234-123412341234}" type="slidenum">
               <a:rPr lang="es-MX" smtClean="0"/>
-              <a:t>19</a:t>
+              <a:t>18</a:t>
             </a:fld>
             <a:endParaRPr lang="es-MX"/>
           </a:p>
@@ -8576,224 +8688,10 @@
   <p:clrMapOvr>
     <a:masterClrMapping/>
   </p:clrMapOvr>
-  <p:timing>
-    <p:tnLst>
-      <p:par>
-        <p:cTn id="1" dur="indefinite" restart="never" nodeType="tmRoot"/>
-      </p:par>
-    </p:tnLst>
-  </p:timing>
 </p:sld>
 </file>
 
-<file path=ppt/slides/slide2.xml><?xml version="1.0" encoding="utf-8"?>
-<p:sld xmlns:a="http://schemas.openxmlformats.org/drawingml/2006/main" xmlns:r="http://schemas.openxmlformats.org/officeDocument/2006/relationships" xmlns:p="http://schemas.openxmlformats.org/presentationml/2006/main">
-  <p:cSld>
-    <p:spTree>
-      <p:nvGrpSpPr>
-        <p:cNvPr id="1" name="Shape 220"/>
-        <p:cNvGrpSpPr/>
-        <p:nvPr/>
-      </p:nvGrpSpPr>
-      <p:grpSpPr>
-        <a:xfrm>
-          <a:off x="0" y="0"/>
-          <a:ext cx="0" cy="0"/>
-          <a:chOff x="0" y="0"/>
-          <a:chExt cx="0" cy="0"/>
-        </a:xfrm>
-      </p:grpSpPr>
-      <p:sp>
-        <p:nvSpPr>
-          <p:cNvPr id="221" name="Google Shape;221;p14"/>
-          <p:cNvSpPr txBox="1">
-            <a:spLocks noGrp="1"/>
-          </p:cNvSpPr>
-          <p:nvPr>
-            <p:ph type="ctrTitle"/>
-          </p:nvPr>
-        </p:nvSpPr>
-        <p:spPr>
-          <a:xfrm>
-            <a:off x="463525" y="2871148"/>
-            <a:ext cx="4094400" cy="1159800"/>
-          </a:xfrm>
-          <a:prstGeom prst="rect">
-            <a:avLst/>
-          </a:prstGeom>
-        </p:spPr>
-        <p:txBody>
-          <a:bodyPr spcFirstLastPara="1" wrap="square" lIns="91425" tIns="91425" rIns="91425" bIns="91425" anchor="b" anchorCtr="0">
-            <a:noAutofit/>
-          </a:bodyPr>
-          <a:lstStyle/>
-          <a:p>
-            <a:pPr marL="0" lvl="0" indent="0" rtl="0">
-              <a:spcBef>
-                <a:spcPts val="0"/>
-              </a:spcBef>
-              <a:spcAft>
-                <a:spcPts val="0"/>
-              </a:spcAft>
-              <a:buNone/>
-            </a:pPr>
-            <a:r>
-              <a:rPr lang="es-MX" dirty="0"/>
-              <a:t>Anuncios parroquiales</a:t>
-            </a:r>
-          </a:p>
-        </p:txBody>
-      </p:sp>
-      <p:sp>
-        <p:nvSpPr>
-          <p:cNvPr id="222" name="Google Shape;222;p14"/>
-          <p:cNvSpPr txBox="1">
-            <a:spLocks noGrp="1"/>
-          </p:cNvSpPr>
-          <p:nvPr>
-            <p:ph type="subTitle" idx="1"/>
-          </p:nvPr>
-        </p:nvSpPr>
-        <p:spPr>
-          <a:xfrm>
-            <a:off x="463525" y="3975449"/>
-            <a:ext cx="4094400" cy="784800"/>
-          </a:xfrm>
-          <a:prstGeom prst="rect">
-            <a:avLst/>
-          </a:prstGeom>
-        </p:spPr>
-        <p:txBody>
-          <a:bodyPr spcFirstLastPara="1" wrap="square" lIns="91425" tIns="91425" rIns="91425" bIns="91425" anchor="t" anchorCtr="0">
-            <a:noAutofit/>
-          </a:bodyPr>
-          <a:lstStyle/>
-          <a:p>
-            <a:pPr marL="0" lvl="0" indent="0" rtl="0">
-              <a:spcBef>
-                <a:spcPts val="0"/>
-              </a:spcBef>
-              <a:spcAft>
-                <a:spcPts val="1000"/>
-              </a:spcAft>
-              <a:buNone/>
-            </a:pPr>
-            <a:r>
-              <a:rPr lang="es-MX" dirty="0"/>
-              <a:t>Por que todos queremos saber como se va a calificar</a:t>
-            </a:r>
-          </a:p>
-        </p:txBody>
-      </p:sp>
-      <p:sp>
-        <p:nvSpPr>
-          <p:cNvPr id="223" name="Google Shape;223;p14"/>
-          <p:cNvSpPr txBox="1">
-            <a:spLocks noGrp="1"/>
-          </p:cNvSpPr>
-          <p:nvPr>
-            <p:ph type="sldNum" idx="12"/>
-          </p:nvPr>
-        </p:nvSpPr>
-        <p:spPr>
-          <a:xfrm>
-            <a:off x="7618000" y="4636500"/>
-            <a:ext cx="1487400" cy="315600"/>
-          </a:xfrm>
-          <a:prstGeom prst="rect">
-            <a:avLst/>
-          </a:prstGeom>
-        </p:spPr>
-        <p:txBody>
-          <a:bodyPr spcFirstLastPara="1" wrap="square" lIns="91425" tIns="91425" rIns="91425" bIns="91425" anchor="ctr" anchorCtr="0">
-            <a:noAutofit/>
-          </a:bodyPr>
-          <a:lstStyle/>
-          <a:p>
-            <a:pPr marL="0" lvl="0" indent="0">
-              <a:spcBef>
-                <a:spcPts val="0"/>
-              </a:spcBef>
-              <a:spcAft>
-                <a:spcPts val="0"/>
-              </a:spcAft>
-              <a:buNone/>
-            </a:pPr>
-            <a:fld id="{00000000-1234-1234-1234-123412341234}" type="slidenum">
-              <a:rPr lang="en"/>
-              <a:t>2</a:t>
-            </a:fld>
-            <a:endParaRPr/>
-          </a:p>
-        </p:txBody>
-      </p:sp>
-      <p:sp>
-        <p:nvSpPr>
-          <p:cNvPr id="224" name="Google Shape;224;p14"/>
-          <p:cNvSpPr txBox="1"/>
-          <p:nvPr/>
-        </p:nvSpPr>
-        <p:spPr>
-          <a:xfrm>
-            <a:off x="463525" y="0"/>
-            <a:ext cx="2181600" cy="3136200"/>
-          </a:xfrm>
-          <a:prstGeom prst="rect">
-            <a:avLst/>
-          </a:prstGeom>
-          <a:noFill/>
-          <a:ln>
-            <a:noFill/>
-          </a:ln>
-        </p:spPr>
-        <p:txBody>
-          <a:bodyPr spcFirstLastPara="1" wrap="square" lIns="91425" tIns="91425" rIns="91425" bIns="91425" anchor="b" anchorCtr="0">
-            <a:noAutofit/>
-          </a:bodyPr>
-          <a:lstStyle/>
-          <a:p>
-            <a:pPr marL="0" lvl="0" indent="0">
-              <a:spcBef>
-                <a:spcPts val="0"/>
-              </a:spcBef>
-              <a:spcAft>
-                <a:spcPts val="0"/>
-              </a:spcAft>
-              <a:buNone/>
-            </a:pPr>
-            <a:r>
-              <a:rPr lang="en" sz="12000" b="1" dirty="0">
-                <a:solidFill>
-                  <a:srgbClr val="3F5378"/>
-                </a:solidFill>
-                <a:latin typeface="Roboto Condensed"/>
-                <a:ea typeface="Roboto Condensed"/>
-                <a:cs typeface="Roboto Condensed"/>
-                <a:sym typeface="Roboto Condensed"/>
-              </a:rPr>
-              <a:t>1</a:t>
-            </a:r>
-            <a:endParaRPr sz="3000" b="1" dirty="0">
-              <a:solidFill>
-                <a:srgbClr val="3F5378"/>
-              </a:solidFill>
-              <a:latin typeface="Roboto Condensed"/>
-              <a:ea typeface="Roboto Condensed"/>
-              <a:cs typeface="Roboto Condensed"/>
-              <a:sym typeface="Roboto Condensed"/>
-            </a:endParaRPr>
-          </a:p>
-        </p:txBody>
-      </p:sp>
-    </p:spTree>
-  </p:cSld>
-  <p:clrMapOvr>
-    <a:masterClrMapping/>
-  </p:clrMapOvr>
-</p:sld>
-</file>
-
-<file path=ppt/slides/slide20.xml><?xml version="1.0" encoding="utf-8"?>
+<file path=ppt/slides/slide19.xml><?xml version="1.0" encoding="utf-8"?>
 <p:sld xmlns:a="http://schemas.openxmlformats.org/drawingml/2006/main" xmlns:r="http://schemas.openxmlformats.org/officeDocument/2006/relationships" xmlns:p="http://schemas.openxmlformats.org/presentationml/2006/main">
   <p:cSld>
     <p:spTree>
@@ -8827,7 +8725,7 @@
           <a:p>
             <a:fld id="{FCDD6BAC-CCD5-4E98-95CD-357AD7155BD4}" type="slidenum">
               <a:rPr lang="en-US" smtClean="0"/>
-              <a:t>20</a:t>
+              <a:t>19</a:t>
             </a:fld>
             <a:endParaRPr lang="en-US"/>
           </a:p>
@@ -8867,17 +8765,217 @@
   <p:clrMapOvr>
     <a:masterClrMapping/>
   </p:clrMapOvr>
-  <p:timing>
-    <p:tnLst>
-      <p:par>
-        <p:cTn id="1" dur="indefinite" restart="never" nodeType="tmRoot"/>
-      </p:par>
-    </p:tnLst>
-  </p:timing>
 </p:sld>
 </file>
 
-<file path=ppt/slides/slide21.xml><?xml version="1.0" encoding="utf-8"?>
+<file path=ppt/slides/slide2.xml><?xml version="1.0" encoding="utf-8"?>
+<p:sld xmlns:a="http://schemas.openxmlformats.org/drawingml/2006/main" xmlns:r="http://schemas.openxmlformats.org/officeDocument/2006/relationships" xmlns:p="http://schemas.openxmlformats.org/presentationml/2006/main">
+  <p:cSld>
+    <p:spTree>
+      <p:nvGrpSpPr>
+        <p:cNvPr id="1" name="Shape 220"/>
+        <p:cNvGrpSpPr/>
+        <p:nvPr/>
+      </p:nvGrpSpPr>
+      <p:grpSpPr>
+        <a:xfrm>
+          <a:off x="0" y="0"/>
+          <a:ext cx="0" cy="0"/>
+          <a:chOff x="0" y="0"/>
+          <a:chExt cx="0" cy="0"/>
+        </a:xfrm>
+      </p:grpSpPr>
+      <p:sp>
+        <p:nvSpPr>
+          <p:cNvPr id="221" name="Google Shape;221;p14"/>
+          <p:cNvSpPr txBox="1">
+            <a:spLocks noGrp="1"/>
+          </p:cNvSpPr>
+          <p:nvPr>
+            <p:ph type="ctrTitle"/>
+          </p:nvPr>
+        </p:nvSpPr>
+        <p:spPr>
+          <a:xfrm>
+            <a:off x="463525" y="2871148"/>
+            <a:ext cx="4094400" cy="1159800"/>
+          </a:xfrm>
+          <a:prstGeom prst="rect">
+            <a:avLst/>
+          </a:prstGeom>
+        </p:spPr>
+        <p:txBody>
+          <a:bodyPr spcFirstLastPara="1" wrap="square" lIns="91425" tIns="91425" rIns="91425" bIns="91425" anchor="b" anchorCtr="0">
+            <a:noAutofit/>
+          </a:bodyPr>
+          <a:lstStyle/>
+          <a:p>
+            <a:pPr marL="0" lvl="0" indent="0" rtl="0">
+              <a:spcBef>
+                <a:spcPts val="0"/>
+              </a:spcBef>
+              <a:spcAft>
+                <a:spcPts val="0"/>
+              </a:spcAft>
+              <a:buNone/>
+            </a:pPr>
+            <a:r>
+              <a:rPr lang="es-MX" dirty="0"/>
+              <a:t>Anuncios parroquiales</a:t>
+            </a:r>
+          </a:p>
+        </p:txBody>
+      </p:sp>
+      <p:sp>
+        <p:nvSpPr>
+          <p:cNvPr id="222" name="Google Shape;222;p14"/>
+          <p:cNvSpPr txBox="1">
+            <a:spLocks noGrp="1"/>
+          </p:cNvSpPr>
+          <p:nvPr>
+            <p:ph type="subTitle" idx="1"/>
+          </p:nvPr>
+        </p:nvSpPr>
+        <p:spPr>
+          <a:xfrm>
+            <a:off x="463525" y="3975449"/>
+            <a:ext cx="4094400" cy="784800"/>
+          </a:xfrm>
+          <a:prstGeom prst="rect">
+            <a:avLst/>
+          </a:prstGeom>
+        </p:spPr>
+        <p:txBody>
+          <a:bodyPr spcFirstLastPara="1" wrap="square" lIns="91425" tIns="91425" rIns="91425" bIns="91425" anchor="t" anchorCtr="0">
+            <a:noAutofit/>
+          </a:bodyPr>
+          <a:lstStyle/>
+          <a:p>
+            <a:pPr marL="0" lvl="0" indent="0" rtl="0">
+              <a:spcBef>
+                <a:spcPts val="0"/>
+              </a:spcBef>
+              <a:spcAft>
+                <a:spcPts val="1000"/>
+              </a:spcAft>
+              <a:buNone/>
+            </a:pPr>
+            <a:r>
+              <a:rPr lang="es-MX" dirty="0"/>
+              <a:t>Por que todos queremos saber como se va a calificar</a:t>
+            </a:r>
+          </a:p>
+        </p:txBody>
+      </p:sp>
+      <p:sp>
+        <p:nvSpPr>
+          <p:cNvPr id="223" name="Google Shape;223;p14"/>
+          <p:cNvSpPr txBox="1">
+            <a:spLocks noGrp="1"/>
+          </p:cNvSpPr>
+          <p:nvPr>
+            <p:ph type="sldNum" idx="12"/>
+          </p:nvPr>
+        </p:nvSpPr>
+        <p:spPr>
+          <a:xfrm>
+            <a:off x="7618000" y="4636500"/>
+            <a:ext cx="1487400" cy="315600"/>
+          </a:xfrm>
+          <a:prstGeom prst="rect">
+            <a:avLst/>
+          </a:prstGeom>
+        </p:spPr>
+        <p:txBody>
+          <a:bodyPr spcFirstLastPara="1" wrap="square" lIns="91425" tIns="91425" rIns="91425" bIns="91425" anchor="ctr" anchorCtr="0">
+            <a:noAutofit/>
+          </a:bodyPr>
+          <a:lstStyle/>
+          <a:p>
+            <a:pPr marL="0" lvl="0" indent="0">
+              <a:spcBef>
+                <a:spcPts val="0"/>
+              </a:spcBef>
+              <a:spcAft>
+                <a:spcPts val="0"/>
+              </a:spcAft>
+              <a:buNone/>
+            </a:pPr>
+            <a:fld id="{00000000-1234-1234-1234-123412341234}" type="slidenum">
+              <a:rPr lang="en"/>
+              <a:t>2</a:t>
+            </a:fld>
+            <a:endParaRPr/>
+          </a:p>
+        </p:txBody>
+      </p:sp>
+      <p:sp>
+        <p:nvSpPr>
+          <p:cNvPr id="224" name="Google Shape;224;p14"/>
+          <p:cNvSpPr txBox="1"/>
+          <p:nvPr/>
+        </p:nvSpPr>
+        <p:spPr>
+          <a:xfrm>
+            <a:off x="463525" y="0"/>
+            <a:ext cx="2181600" cy="3136200"/>
+          </a:xfrm>
+          <a:prstGeom prst="rect">
+            <a:avLst/>
+          </a:prstGeom>
+          <a:noFill/>
+          <a:ln>
+            <a:noFill/>
+          </a:ln>
+        </p:spPr>
+        <p:txBody>
+          <a:bodyPr spcFirstLastPara="1" wrap="square" lIns="91425" tIns="91425" rIns="91425" bIns="91425" anchor="b" anchorCtr="0">
+            <a:noAutofit/>
+          </a:bodyPr>
+          <a:lstStyle/>
+          <a:p>
+            <a:pPr marL="0" lvl="0" indent="0">
+              <a:spcBef>
+                <a:spcPts val="0"/>
+              </a:spcBef>
+              <a:spcAft>
+                <a:spcPts val="0"/>
+              </a:spcAft>
+              <a:buNone/>
+            </a:pPr>
+            <a:r>
+              <a:rPr lang="en" sz="12000" b="1" dirty="0">
+                <a:solidFill>
+                  <a:srgbClr val="3F5378"/>
+                </a:solidFill>
+                <a:latin typeface="Roboto Condensed"/>
+                <a:ea typeface="Roboto Condensed"/>
+                <a:cs typeface="Roboto Condensed"/>
+                <a:sym typeface="Roboto Condensed"/>
+              </a:rPr>
+              <a:t>1</a:t>
+            </a:r>
+            <a:endParaRPr sz="3000" b="1" dirty="0">
+              <a:solidFill>
+                <a:srgbClr val="3F5378"/>
+              </a:solidFill>
+              <a:latin typeface="Roboto Condensed"/>
+              <a:ea typeface="Roboto Condensed"/>
+              <a:cs typeface="Roboto Condensed"/>
+              <a:sym typeface="Roboto Condensed"/>
+            </a:endParaRPr>
+          </a:p>
+        </p:txBody>
+      </p:sp>
+    </p:spTree>
+  </p:cSld>
+  <p:clrMapOvr>
+    <a:masterClrMapping/>
+  </p:clrMapOvr>
+</p:sld>
+</file>
+
+<file path=ppt/slides/slide20.xml><?xml version="1.0" encoding="utf-8"?>
 <p:sld xmlns:a="http://schemas.openxmlformats.org/drawingml/2006/main" xmlns:r="http://schemas.openxmlformats.org/officeDocument/2006/relationships" xmlns:p="http://schemas.openxmlformats.org/presentationml/2006/main">
   <p:cSld>
     <p:spTree>
@@ -8911,7 +9009,7 @@
           <a:p>
             <a:fld id="{FCDD6BAC-CCD5-4E98-95CD-357AD7155BD4}" type="slidenum">
               <a:rPr lang="en-US" smtClean="0"/>
-              <a:t>21</a:t>
+              <a:t>20</a:t>
             </a:fld>
             <a:endParaRPr lang="en-US"/>
           </a:p>
@@ -8943,6 +9041,57 @@
           </a:prstGeom>
         </p:spPr>
       </p:pic>
+      <mc:AlternateContent xmlns:mc="http://schemas.openxmlformats.org/markup-compatibility/2006">
+        <mc:Choice xmlns:p14="http://schemas.microsoft.com/office/powerpoint/2010/main" Requires="p14">
+          <p:contentPart p14:bwMode="auto" r:id="rId4">
+            <p14:nvContentPartPr>
+              <p14:cNvPr id="4" name="Ink 3">
+                <a:extLst>
+                  <a:ext uri="{FF2B5EF4-FFF2-40B4-BE49-F238E27FC236}">
+                    <a16:creationId xmlns:a16="http://schemas.microsoft.com/office/drawing/2014/main" id="{3AFA7AF1-48AE-4D2B-B3A1-3323510F0780}"/>
+                  </a:ext>
+                </a:extLst>
+              </p14:cNvPr>
+              <p14:cNvContentPartPr/>
+              <p14:nvPr/>
+            </p14:nvContentPartPr>
+            <p14:xfrm>
+              <a:off x="3197520" y="3386160"/>
+              <a:ext cx="360" cy="360"/>
+            </p14:xfrm>
+          </p:contentPart>
+        </mc:Choice>
+        <mc:Fallback>
+          <p:pic>
+            <p:nvPicPr>
+              <p:cNvPr id="4" name="Ink 3">
+                <a:extLst>
+                  <a:ext uri="{FF2B5EF4-FFF2-40B4-BE49-F238E27FC236}">
+                    <a16:creationId xmlns:a16="http://schemas.microsoft.com/office/drawing/2014/main" id="{3AFA7AF1-48AE-4D2B-B3A1-3323510F0780}"/>
+                  </a:ext>
+                </a:extLst>
+              </p:cNvPr>
+              <p:cNvPicPr/>
+              <p:nvPr/>
+            </p:nvPicPr>
+            <p:blipFill>
+              <a:blip r:embed="rId5"/>
+              <a:stretch>
+                <a:fillRect/>
+              </a:stretch>
+            </p:blipFill>
+            <p:spPr>
+              <a:xfrm>
+                <a:off x="3188160" y="3376800"/>
+                <a:ext cx="19080" cy="19080"/>
+              </a:xfrm>
+              <a:prstGeom prst="rect">
+                <a:avLst/>
+              </a:prstGeom>
+            </p:spPr>
+          </p:pic>
+        </mc:Fallback>
+      </mc:AlternateContent>
     </p:spTree>
     <p:extLst>
       <p:ext uri="{BB962C8B-B14F-4D97-AF65-F5344CB8AC3E}">
@@ -8953,17 +9102,10 @@
   <p:clrMapOvr>
     <a:masterClrMapping/>
   </p:clrMapOvr>
-  <p:timing>
-    <p:tnLst>
-      <p:par>
-        <p:cTn id="1" dur="indefinite" restart="never" nodeType="tmRoot"/>
-      </p:par>
-    </p:tnLst>
-  </p:timing>
 </p:sld>
 </file>
 
-<file path=ppt/slides/slide22.xml><?xml version="1.0" encoding="utf-8"?>
+<file path=ppt/slides/slide21.xml><?xml version="1.0" encoding="utf-8"?>
 <p:sld xmlns:a="http://schemas.openxmlformats.org/drawingml/2006/main" xmlns:r="http://schemas.openxmlformats.org/officeDocument/2006/relationships" xmlns:p="http://schemas.openxmlformats.org/presentationml/2006/main">
   <p:cSld>
     <p:spTree>
@@ -8997,7 +9139,7 @@
           <a:p>
             <a:fld id="{FCDD6BAC-CCD5-4E98-95CD-357AD7155BD4}" type="slidenum">
               <a:rPr lang="en-US" smtClean="0"/>
-              <a:t>22</a:t>
+              <a:t>21</a:t>
             </a:fld>
             <a:endParaRPr lang="en-US"/>
           </a:p>
@@ -9029,6 +9171,57 @@
           </a:prstGeom>
         </p:spPr>
       </p:pic>
+      <mc:AlternateContent xmlns:mc="http://schemas.openxmlformats.org/markup-compatibility/2006">
+        <mc:Choice xmlns:p14="http://schemas.microsoft.com/office/powerpoint/2010/main" Requires="p14">
+          <p:contentPart p14:bwMode="auto" r:id="rId4">
+            <p14:nvContentPartPr>
+              <p14:cNvPr id="4" name="Ink 3">
+                <a:extLst>
+                  <a:ext uri="{FF2B5EF4-FFF2-40B4-BE49-F238E27FC236}">
+                    <a16:creationId xmlns:a16="http://schemas.microsoft.com/office/drawing/2014/main" id="{D8C00D11-95AD-4640-8712-EB9FF2A44085}"/>
+                  </a:ext>
+                </a:extLst>
+              </p14:cNvPr>
+              <p14:cNvContentPartPr/>
+              <p14:nvPr/>
+            </p14:nvContentPartPr>
+            <p14:xfrm>
+              <a:off x="4123440" y="2891880"/>
+              <a:ext cx="360" cy="360"/>
+            </p14:xfrm>
+          </p:contentPart>
+        </mc:Choice>
+        <mc:Fallback>
+          <p:pic>
+            <p:nvPicPr>
+              <p:cNvPr id="4" name="Ink 3">
+                <a:extLst>
+                  <a:ext uri="{FF2B5EF4-FFF2-40B4-BE49-F238E27FC236}">
+                    <a16:creationId xmlns:a16="http://schemas.microsoft.com/office/drawing/2014/main" id="{D8C00D11-95AD-4640-8712-EB9FF2A44085}"/>
+                  </a:ext>
+                </a:extLst>
+              </p:cNvPr>
+              <p:cNvPicPr/>
+              <p:nvPr/>
+            </p:nvPicPr>
+            <p:blipFill>
+              <a:blip r:embed="rId5"/>
+              <a:stretch>
+                <a:fillRect/>
+              </a:stretch>
+            </p:blipFill>
+            <p:spPr>
+              <a:xfrm>
+                <a:off x="4114080" y="2882520"/>
+                <a:ext cx="19080" cy="19080"/>
+              </a:xfrm>
+              <a:prstGeom prst="rect">
+                <a:avLst/>
+              </a:prstGeom>
+            </p:spPr>
+          </p:pic>
+        </mc:Fallback>
+      </mc:AlternateContent>
     </p:spTree>
     <p:extLst>
       <p:ext uri="{BB962C8B-B14F-4D97-AF65-F5344CB8AC3E}">
@@ -9039,13 +9232,100 @@
   <p:clrMapOvr>
     <a:masterClrMapping/>
   </p:clrMapOvr>
-  <p:timing>
-    <p:tnLst>
-      <p:par>
-        <p:cTn id="1" dur="indefinite" restart="never" nodeType="tmRoot"/>
-      </p:par>
-    </p:tnLst>
-  </p:timing>
+</p:sld>
+</file>
+
+<file path=ppt/slides/slide22.xml><?xml version="1.0" encoding="utf-8"?>
+<p:sld xmlns:a="http://schemas.openxmlformats.org/drawingml/2006/main" xmlns:r="http://schemas.openxmlformats.org/officeDocument/2006/relationships" xmlns:p="http://schemas.openxmlformats.org/presentationml/2006/main">
+  <p:cSld>
+    <p:spTree>
+      <p:nvGrpSpPr>
+        <p:cNvPr id="1" name=""/>
+        <p:cNvGrpSpPr/>
+        <p:nvPr/>
+      </p:nvGrpSpPr>
+      <p:grpSpPr>
+        <a:xfrm>
+          <a:off x="0" y="0"/>
+          <a:ext cx="0" cy="0"/>
+          <a:chOff x="0" y="0"/>
+          <a:chExt cx="0" cy="0"/>
+        </a:xfrm>
+      </p:grpSpPr>
+      <p:sp>
+        <p:nvSpPr>
+          <p:cNvPr id="3" name="Título 2"/>
+          <p:cNvSpPr>
+            <a:spLocks noGrp="1"/>
+          </p:cNvSpPr>
+          <p:nvPr>
+            <p:ph type="ctrTitle"/>
+          </p:nvPr>
+        </p:nvSpPr>
+        <p:spPr/>
+        <p:txBody>
+          <a:bodyPr/>
+          <a:lstStyle/>
+          <a:p>
+            <a:r>
+              <a:rPr lang="es-MX" dirty="0"/>
+              <a:t>Actividad Grupal</a:t>
+            </a:r>
+          </a:p>
+        </p:txBody>
+      </p:sp>
+      <p:sp>
+        <p:nvSpPr>
+          <p:cNvPr id="4" name="Subtítulo 3"/>
+          <p:cNvSpPr>
+            <a:spLocks noGrp="1"/>
+          </p:cNvSpPr>
+          <p:nvPr>
+            <p:ph type="subTitle" idx="1"/>
+          </p:nvPr>
+        </p:nvSpPr>
+        <p:spPr/>
+        <p:txBody>
+          <a:bodyPr/>
+          <a:lstStyle/>
+          <a:p>
+            <a:endParaRPr lang="es-MX"/>
+          </a:p>
+        </p:txBody>
+      </p:sp>
+      <p:sp>
+        <p:nvSpPr>
+          <p:cNvPr id="2" name="Marcador de número de diapositiva 1"/>
+          <p:cNvSpPr>
+            <a:spLocks noGrp="1"/>
+          </p:cNvSpPr>
+          <p:nvPr>
+            <p:ph type="sldNum" idx="12"/>
+          </p:nvPr>
+        </p:nvSpPr>
+        <p:spPr/>
+        <p:txBody>
+          <a:bodyPr/>
+          <a:lstStyle/>
+          <a:p>
+            <a:fld id="{FCDD6BAC-CCD5-4E98-95CD-357AD7155BD4}" type="slidenum">
+              <a:rPr lang="en-US" smtClean="0"/>
+              <a:t>22</a:t>
+            </a:fld>
+            <a:endParaRPr lang="en-US"/>
+          </a:p>
+        </p:txBody>
+      </p:sp>
+    </p:spTree>
+    <p:extLst>
+      <p:ext uri="{BB962C8B-B14F-4D97-AF65-F5344CB8AC3E}">
+        <p14:creationId xmlns:p14="http://schemas.microsoft.com/office/powerpoint/2010/main" val="2680673117"/>
+      </p:ext>
+    </p:extLst>
+  </p:cSld>
+  <p:clrMapOvr>
+    <a:masterClrMapping/>
+  </p:clrMapOvr>
 </p:sld>
 </file>
 
@@ -9068,12 +9348,12 @@
       </p:grpSpPr>
       <p:sp>
         <p:nvSpPr>
-          <p:cNvPr id="3" name="Título 2"/>
+          <p:cNvPr id="5" name="Título 4"/>
           <p:cNvSpPr>
             <a:spLocks noGrp="1"/>
           </p:cNvSpPr>
           <p:nvPr>
-            <p:ph type="ctrTitle"/>
+            <p:ph type="title"/>
           </p:nvPr>
         </p:nvSpPr>
         <p:spPr/>
@@ -9082,35 +9362,15 @@
           <a:lstStyle/>
           <a:p>
             <a:r>
-              <a:rPr lang="es-MX" dirty="0" smtClean="0"/>
-              <a:t>Actividad Grupal</a:t>
-            </a:r>
-            <a:endParaRPr lang="es-MX" dirty="0"/>
+              <a:rPr lang="es-MX" dirty="0"/>
+              <a:t>Mensaje 1</a:t>
+            </a:r>
           </a:p>
         </p:txBody>
       </p:sp>
       <p:sp>
         <p:nvSpPr>
-          <p:cNvPr id="4" name="Subtítulo 3"/>
-          <p:cNvSpPr>
-            <a:spLocks noGrp="1"/>
-          </p:cNvSpPr>
-          <p:nvPr>
-            <p:ph type="subTitle" idx="1"/>
-          </p:nvPr>
-        </p:nvSpPr>
-        <p:spPr/>
-        <p:txBody>
-          <a:bodyPr/>
-          <a:lstStyle/>
-          <a:p>
-            <a:endParaRPr lang="es-MX"/>
-          </a:p>
-        </p:txBody>
-      </p:sp>
-      <p:sp>
-        <p:nvSpPr>
-          <p:cNvPr id="2" name="Marcador de número de diapositiva 1"/>
+          <p:cNvPr id="4" name="Marcador de número de diapositiva 3"/>
           <p:cNvSpPr>
             <a:spLocks noGrp="1"/>
           </p:cNvSpPr>
@@ -9123,31 +9383,91 @@
           <a:bodyPr/>
           <a:lstStyle/>
           <a:p>
-            <a:fld id="{FCDD6BAC-CCD5-4E98-95CD-357AD7155BD4}" type="slidenum">
-              <a:rPr lang="en-US" smtClean="0"/>
+            <a:pPr marL="0" lvl="0" indent="0">
+              <a:spcBef>
+                <a:spcPts val="0"/>
+              </a:spcBef>
+              <a:spcAft>
+                <a:spcPts val="0"/>
+              </a:spcAft>
+              <a:buNone/>
+            </a:pPr>
+            <a:fld id="{00000000-1234-1234-1234-123412341234}" type="slidenum">
+              <a:rPr lang="es-MX" smtClean="0"/>
               <a:t>23</a:t>
             </a:fld>
-            <a:endParaRPr lang="en-US"/>
+            <a:endParaRPr lang="es-MX"/>
+          </a:p>
+        </p:txBody>
+      </p:sp>
+      <p:sp>
+        <p:nvSpPr>
+          <p:cNvPr id="7" name="Content Placeholder 2"/>
+          <p:cNvSpPr>
+            <a:spLocks noGrp="1"/>
+          </p:cNvSpPr>
+          <p:nvPr>
+            <p:ph type="body" idx="1"/>
+          </p:nvPr>
+        </p:nvSpPr>
+        <p:spPr/>
+        <p:txBody>
+          <a:bodyPr>
+            <a:normAutofit fontScale="92500" lnSpcReduction="10000"/>
+          </a:bodyPr>
+          <a:lstStyle/>
+          <a:p>
+            <a:pPr algn="ctr"/>
+            <a:r>
+              <a:rPr lang="en-US" sz="4000" dirty="0"/>
+              <a:t>Mafia</a:t>
+            </a:r>
+          </a:p>
+          <a:p>
+            <a:pPr algn="ctr"/>
+            <a:r>
+              <a:rPr lang="en-US" sz="4000" dirty="0" err="1"/>
+              <a:t>Poder</a:t>
+            </a:r>
+            <a:r>
+              <a:rPr lang="en-US" sz="4000" dirty="0"/>
+              <a:t> </a:t>
+            </a:r>
+          </a:p>
+          <a:p>
+            <a:pPr algn="ctr"/>
+            <a:r>
+              <a:rPr lang="en-US" sz="4000" dirty="0" err="1"/>
+              <a:t>Corrupción</a:t>
+            </a:r>
+            <a:endParaRPr lang="en-US" sz="4000" dirty="0"/>
+          </a:p>
+          <a:p>
+            <a:pPr algn="ctr"/>
+            <a:r>
+              <a:rPr lang="en-US" sz="4000" dirty="0"/>
+              <a:t>Complot</a:t>
+            </a:r>
+          </a:p>
+          <a:p>
+            <a:pPr algn="ctr"/>
+            <a:r>
+              <a:rPr lang="en-US" sz="4000" dirty="0"/>
+              <a:t>México</a:t>
+            </a:r>
           </a:p>
         </p:txBody>
       </p:sp>
     </p:spTree>
     <p:extLst>
       <p:ext uri="{BB962C8B-B14F-4D97-AF65-F5344CB8AC3E}">
-        <p14:creationId xmlns:p14="http://schemas.microsoft.com/office/powerpoint/2010/main" val="2680673117"/>
+        <p14:creationId xmlns:p14="http://schemas.microsoft.com/office/powerpoint/2010/main" val="1476999953"/>
       </p:ext>
     </p:extLst>
   </p:cSld>
   <p:clrMapOvr>
     <a:masterClrMapping/>
   </p:clrMapOvr>
-  <p:timing>
-    <p:tnLst>
-      <p:par>
-        <p:cTn id="1" dur="indefinite" restart="never" nodeType="tmRoot"/>
-      </p:par>
-    </p:tnLst>
-  </p:timing>
 </p:sld>
 </file>
 
@@ -9170,7 +9490,7 @@
       </p:grpSpPr>
       <p:sp>
         <p:nvSpPr>
-          <p:cNvPr id="5" name="Título 4"/>
+          <p:cNvPr id="2" name="Título 1"/>
           <p:cNvSpPr>
             <a:spLocks noGrp="1"/>
           </p:cNvSpPr>
@@ -9184,9 +9504,58 @@
           <a:lstStyle/>
           <a:p>
             <a:r>
-              <a:rPr lang="es-MX" dirty="0" smtClean="0"/>
-              <a:t>Mensaje 1</a:t>
-            </a:r>
+              <a:rPr lang="es-MX" dirty="0"/>
+              <a:t>Mensaje 2</a:t>
+            </a:r>
+          </a:p>
+        </p:txBody>
+      </p:sp>
+      <p:sp>
+        <p:nvSpPr>
+          <p:cNvPr id="3" name="Marcador de texto 2"/>
+          <p:cNvSpPr>
+            <a:spLocks noGrp="1"/>
+          </p:cNvSpPr>
+          <p:nvPr>
+            <p:ph type="body" idx="1"/>
+          </p:nvPr>
+        </p:nvSpPr>
+        <p:spPr/>
+        <p:txBody>
+          <a:bodyPr/>
+          <a:lstStyle/>
+          <a:p>
+            <a:pPr algn="ctr"/>
+            <a:r>
+              <a:rPr lang="en-US" dirty="0" err="1"/>
+              <a:t>Gol</a:t>
+            </a:r>
+            <a:endParaRPr lang="en-US" dirty="0"/>
+          </a:p>
+          <a:p>
+            <a:pPr algn="ctr"/>
+            <a:r>
+              <a:rPr lang="en-US" dirty="0"/>
+              <a:t>México</a:t>
+            </a:r>
+          </a:p>
+          <a:p>
+            <a:pPr algn="ctr"/>
+            <a:r>
+              <a:rPr lang="en-US" dirty="0" err="1"/>
+              <a:t>Tirititito</a:t>
+            </a:r>
+            <a:endParaRPr lang="en-US" dirty="0"/>
+          </a:p>
+          <a:p>
+            <a:pPr algn="ctr"/>
+            <a:r>
+              <a:rPr lang="en-US" dirty="0" err="1"/>
+              <a:t>Fútbol</a:t>
+            </a:r>
+            <a:endParaRPr lang="en-US" dirty="0"/>
+          </a:p>
+          <a:p>
             <a:endParaRPr lang="es-MX" dirty="0"/>
           </a:p>
         </p:txBody>
@@ -9223,83 +9592,16 @@
           </a:p>
         </p:txBody>
       </p:sp>
-      <p:sp>
-        <p:nvSpPr>
-          <p:cNvPr id="7" name="Content Placeholder 2"/>
-          <p:cNvSpPr>
-            <a:spLocks noGrp="1"/>
-          </p:cNvSpPr>
-          <p:nvPr>
-            <p:ph type="body" idx="1"/>
-          </p:nvPr>
-        </p:nvSpPr>
-        <p:spPr/>
-        <p:txBody>
-          <a:bodyPr>
-            <a:normAutofit fontScale="92500" lnSpcReduction="10000"/>
-          </a:bodyPr>
-          <a:lstStyle/>
-          <a:p>
-            <a:pPr algn="ctr"/>
-            <a:r>
-              <a:rPr lang="en-US" sz="4000" dirty="0" smtClean="0"/>
-              <a:t>Mafia</a:t>
-            </a:r>
-            <a:endParaRPr lang="en-US" sz="4000" dirty="0"/>
-          </a:p>
-          <a:p>
-            <a:pPr algn="ctr"/>
-            <a:r>
-              <a:rPr lang="en-US" sz="4000" dirty="0" err="1" smtClean="0"/>
-              <a:t>Poder</a:t>
-            </a:r>
-            <a:r>
-              <a:rPr lang="en-US" sz="4000" dirty="0" smtClean="0"/>
-              <a:t> </a:t>
-            </a:r>
-          </a:p>
-          <a:p>
-            <a:pPr algn="ctr"/>
-            <a:r>
-              <a:rPr lang="en-US" sz="4000" dirty="0" err="1" smtClean="0"/>
-              <a:t>Corrupción</a:t>
-            </a:r>
-            <a:endParaRPr lang="en-US" sz="4000" dirty="0" smtClean="0"/>
-          </a:p>
-          <a:p>
-            <a:pPr algn="ctr"/>
-            <a:r>
-              <a:rPr lang="en-US" sz="4000" dirty="0" smtClean="0"/>
-              <a:t>Complot</a:t>
-            </a:r>
-          </a:p>
-          <a:p>
-            <a:pPr algn="ctr"/>
-            <a:r>
-              <a:rPr lang="en-US" sz="4000" dirty="0" smtClean="0"/>
-              <a:t>México</a:t>
-            </a:r>
-            <a:endParaRPr lang="en-US" sz="4000" dirty="0"/>
-          </a:p>
-        </p:txBody>
-      </p:sp>
     </p:spTree>
     <p:extLst>
       <p:ext uri="{BB962C8B-B14F-4D97-AF65-F5344CB8AC3E}">
-        <p14:creationId xmlns:p14="http://schemas.microsoft.com/office/powerpoint/2010/main" val="1476999953"/>
+        <p14:creationId xmlns:p14="http://schemas.microsoft.com/office/powerpoint/2010/main" val="3322784472"/>
       </p:ext>
     </p:extLst>
   </p:cSld>
   <p:clrMapOvr>
     <a:masterClrMapping/>
   </p:clrMapOvr>
-  <p:timing>
-    <p:tnLst>
-      <p:par>
-        <p:cTn id="1" dur="indefinite" restart="never" nodeType="tmRoot"/>
-      </p:par>
-    </p:tnLst>
-  </p:timing>
 </p:sld>
 </file>
 
@@ -9336,10 +9638,9 @@
           <a:lstStyle/>
           <a:p>
             <a:r>
-              <a:rPr lang="es-MX" dirty="0" smtClean="0"/>
-              <a:t>Mensaje 2</a:t>
-            </a:r>
-            <a:endParaRPr lang="es-MX" dirty="0"/>
+              <a:rPr lang="es-MX" dirty="0"/>
+              <a:t>Como  supieron ?</a:t>
+            </a:r>
           </a:p>
         </p:txBody>
       </p:sp>
@@ -9358,38 +9659,127 @@
           <a:bodyPr/>
           <a:lstStyle/>
           <a:p>
-            <a:pPr algn="ctr"/>
-            <a:r>
-              <a:rPr lang="en-US" dirty="0" err="1"/>
-              <a:t>Gol</a:t>
-            </a:r>
-            <a:endParaRPr lang="en-US" dirty="0"/>
-          </a:p>
-          <a:p>
-            <a:pPr algn="ctr"/>
-            <a:r>
-              <a:rPr lang="en-US" dirty="0"/>
-              <a:t>México</a:t>
-            </a:r>
-          </a:p>
-          <a:p>
-            <a:pPr algn="ctr"/>
-            <a:r>
-              <a:rPr lang="en-US" dirty="0" err="1"/>
-              <a:t>Tirititito</a:t>
-            </a:r>
-            <a:endParaRPr lang="en-US" dirty="0"/>
-          </a:p>
-          <a:p>
-            <a:pPr algn="ctr"/>
-            <a:r>
-              <a:rPr lang="en-US" dirty="0" err="1"/>
-              <a:t>Fútbol</a:t>
-            </a:r>
-            <a:endParaRPr lang="en-US" dirty="0"/>
-          </a:p>
-          <a:p>
-            <a:endParaRPr lang="es-MX" dirty="0"/>
+            <a:r>
+              <a:rPr lang="en-US" sz="2000" dirty="0"/>
+              <a:t>Las palabras </a:t>
+            </a:r>
+            <a:r>
+              <a:rPr lang="en-US" sz="2000" dirty="0" err="1"/>
+              <a:t>están</a:t>
+            </a:r>
+            <a:r>
+              <a:rPr lang="en-US" sz="2000" dirty="0"/>
+              <a:t> </a:t>
+            </a:r>
+            <a:r>
+              <a:rPr lang="en-US" sz="2000" dirty="0" err="1"/>
+              <a:t>asociadas</a:t>
+            </a:r>
+            <a:r>
+              <a:rPr lang="en-US" sz="2000" dirty="0"/>
+              <a:t> a </a:t>
+            </a:r>
+            <a:r>
+              <a:rPr lang="en-US" sz="2000" dirty="0" err="1"/>
+              <a:t>cada</a:t>
+            </a:r>
+            <a:r>
+              <a:rPr lang="en-US" sz="2000" dirty="0"/>
+              <a:t> persona</a:t>
+            </a:r>
+          </a:p>
+          <a:p>
+            <a:endParaRPr lang="en-US" sz="2000" dirty="0"/>
+          </a:p>
+          <a:p>
+            <a:r>
+              <a:rPr lang="en-US" sz="2000" dirty="0"/>
+              <a:t>Su </a:t>
+            </a:r>
+            <a:r>
+              <a:rPr lang="en-US" sz="2000" dirty="0" err="1"/>
+              <a:t>cerebro</a:t>
+            </a:r>
+            <a:r>
+              <a:rPr lang="en-US" sz="2000" dirty="0"/>
+              <a:t> </a:t>
+            </a:r>
+            <a:r>
+              <a:rPr lang="en-US" sz="2000" dirty="0" err="1"/>
+              <a:t>correlaciona</a:t>
+            </a:r>
+            <a:r>
+              <a:rPr lang="en-US" sz="2000" dirty="0"/>
+              <a:t> las palabras con las personas.</a:t>
+            </a:r>
+          </a:p>
+          <a:p>
+            <a:endParaRPr lang="en-US" sz="2000" dirty="0"/>
+          </a:p>
+          <a:p>
+            <a:r>
+              <a:rPr lang="en-US" sz="2000" dirty="0"/>
+              <a:t>Su </a:t>
+            </a:r>
+            <a:r>
+              <a:rPr lang="en-US" sz="2000" dirty="0" err="1"/>
+              <a:t>cerebro</a:t>
+            </a:r>
+            <a:r>
+              <a:rPr lang="en-US" sz="2000" dirty="0"/>
+              <a:t> </a:t>
+            </a:r>
+            <a:r>
+              <a:rPr lang="en-US" sz="2000" dirty="0" err="1"/>
+              <a:t>calcula</a:t>
+            </a:r>
+            <a:r>
+              <a:rPr lang="en-US" sz="2000" dirty="0"/>
+              <a:t> las </a:t>
+            </a:r>
+            <a:r>
+              <a:rPr lang="en-US" sz="2000" dirty="0" err="1"/>
+              <a:t>probabilidades</a:t>
+            </a:r>
+            <a:r>
+              <a:rPr lang="en-US" sz="2000" dirty="0"/>
+              <a:t> </a:t>
+            </a:r>
+            <a:r>
+              <a:rPr lang="en-US" sz="2000" dirty="0" err="1"/>
+              <a:t>conjuntas</a:t>
+            </a:r>
+            <a:r>
+              <a:rPr lang="en-US" sz="2000" dirty="0"/>
+              <a:t> de que la persona </a:t>
+            </a:r>
+            <a:r>
+              <a:rPr lang="en-US" sz="2000" dirty="0" err="1"/>
+              <a:t>esté</a:t>
+            </a:r>
+            <a:r>
+              <a:rPr lang="en-US" sz="2000" dirty="0"/>
+              <a:t> </a:t>
+            </a:r>
+            <a:r>
+              <a:rPr lang="en-US" sz="2000" dirty="0" err="1"/>
+              <a:t>asociada</a:t>
+            </a:r>
+            <a:r>
+              <a:rPr lang="en-US" sz="2000" dirty="0"/>
+              <a:t> al </a:t>
+            </a:r>
+            <a:r>
+              <a:rPr lang="en-US" sz="2000" dirty="0" err="1"/>
+              <a:t>mensaje</a:t>
+            </a:r>
+            <a:r>
+              <a:rPr lang="en-US" sz="2000" dirty="0"/>
+              <a:t>.</a:t>
+            </a:r>
+          </a:p>
+          <a:p>
+            <a:endParaRPr lang="es-MX" sz="2000" dirty="0"/>
           </a:p>
         </p:txBody>
       </p:sp>
@@ -9428,20 +9818,13 @@
     </p:spTree>
     <p:extLst>
       <p:ext uri="{BB962C8B-B14F-4D97-AF65-F5344CB8AC3E}">
-        <p14:creationId xmlns:p14="http://schemas.microsoft.com/office/powerpoint/2010/main" val="3322784472"/>
+        <p14:creationId xmlns:p14="http://schemas.microsoft.com/office/powerpoint/2010/main" val="2258384173"/>
       </p:ext>
     </p:extLst>
   </p:cSld>
   <p:clrMapOvr>
     <a:masterClrMapping/>
   </p:clrMapOvr>
-  <p:timing>
-    <p:tnLst>
-      <p:par>
-        <p:cTn id="1" dur="indefinite" restart="never" nodeType="tmRoot"/>
-      </p:par>
-    </p:tnLst>
-  </p:timing>
 </p:sld>
 </file>
 
@@ -9464,237 +9847,6 @@
       </p:grpSpPr>
       <p:sp>
         <p:nvSpPr>
-          <p:cNvPr id="2" name="Título 1"/>
-          <p:cNvSpPr>
-            <a:spLocks noGrp="1"/>
-          </p:cNvSpPr>
-          <p:nvPr>
-            <p:ph type="title"/>
-          </p:nvPr>
-        </p:nvSpPr>
-        <p:spPr/>
-        <p:txBody>
-          <a:bodyPr/>
-          <a:lstStyle/>
-          <a:p>
-            <a:r>
-              <a:rPr lang="es-MX" dirty="0" smtClean="0"/>
-              <a:t>Como  supieron ?</a:t>
-            </a:r>
-            <a:endParaRPr lang="es-MX" dirty="0"/>
-          </a:p>
-        </p:txBody>
-      </p:sp>
-      <p:sp>
-        <p:nvSpPr>
-          <p:cNvPr id="3" name="Marcador de texto 2"/>
-          <p:cNvSpPr>
-            <a:spLocks noGrp="1"/>
-          </p:cNvSpPr>
-          <p:nvPr>
-            <p:ph type="body" idx="1"/>
-          </p:nvPr>
-        </p:nvSpPr>
-        <p:spPr/>
-        <p:txBody>
-          <a:bodyPr/>
-          <a:lstStyle/>
-          <a:p>
-            <a:r>
-              <a:rPr lang="en-US" sz="2000" dirty="0"/>
-              <a:t>Las palabras </a:t>
-            </a:r>
-            <a:r>
-              <a:rPr lang="en-US" sz="2000" dirty="0" err="1"/>
-              <a:t>están</a:t>
-            </a:r>
-            <a:r>
-              <a:rPr lang="en-US" sz="2000" dirty="0"/>
-              <a:t> </a:t>
-            </a:r>
-            <a:r>
-              <a:rPr lang="en-US" sz="2000" dirty="0" err="1"/>
-              <a:t>asociadas</a:t>
-            </a:r>
-            <a:r>
-              <a:rPr lang="en-US" sz="2000" dirty="0"/>
-              <a:t> a </a:t>
-            </a:r>
-            <a:r>
-              <a:rPr lang="en-US" sz="2000" dirty="0" err="1"/>
-              <a:t>cada</a:t>
-            </a:r>
-            <a:r>
-              <a:rPr lang="en-US" sz="2000" dirty="0"/>
-              <a:t> persona</a:t>
-            </a:r>
-          </a:p>
-          <a:p>
-            <a:endParaRPr lang="en-US" sz="2000" dirty="0"/>
-          </a:p>
-          <a:p>
-            <a:r>
-              <a:rPr lang="en-US" sz="2000" dirty="0"/>
-              <a:t>Su </a:t>
-            </a:r>
-            <a:r>
-              <a:rPr lang="en-US" sz="2000" dirty="0" err="1"/>
-              <a:t>cerebro</a:t>
-            </a:r>
-            <a:r>
-              <a:rPr lang="en-US" sz="2000" dirty="0"/>
-              <a:t> </a:t>
-            </a:r>
-            <a:r>
-              <a:rPr lang="en-US" sz="2000" dirty="0" err="1"/>
-              <a:t>correlaciona</a:t>
-            </a:r>
-            <a:r>
-              <a:rPr lang="en-US" sz="2000" dirty="0"/>
-              <a:t> las palabras con las personas.</a:t>
-            </a:r>
-          </a:p>
-          <a:p>
-            <a:endParaRPr lang="en-US" sz="2000" dirty="0"/>
-          </a:p>
-          <a:p>
-            <a:r>
-              <a:rPr lang="en-US" sz="2000" dirty="0"/>
-              <a:t>Su </a:t>
-            </a:r>
-            <a:r>
-              <a:rPr lang="en-US" sz="2000" dirty="0" err="1"/>
-              <a:t>cerebro</a:t>
-            </a:r>
-            <a:r>
-              <a:rPr lang="en-US" sz="2000" dirty="0"/>
-              <a:t> </a:t>
-            </a:r>
-            <a:r>
-              <a:rPr lang="en-US" sz="2000" dirty="0" err="1"/>
-              <a:t>calcula</a:t>
-            </a:r>
-            <a:r>
-              <a:rPr lang="en-US" sz="2000" dirty="0"/>
-              <a:t> las </a:t>
-            </a:r>
-            <a:r>
-              <a:rPr lang="en-US" sz="2000" dirty="0" err="1"/>
-              <a:t>probabilidades</a:t>
-            </a:r>
-            <a:r>
-              <a:rPr lang="en-US" sz="2000" dirty="0"/>
-              <a:t> </a:t>
-            </a:r>
-            <a:r>
-              <a:rPr lang="en-US" sz="2000" dirty="0" err="1"/>
-              <a:t>conjuntas</a:t>
-            </a:r>
-            <a:r>
-              <a:rPr lang="en-US" sz="2000" dirty="0"/>
-              <a:t> de que la persona </a:t>
-            </a:r>
-            <a:r>
-              <a:rPr lang="en-US" sz="2000" dirty="0" err="1"/>
-              <a:t>esté</a:t>
-            </a:r>
-            <a:r>
-              <a:rPr lang="en-US" sz="2000" dirty="0"/>
-              <a:t> </a:t>
-            </a:r>
-            <a:r>
-              <a:rPr lang="en-US" sz="2000" dirty="0" err="1"/>
-              <a:t>asociada</a:t>
-            </a:r>
-            <a:r>
-              <a:rPr lang="en-US" sz="2000" dirty="0"/>
-              <a:t> al </a:t>
-            </a:r>
-            <a:r>
-              <a:rPr lang="en-US" sz="2000" dirty="0" err="1"/>
-              <a:t>mensaje</a:t>
-            </a:r>
-            <a:r>
-              <a:rPr lang="en-US" sz="2000" dirty="0"/>
-              <a:t>.</a:t>
-            </a:r>
-          </a:p>
-          <a:p>
-            <a:endParaRPr lang="es-MX" sz="2000" dirty="0"/>
-          </a:p>
-        </p:txBody>
-      </p:sp>
-      <p:sp>
-        <p:nvSpPr>
-          <p:cNvPr id="4" name="Marcador de número de diapositiva 3"/>
-          <p:cNvSpPr>
-            <a:spLocks noGrp="1"/>
-          </p:cNvSpPr>
-          <p:nvPr>
-            <p:ph type="sldNum" idx="12"/>
-          </p:nvPr>
-        </p:nvSpPr>
-        <p:spPr/>
-        <p:txBody>
-          <a:bodyPr/>
-          <a:lstStyle/>
-          <a:p>
-            <a:pPr marL="0" lvl="0" indent="0">
-              <a:spcBef>
-                <a:spcPts val="0"/>
-              </a:spcBef>
-              <a:spcAft>
-                <a:spcPts val="0"/>
-              </a:spcAft>
-              <a:buNone/>
-            </a:pPr>
-            <a:fld id="{00000000-1234-1234-1234-123412341234}" type="slidenum">
-              <a:rPr lang="es-MX" smtClean="0"/>
-              <a:t>26</a:t>
-            </a:fld>
-            <a:endParaRPr lang="es-MX"/>
-          </a:p>
-        </p:txBody>
-      </p:sp>
-    </p:spTree>
-    <p:extLst>
-      <p:ext uri="{BB962C8B-B14F-4D97-AF65-F5344CB8AC3E}">
-        <p14:creationId xmlns:p14="http://schemas.microsoft.com/office/powerpoint/2010/main" val="2258384173"/>
-      </p:ext>
-    </p:extLst>
-  </p:cSld>
-  <p:clrMapOvr>
-    <a:masterClrMapping/>
-  </p:clrMapOvr>
-  <p:timing>
-    <p:tnLst>
-      <p:par>
-        <p:cTn id="1" dur="indefinite" restart="never" nodeType="tmRoot"/>
-      </p:par>
-    </p:tnLst>
-  </p:timing>
-</p:sld>
-</file>
-
-<file path=ppt/slides/slide27.xml><?xml version="1.0" encoding="utf-8"?>
-<p:sld xmlns:a="http://schemas.openxmlformats.org/drawingml/2006/main" xmlns:r="http://schemas.openxmlformats.org/officeDocument/2006/relationships" xmlns:p="http://schemas.openxmlformats.org/presentationml/2006/main">
-  <p:cSld>
-    <p:spTree>
-      <p:nvGrpSpPr>
-        <p:cNvPr id="1" name=""/>
-        <p:cNvGrpSpPr/>
-        <p:nvPr/>
-      </p:nvGrpSpPr>
-      <p:grpSpPr>
-        <a:xfrm>
-          <a:off x="0" y="0"/>
-          <a:ext cx="0" cy="0"/>
-          <a:chOff x="0" y="0"/>
-          <a:chExt cx="0" cy="0"/>
-        </a:xfrm>
-      </p:grpSpPr>
-      <p:sp>
-        <p:nvSpPr>
           <p:cNvPr id="2" name="Title 1"/>
           <p:cNvSpPr>
             <a:spLocks noGrp="1"/>
@@ -9709,15 +9861,15 @@
           <a:lstStyle/>
           <a:p>
             <a:r>
-              <a:rPr lang="en-US" dirty="0" err="1" smtClean="0"/>
+              <a:rPr lang="en-US" dirty="0" err="1"/>
               <a:t>Aprendizaje</a:t>
             </a:r>
             <a:r>
-              <a:rPr lang="en-US" dirty="0" smtClean="0"/>
+              <a:rPr lang="en-US" dirty="0"/>
               <a:t> </a:t>
             </a:r>
             <a:r>
-              <a:rPr lang="en-US" dirty="0" err="1" smtClean="0"/>
+              <a:rPr lang="en-US" dirty="0" err="1"/>
               <a:t>Supervisado</a:t>
             </a:r>
             <a:endParaRPr lang="en-US" dirty="0"/>
@@ -9742,129 +9894,128 @@
           <a:lstStyle/>
           <a:p>
             <a:r>
-              <a:rPr lang="en-US" dirty="0" smtClean="0"/>
+              <a:rPr lang="en-US" dirty="0"/>
               <a:t>Set de </a:t>
             </a:r>
             <a:r>
-              <a:rPr lang="en-US" dirty="0" err="1" smtClean="0"/>
+              <a:rPr lang="en-US" dirty="0" err="1"/>
               <a:t>datos</a:t>
             </a:r>
             <a:r>
-              <a:rPr lang="en-US" dirty="0" smtClean="0"/>
+              <a:rPr lang="en-US" dirty="0"/>
               <a:t> </a:t>
             </a:r>
             <a:r>
-              <a:rPr lang="en-US" dirty="0" err="1" smtClean="0"/>
+              <a:rPr lang="en-US" dirty="0" err="1"/>
               <a:t>etiquetados</a:t>
             </a:r>
-            <a:endParaRPr lang="en-US" dirty="0" smtClean="0"/>
+            <a:endParaRPr lang="en-US" dirty="0"/>
           </a:p>
           <a:p>
             <a:pPr lvl="1"/>
             <a:r>
-              <a:rPr lang="en-US" dirty="0" smtClean="0"/>
+              <a:rPr lang="en-US" dirty="0"/>
               <a:t>Set de emails con spam/not spam.</a:t>
             </a:r>
           </a:p>
           <a:p>
             <a:pPr lvl="1"/>
             <a:r>
-              <a:rPr lang="en-US" dirty="0" smtClean="0"/>
+              <a:rPr lang="en-US" dirty="0"/>
               <a:t>Reviews de Amazon (</a:t>
             </a:r>
             <a:r>
-              <a:rPr lang="en-US" dirty="0" err="1" smtClean="0"/>
+              <a:rPr lang="en-US" dirty="0" err="1"/>
               <a:t>Estrellas</a:t>
             </a:r>
             <a:r>
-              <a:rPr lang="en-US" dirty="0" smtClean="0"/>
+              <a:rPr lang="en-US" dirty="0"/>
               <a:t>)</a:t>
             </a:r>
           </a:p>
           <a:p>
             <a:pPr lvl="1"/>
             <a:r>
-              <a:rPr lang="en-US" dirty="0" smtClean="0"/>
+              <a:rPr lang="en-US" dirty="0"/>
               <a:t>Facebook like/not like.</a:t>
             </a:r>
           </a:p>
           <a:p>
             <a:pPr lvl="1"/>
             <a:r>
-              <a:rPr lang="en-US" dirty="0" smtClean="0"/>
+              <a:rPr lang="en-US" dirty="0"/>
               <a:t>Stock Market - &gt; </a:t>
             </a:r>
             <a:r>
-              <a:rPr lang="en-US" dirty="0" err="1" smtClean="0"/>
+              <a:rPr lang="en-US" dirty="0" err="1"/>
               <a:t>Volumen</a:t>
             </a:r>
-            <a:endParaRPr lang="en-US" dirty="0" smtClean="0"/>
-          </a:p>
-          <a:p>
-            <a:r>
-              <a:rPr lang="en-US" dirty="0" err="1" smtClean="0"/>
+            <a:endParaRPr lang="en-US" dirty="0"/>
+          </a:p>
+          <a:p>
+            <a:r>
+              <a:rPr lang="en-US" dirty="0" err="1"/>
               <a:t>Algoritmo</a:t>
             </a:r>
-            <a:endParaRPr lang="en-US" dirty="0" smtClean="0"/>
+            <a:endParaRPr lang="en-US" dirty="0"/>
           </a:p>
           <a:p>
             <a:pPr lvl="1"/>
             <a:r>
-              <a:rPr lang="en-US" dirty="0" err="1" smtClean="0"/>
+              <a:rPr lang="en-US" dirty="0" err="1"/>
               <a:t>Regresión</a:t>
             </a:r>
             <a:r>
-              <a:rPr lang="en-US" dirty="0" smtClean="0"/>
+              <a:rPr lang="en-US" dirty="0"/>
               <a:t> Lineal</a:t>
             </a:r>
           </a:p>
           <a:p>
             <a:pPr lvl="1"/>
             <a:r>
-              <a:rPr lang="en-US" dirty="0" err="1" smtClean="0"/>
+              <a:rPr lang="en-US" dirty="0" err="1"/>
               <a:t>Regresión</a:t>
             </a:r>
             <a:r>
-              <a:rPr lang="en-US" dirty="0" smtClean="0"/>
+              <a:rPr lang="en-US" dirty="0"/>
               <a:t> </a:t>
             </a:r>
             <a:r>
-              <a:rPr lang="en-US" dirty="0" err="1" smtClean="0"/>
+              <a:rPr lang="en-US" dirty="0" err="1"/>
               <a:t>Logística</a:t>
             </a:r>
-            <a:endParaRPr lang="en-US" dirty="0" smtClean="0"/>
+            <a:endParaRPr lang="en-US" dirty="0"/>
           </a:p>
           <a:p>
             <a:pPr lvl="1"/>
             <a:r>
-              <a:rPr lang="en-US" dirty="0" err="1" smtClean="0"/>
+              <a:rPr lang="en-US" dirty="0" err="1"/>
               <a:t>Maquinas</a:t>
             </a:r>
             <a:r>
-              <a:rPr lang="en-US" dirty="0" smtClean="0"/>
+              <a:rPr lang="en-US" dirty="0"/>
               <a:t> de </a:t>
             </a:r>
             <a:r>
-              <a:rPr lang="en-US" dirty="0" err="1" smtClean="0"/>
+              <a:rPr lang="en-US" dirty="0" err="1"/>
               <a:t>Soporte</a:t>
             </a:r>
             <a:r>
-              <a:rPr lang="en-US" dirty="0" smtClean="0"/>
+              <a:rPr lang="en-US" dirty="0"/>
               <a:t> </a:t>
             </a:r>
             <a:r>
-              <a:rPr lang="en-US" dirty="0" err="1" smtClean="0"/>
+              <a:rPr lang="en-US" dirty="0" err="1"/>
               <a:t>Vectorial</a:t>
             </a:r>
-            <a:endParaRPr lang="en-US" dirty="0" smtClean="0"/>
+            <a:endParaRPr lang="en-US" dirty="0"/>
           </a:p>
           <a:p>
             <a:pPr lvl="1"/>
             <a:r>
-              <a:rPr lang="en-US" dirty="0" smtClean="0"/>
+              <a:rPr lang="en-US" dirty="0"/>
               <a:t>Deep Learning (Neural Networks and Convolutional NN)</a:t>
             </a:r>
-            <a:endParaRPr lang="en-US" dirty="0"/>
           </a:p>
         </p:txBody>
       </p:sp>
@@ -9881,17 +10032,10 @@
   <p:transition>
     <p:fade thruBlk="1"/>
   </p:transition>
-  <p:timing>
-    <p:tnLst>
-      <p:par>
-        <p:cTn id="1" dur="indefinite" restart="never" nodeType="tmRoot"/>
-      </p:par>
-    </p:tnLst>
-  </p:timing>
 </p:sld>
 </file>
 
-<file path=ppt/slides/slide28.xml><?xml version="1.0" encoding="utf-8"?>
+<file path=ppt/slides/slide27.xml><?xml version="1.0" encoding="utf-8"?>
 <p:sld xmlns:a="http://schemas.openxmlformats.org/drawingml/2006/main" xmlns:r="http://schemas.openxmlformats.org/officeDocument/2006/relationships" xmlns:p="http://schemas.openxmlformats.org/presentationml/2006/main">
   <p:cSld>
     <p:spTree>
@@ -11834,17 +11978,10 @@
   <p:transition>
     <p:fade thruBlk="1"/>
   </p:transition>
-  <p:timing>
-    <p:tnLst>
-      <p:par>
-        <p:cTn id="1" dur="indefinite" restart="never" nodeType="tmRoot"/>
-      </p:par>
-    </p:tnLst>
-  </p:timing>
 </p:sld>
 </file>
 
-<file path=ppt/slides/slide29.xml><?xml version="1.0" encoding="utf-8"?>
+<file path=ppt/slides/slide28.xml><?xml version="1.0" encoding="utf-8"?>
 <p:sld xmlns:a="http://schemas.openxmlformats.org/drawingml/2006/main" xmlns:r="http://schemas.openxmlformats.org/officeDocument/2006/relationships" xmlns:p="http://schemas.openxmlformats.org/presentationml/2006/main">
   <p:cSld>
     <p:spTree>
@@ -11937,10 +12074,9 @@
               <a:buNone/>
             </a:pPr>
             <a:r>
-              <a:rPr lang="es-MX" dirty="0" smtClean="0"/>
+              <a:rPr lang="es-MX" dirty="0"/>
               <a:t>Qué es Inteligencia Artificial</a:t>
             </a:r>
-            <a:endParaRPr lang="es-MX" dirty="0"/>
           </a:p>
         </p:txBody>
       </p:sp>
@@ -11980,7 +12116,7 @@
             </a:pPr>
             <a:fld id="{00000000-1234-1234-1234-123412341234}" type="slidenum">
               <a:rPr lang="en"/>
-              <a:t>29</a:t>
+              <a:t>28</a:t>
             </a:fld>
             <a:endParaRPr/>
           </a:p>
@@ -12054,183 +12190,10 @@
   <p:clrMapOvr>
     <a:masterClrMapping/>
   </p:clrMapOvr>
-  <p:timing>
-    <p:tnLst>
-      <p:par>
-        <p:cTn id="1" dur="indefinite" restart="never" nodeType="tmRoot"/>
-      </p:par>
-    </p:tnLst>
-  </p:timing>
 </p:sld>
 </file>
 
-<file path=ppt/slides/slide3.xml><?xml version="1.0" encoding="utf-8"?>
-<p:sld xmlns:a="http://schemas.openxmlformats.org/drawingml/2006/main" xmlns:r="http://schemas.openxmlformats.org/officeDocument/2006/relationships" xmlns:p="http://schemas.openxmlformats.org/presentationml/2006/main">
-  <p:cSld>
-    <p:spTree>
-      <p:nvGrpSpPr>
-        <p:cNvPr id="1" name="Shape 228"/>
-        <p:cNvGrpSpPr/>
-        <p:nvPr/>
-      </p:nvGrpSpPr>
-      <p:grpSpPr>
-        <a:xfrm>
-          <a:off x="0" y="0"/>
-          <a:ext cx="0" cy="0"/>
-          <a:chOff x="0" y="0"/>
-          <a:chExt cx="0" cy="0"/>
-        </a:xfrm>
-      </p:grpSpPr>
-      <p:sp>
-        <p:nvSpPr>
-          <p:cNvPr id="229" name="Google Shape;229;p15"/>
-          <p:cNvSpPr txBox="1">
-            <a:spLocks noGrp="1"/>
-          </p:cNvSpPr>
-          <p:nvPr>
-            <p:ph type="body" idx="1"/>
-          </p:nvPr>
-        </p:nvSpPr>
-        <p:spPr>
-          <a:xfrm>
-            <a:off x="829775" y="1202000"/>
-            <a:ext cx="5090700" cy="2745000"/>
-          </a:xfrm>
-          <a:prstGeom prst="rect">
-            <a:avLst/>
-          </a:prstGeom>
-        </p:spPr>
-        <p:txBody>
-          <a:bodyPr spcFirstLastPara="1" wrap="square" lIns="91425" tIns="91425" rIns="91425" bIns="91425" anchor="t" anchorCtr="0">
-            <a:noAutofit/>
-          </a:bodyPr>
-          <a:lstStyle/>
-          <a:p>
-            <a:pPr marL="0" lvl="0" indent="0">
-              <a:spcBef>
-                <a:spcPts val="600"/>
-              </a:spcBef>
-              <a:spcAft>
-                <a:spcPts val="0"/>
-              </a:spcAft>
-              <a:buNone/>
-            </a:pPr>
-            <a:r>
-              <a:rPr lang="en" dirty="0"/>
-              <a:t>A mi no me importan las buenas calificaciones, mis creaciones seran el testamento de mi desempeño.</a:t>
-            </a:r>
-          </a:p>
-          <a:p>
-            <a:pPr marL="0" lvl="0" indent="0" algn="r">
-              <a:spcBef>
-                <a:spcPts val="600"/>
-              </a:spcBef>
-              <a:spcAft>
-                <a:spcPts val="0"/>
-              </a:spcAft>
-              <a:buNone/>
-            </a:pPr>
-            <a:r>
-              <a:rPr lang="en" dirty="0"/>
-              <a:t>Helmut Kohl</a:t>
-            </a:r>
-            <a:endParaRPr dirty="0"/>
-          </a:p>
-        </p:txBody>
-      </p:sp>
-      <p:sp>
-        <p:nvSpPr>
-          <p:cNvPr id="230" name="Google Shape;230;p15"/>
-          <p:cNvSpPr txBox="1">
-            <a:spLocks noGrp="1"/>
-          </p:cNvSpPr>
-          <p:nvPr>
-            <p:ph type="sldNum" idx="4294967295"/>
-          </p:nvPr>
-        </p:nvSpPr>
-        <p:spPr>
-          <a:xfrm>
-            <a:off x="7618000" y="4636500"/>
-            <a:ext cx="1487400" cy="315600"/>
-          </a:xfrm>
-          <a:prstGeom prst="rect">
-            <a:avLst/>
-          </a:prstGeom>
-        </p:spPr>
-        <p:txBody>
-          <a:bodyPr spcFirstLastPara="1" wrap="square" lIns="91425" tIns="91425" rIns="91425" bIns="91425" anchor="ctr" anchorCtr="0">
-            <a:noAutofit/>
-          </a:bodyPr>
-          <a:lstStyle/>
-          <a:p>
-            <a:pPr marL="0" lvl="0" indent="0">
-              <a:spcBef>
-                <a:spcPts val="0"/>
-              </a:spcBef>
-              <a:spcAft>
-                <a:spcPts val="0"/>
-              </a:spcAft>
-              <a:buNone/>
-            </a:pPr>
-            <a:fld id="{00000000-1234-1234-1234-123412341234}" type="slidenum">
-              <a:rPr lang="en"/>
-              <a:t>3</a:t>
-            </a:fld>
-            <a:endParaRPr/>
-          </a:p>
-        </p:txBody>
-      </p:sp>
-      <p:sp>
-        <p:nvSpPr>
-          <p:cNvPr id="231" name="Google Shape;231;p15"/>
-          <p:cNvSpPr txBox="1">
-            <a:spLocks noGrp="1"/>
-          </p:cNvSpPr>
-          <p:nvPr>
-            <p:ph type="sldNum" idx="12"/>
-          </p:nvPr>
-        </p:nvSpPr>
-        <p:spPr>
-          <a:xfrm>
-            <a:off x="7618000" y="4636500"/>
-            <a:ext cx="1487400" cy="315600"/>
-          </a:xfrm>
-          <a:prstGeom prst="rect">
-            <a:avLst/>
-          </a:prstGeom>
-        </p:spPr>
-        <p:txBody>
-          <a:bodyPr spcFirstLastPara="1" wrap="square" lIns="91425" tIns="91425" rIns="91425" bIns="91425" anchor="ctr" anchorCtr="0">
-            <a:noAutofit/>
-          </a:bodyPr>
-          <a:lstStyle/>
-          <a:p>
-            <a:pPr marL="0" lvl="0" indent="0">
-              <a:spcBef>
-                <a:spcPts val="0"/>
-              </a:spcBef>
-              <a:spcAft>
-                <a:spcPts val="0"/>
-              </a:spcAft>
-              <a:buNone/>
-            </a:pPr>
-            <a:fld id="{00000000-1234-1234-1234-123412341234}" type="slidenum">
-              <a:rPr lang="en"/>
-              <a:t>3</a:t>
-            </a:fld>
-            <a:endParaRPr/>
-          </a:p>
-        </p:txBody>
-      </p:sp>
-    </p:spTree>
-  </p:cSld>
-  <p:clrMapOvr>
-    <a:masterClrMapping/>
-  </p:clrMapOvr>
-</p:sld>
-</file>
-
-<file path=ppt/slides/slide30.xml><?xml version="1.0" encoding="utf-8"?>
+<file path=ppt/slides/slide29.xml><?xml version="1.0" encoding="utf-8"?>
 <p:sld xmlns:a="http://schemas.openxmlformats.org/drawingml/2006/main" xmlns:r="http://schemas.openxmlformats.org/officeDocument/2006/relationships" xmlns:p="http://schemas.openxmlformats.org/presentationml/2006/main">
   <p:cSld>
     <p:spTree>
@@ -12273,7 +12236,7 @@
             </a:pPr>
             <a:fld id="{00000000-1234-1234-1234-123412341234}" type="slidenum">
               <a:rPr lang="es-MX" smtClean="0"/>
-              <a:t>30</a:t>
+              <a:t>29</a:t>
             </a:fld>
             <a:endParaRPr lang="es-MX"/>
           </a:p>
@@ -12330,1118 +12293,10 @@
   <p:clrMapOvr>
     <a:masterClrMapping/>
   </p:clrMapOvr>
-  <p:timing>
-    <p:tnLst>
-      <p:par>
-        <p:cTn id="1" dur="indefinite" restart="never" nodeType="tmRoot"/>
-      </p:par>
-    </p:tnLst>
-  </p:timing>
 </p:sld>
 </file>
 
-<file path=ppt/slides/slide31.xml><?xml version="1.0" encoding="utf-8"?>
-<p:sld xmlns:a="http://schemas.openxmlformats.org/drawingml/2006/main" xmlns:r="http://schemas.openxmlformats.org/officeDocument/2006/relationships" xmlns:p="http://schemas.openxmlformats.org/presentationml/2006/main">
-  <p:cSld>
-    <p:spTree>
-      <p:nvGrpSpPr>
-        <p:cNvPr id="1" name=""/>
-        <p:cNvGrpSpPr/>
-        <p:nvPr/>
-      </p:nvGrpSpPr>
-      <p:grpSpPr>
-        <a:xfrm>
-          <a:off x="0" y="0"/>
-          <a:ext cx="0" cy="0"/>
-          <a:chOff x="0" y="0"/>
-          <a:chExt cx="0" cy="0"/>
-        </a:xfrm>
-      </p:grpSpPr>
-      <p:sp>
-        <p:nvSpPr>
-          <p:cNvPr id="2" name="Título 1"/>
-          <p:cNvSpPr>
-            <a:spLocks noGrp="1"/>
-          </p:cNvSpPr>
-          <p:nvPr>
-            <p:ph type="title"/>
-          </p:nvPr>
-        </p:nvSpPr>
-        <p:spPr/>
-        <p:txBody>
-          <a:bodyPr/>
-          <a:lstStyle/>
-          <a:p>
-            <a:r>
-              <a:rPr lang="es-MX" dirty="0" smtClean="0"/>
-              <a:t>¿Qué es AI/ML?</a:t>
-            </a:r>
-            <a:endParaRPr lang="es-MX" dirty="0"/>
-          </a:p>
-        </p:txBody>
-      </p:sp>
-      <p:sp>
-        <p:nvSpPr>
-          <p:cNvPr id="3" name="Marcador de texto 2"/>
-          <p:cNvSpPr>
-            <a:spLocks noGrp="1"/>
-          </p:cNvSpPr>
-          <p:nvPr>
-            <p:ph type="body" idx="1"/>
-          </p:nvPr>
-        </p:nvSpPr>
-        <p:spPr/>
-        <p:txBody>
-          <a:bodyPr/>
-          <a:lstStyle/>
-          <a:p>
-            <a:r>
-              <a:rPr lang="es-MX" sz="1800" dirty="0" smtClean="0"/>
-              <a:t>La definición </a:t>
-            </a:r>
-            <a:r>
-              <a:rPr lang="es-MX" sz="1800" dirty="0" err="1" smtClean="0"/>
-              <a:t>via</a:t>
-            </a:r>
-            <a:r>
-              <a:rPr lang="es-MX" sz="1800" dirty="0" smtClean="0"/>
-              <a:t> la prueba de Turing, actuando humanamente:</a:t>
-            </a:r>
-          </a:p>
-          <a:p>
-            <a:pPr lvl="1"/>
-            <a:r>
-              <a:rPr lang="es-MX" sz="1800" dirty="0" smtClean="0"/>
-              <a:t>¿Qué es la prueba de Turing?</a:t>
-            </a:r>
-            <a:endParaRPr lang="es-MX" sz="1800" dirty="0"/>
-          </a:p>
-        </p:txBody>
-      </p:sp>
-      <p:sp>
-        <p:nvSpPr>
-          <p:cNvPr id="4" name="Marcador de número de diapositiva 3"/>
-          <p:cNvSpPr>
-            <a:spLocks noGrp="1"/>
-          </p:cNvSpPr>
-          <p:nvPr>
-            <p:ph type="sldNum" idx="12"/>
-          </p:nvPr>
-        </p:nvSpPr>
-        <p:spPr/>
-        <p:txBody>
-          <a:bodyPr/>
-          <a:lstStyle/>
-          <a:p>
-            <a:pPr marL="0" lvl="0" indent="0">
-              <a:spcBef>
-                <a:spcPts val="0"/>
-              </a:spcBef>
-              <a:spcAft>
-                <a:spcPts val="0"/>
-              </a:spcAft>
-              <a:buNone/>
-            </a:pPr>
-            <a:fld id="{00000000-1234-1234-1234-123412341234}" type="slidenum">
-              <a:rPr lang="es-MX" smtClean="0"/>
-              <a:t>31</a:t>
-            </a:fld>
-            <a:endParaRPr lang="es-MX"/>
-          </a:p>
-        </p:txBody>
-      </p:sp>
-    </p:spTree>
-    <p:extLst>
-      <p:ext uri="{BB962C8B-B14F-4D97-AF65-F5344CB8AC3E}">
-        <p14:creationId xmlns:p14="http://schemas.microsoft.com/office/powerpoint/2010/main" val="2496319811"/>
-      </p:ext>
-    </p:extLst>
-  </p:cSld>
-  <p:clrMapOvr>
-    <a:masterClrMapping/>
-  </p:clrMapOvr>
-  <p:timing>
-    <p:tnLst>
-      <p:par>
-        <p:cTn id="1" dur="indefinite" restart="never" nodeType="tmRoot"/>
-      </p:par>
-    </p:tnLst>
-  </p:timing>
-</p:sld>
-</file>
-
-<file path=ppt/slides/slide32.xml><?xml version="1.0" encoding="utf-8"?>
-<p:sld xmlns:a="http://schemas.openxmlformats.org/drawingml/2006/main" xmlns:r="http://schemas.openxmlformats.org/officeDocument/2006/relationships" xmlns:p="http://schemas.openxmlformats.org/presentationml/2006/main">
-  <p:cSld>
-    <p:spTree>
-      <p:nvGrpSpPr>
-        <p:cNvPr id="1" name=""/>
-        <p:cNvGrpSpPr/>
-        <p:nvPr/>
-      </p:nvGrpSpPr>
-      <p:grpSpPr>
-        <a:xfrm>
-          <a:off x="0" y="0"/>
-          <a:ext cx="0" cy="0"/>
-          <a:chOff x="0" y="0"/>
-          <a:chExt cx="0" cy="0"/>
-        </a:xfrm>
-      </p:grpSpPr>
-      <p:sp>
-        <p:nvSpPr>
-          <p:cNvPr id="2" name="Título 1"/>
-          <p:cNvSpPr>
-            <a:spLocks noGrp="1"/>
-          </p:cNvSpPr>
-          <p:nvPr>
-            <p:ph type="title"/>
-          </p:nvPr>
-        </p:nvSpPr>
-        <p:spPr/>
-        <p:txBody>
-          <a:bodyPr/>
-          <a:lstStyle/>
-          <a:p>
-            <a:endParaRPr lang="es-MX"/>
-          </a:p>
-        </p:txBody>
-      </p:sp>
-      <p:sp>
-        <p:nvSpPr>
-          <p:cNvPr id="3" name="Marcador de texto 2"/>
-          <p:cNvSpPr>
-            <a:spLocks noGrp="1"/>
-          </p:cNvSpPr>
-          <p:nvPr>
-            <p:ph type="body" idx="1"/>
-          </p:nvPr>
-        </p:nvSpPr>
-        <p:spPr/>
-        <p:txBody>
-          <a:bodyPr/>
-          <a:lstStyle/>
-          <a:p>
-            <a:r>
-              <a:rPr lang="es-MX" dirty="0" smtClean="0"/>
-              <a:t>La prueba de Turing es una prueba diseñada por Alan Turing, donde una máquina se define inteligente:</a:t>
-            </a:r>
-          </a:p>
-          <a:p>
-            <a:pPr lvl="1"/>
-            <a:r>
-              <a:rPr lang="es-MX" dirty="0" smtClean="0"/>
-              <a:t>Si durante una conversación, un humano no puede distinguir si la máquina es máquina o humano.</a:t>
-            </a:r>
-            <a:endParaRPr lang="es-MX" dirty="0"/>
-          </a:p>
-        </p:txBody>
-      </p:sp>
-      <p:sp>
-        <p:nvSpPr>
-          <p:cNvPr id="4" name="Marcador de número de diapositiva 3"/>
-          <p:cNvSpPr>
-            <a:spLocks noGrp="1"/>
-          </p:cNvSpPr>
-          <p:nvPr>
-            <p:ph type="sldNum" idx="12"/>
-          </p:nvPr>
-        </p:nvSpPr>
-        <p:spPr/>
-        <p:txBody>
-          <a:bodyPr/>
-          <a:lstStyle/>
-          <a:p>
-            <a:pPr marL="0" lvl="0" indent="0">
-              <a:spcBef>
-                <a:spcPts val="0"/>
-              </a:spcBef>
-              <a:spcAft>
-                <a:spcPts val="0"/>
-              </a:spcAft>
-              <a:buNone/>
-            </a:pPr>
-            <a:fld id="{00000000-1234-1234-1234-123412341234}" type="slidenum">
-              <a:rPr lang="es-MX" smtClean="0"/>
-              <a:t>32</a:t>
-            </a:fld>
-            <a:endParaRPr lang="es-MX"/>
-          </a:p>
-        </p:txBody>
-      </p:sp>
-    </p:spTree>
-    <p:extLst>
-      <p:ext uri="{BB962C8B-B14F-4D97-AF65-F5344CB8AC3E}">
-        <p14:creationId xmlns:p14="http://schemas.microsoft.com/office/powerpoint/2010/main" val="3278708825"/>
-      </p:ext>
-    </p:extLst>
-  </p:cSld>
-  <p:clrMapOvr>
-    <a:masterClrMapping/>
-  </p:clrMapOvr>
-  <p:timing>
-    <p:tnLst>
-      <p:par>
-        <p:cTn id="1" dur="indefinite" restart="never" nodeType="tmRoot"/>
-      </p:par>
-    </p:tnLst>
-  </p:timing>
-</p:sld>
-</file>
-
-<file path=ppt/slides/slide33.xml><?xml version="1.0" encoding="utf-8"?>
-<p:sld xmlns:a="http://schemas.openxmlformats.org/drawingml/2006/main" xmlns:r="http://schemas.openxmlformats.org/officeDocument/2006/relationships" xmlns:p="http://schemas.openxmlformats.org/presentationml/2006/main">
-  <p:cSld>
-    <p:spTree>
-      <p:nvGrpSpPr>
-        <p:cNvPr id="1" name=""/>
-        <p:cNvGrpSpPr/>
-        <p:nvPr/>
-      </p:nvGrpSpPr>
-      <p:grpSpPr>
-        <a:xfrm>
-          <a:off x="0" y="0"/>
-          <a:ext cx="0" cy="0"/>
-          <a:chOff x="0" y="0"/>
-          <a:chExt cx="0" cy="0"/>
-        </a:xfrm>
-      </p:grpSpPr>
-      <p:sp>
-        <p:nvSpPr>
-          <p:cNvPr id="2" name="Título 1"/>
-          <p:cNvSpPr>
-            <a:spLocks noGrp="1"/>
-          </p:cNvSpPr>
-          <p:nvPr>
-            <p:ph type="title"/>
-          </p:nvPr>
-        </p:nvSpPr>
-        <p:spPr/>
-        <p:txBody>
-          <a:bodyPr/>
-          <a:lstStyle/>
-          <a:p>
-            <a:r>
-              <a:rPr lang="es-MX" dirty="0" smtClean="0"/>
-              <a:t>En videojuegos</a:t>
-            </a:r>
-            <a:endParaRPr lang="es-MX" dirty="0"/>
-          </a:p>
-        </p:txBody>
-      </p:sp>
-      <p:sp>
-        <p:nvSpPr>
-          <p:cNvPr id="3" name="Marcador de texto 2"/>
-          <p:cNvSpPr>
-            <a:spLocks noGrp="1"/>
-          </p:cNvSpPr>
-          <p:nvPr>
-            <p:ph type="body" idx="1"/>
-          </p:nvPr>
-        </p:nvSpPr>
-        <p:spPr/>
-        <p:txBody>
-          <a:bodyPr/>
-          <a:lstStyle/>
-          <a:p>
-            <a:r>
-              <a:rPr lang="es-MX" dirty="0" smtClean="0"/>
-              <a:t>En un juego, el jugador no puede distinguir si la máquina es máquina o humano.</a:t>
-            </a:r>
-            <a:endParaRPr lang="es-MX" dirty="0"/>
-          </a:p>
-        </p:txBody>
-      </p:sp>
-      <p:sp>
-        <p:nvSpPr>
-          <p:cNvPr id="4" name="Marcador de número de diapositiva 3"/>
-          <p:cNvSpPr>
-            <a:spLocks noGrp="1"/>
-          </p:cNvSpPr>
-          <p:nvPr>
-            <p:ph type="sldNum" idx="12"/>
-          </p:nvPr>
-        </p:nvSpPr>
-        <p:spPr/>
-        <p:txBody>
-          <a:bodyPr/>
-          <a:lstStyle/>
-          <a:p>
-            <a:pPr marL="0" lvl="0" indent="0">
-              <a:spcBef>
-                <a:spcPts val="0"/>
-              </a:spcBef>
-              <a:spcAft>
-                <a:spcPts val="0"/>
-              </a:spcAft>
-              <a:buNone/>
-            </a:pPr>
-            <a:fld id="{00000000-1234-1234-1234-123412341234}" type="slidenum">
-              <a:rPr lang="es-MX" smtClean="0"/>
-              <a:t>33</a:t>
-            </a:fld>
-            <a:endParaRPr lang="es-MX"/>
-          </a:p>
-        </p:txBody>
-      </p:sp>
-    </p:spTree>
-    <p:extLst>
-      <p:ext uri="{BB962C8B-B14F-4D97-AF65-F5344CB8AC3E}">
-        <p14:creationId xmlns:p14="http://schemas.microsoft.com/office/powerpoint/2010/main" val="2782364419"/>
-      </p:ext>
-    </p:extLst>
-  </p:cSld>
-  <p:clrMapOvr>
-    <a:masterClrMapping/>
-  </p:clrMapOvr>
-</p:sld>
-</file>
-
-<file path=ppt/slides/slide34.xml><?xml version="1.0" encoding="utf-8"?>
-<p:sld xmlns:a="http://schemas.openxmlformats.org/drawingml/2006/main" xmlns:r="http://schemas.openxmlformats.org/officeDocument/2006/relationships" xmlns:p="http://schemas.openxmlformats.org/presentationml/2006/main">
-  <p:cSld>
-    <p:spTree>
-      <p:nvGrpSpPr>
-        <p:cNvPr id="1" name=""/>
-        <p:cNvGrpSpPr/>
-        <p:nvPr/>
-      </p:nvGrpSpPr>
-      <p:grpSpPr>
-        <a:xfrm>
-          <a:off x="0" y="0"/>
-          <a:ext cx="0" cy="0"/>
-          <a:chOff x="0" y="0"/>
-          <a:chExt cx="0" cy="0"/>
-        </a:xfrm>
-      </p:grpSpPr>
-      <p:sp>
-        <p:nvSpPr>
-          <p:cNvPr id="2" name="Título 1"/>
-          <p:cNvSpPr>
-            <a:spLocks noGrp="1"/>
-          </p:cNvSpPr>
-          <p:nvPr>
-            <p:ph type="title"/>
-          </p:nvPr>
-        </p:nvSpPr>
-        <p:spPr/>
-        <p:txBody>
-          <a:bodyPr/>
-          <a:lstStyle/>
-          <a:p>
-            <a:endParaRPr lang="es-MX"/>
-          </a:p>
-        </p:txBody>
-      </p:sp>
-      <p:sp>
-        <p:nvSpPr>
-          <p:cNvPr id="3" name="Marcador de texto 2"/>
-          <p:cNvSpPr>
-            <a:spLocks noGrp="1"/>
-          </p:cNvSpPr>
-          <p:nvPr>
-            <p:ph type="body" idx="1"/>
-          </p:nvPr>
-        </p:nvSpPr>
-        <p:spPr/>
-        <p:txBody>
-          <a:bodyPr/>
-          <a:lstStyle/>
-          <a:p>
-            <a:r>
-              <a:rPr lang="es-MX" dirty="0" smtClean="0"/>
-              <a:t>¿Qué se necesita para pasar la prueba de Turing (técnicamente)?</a:t>
-            </a:r>
-          </a:p>
-          <a:p>
-            <a:endParaRPr lang="es-MX" dirty="0"/>
-          </a:p>
-        </p:txBody>
-      </p:sp>
-      <p:sp>
-        <p:nvSpPr>
-          <p:cNvPr id="4" name="Marcador de número de diapositiva 3"/>
-          <p:cNvSpPr>
-            <a:spLocks noGrp="1"/>
-          </p:cNvSpPr>
-          <p:nvPr>
-            <p:ph type="sldNum" idx="12"/>
-          </p:nvPr>
-        </p:nvSpPr>
-        <p:spPr/>
-        <p:txBody>
-          <a:bodyPr/>
-          <a:lstStyle/>
-          <a:p>
-            <a:pPr marL="0" lvl="0" indent="0">
-              <a:spcBef>
-                <a:spcPts val="0"/>
-              </a:spcBef>
-              <a:spcAft>
-                <a:spcPts val="0"/>
-              </a:spcAft>
-              <a:buNone/>
-            </a:pPr>
-            <a:fld id="{00000000-1234-1234-1234-123412341234}" type="slidenum">
-              <a:rPr lang="es-MX" smtClean="0"/>
-              <a:t>34</a:t>
-            </a:fld>
-            <a:endParaRPr lang="es-MX"/>
-          </a:p>
-        </p:txBody>
-      </p:sp>
-    </p:spTree>
-    <p:extLst>
-      <p:ext uri="{BB962C8B-B14F-4D97-AF65-F5344CB8AC3E}">
-        <p14:creationId xmlns:p14="http://schemas.microsoft.com/office/powerpoint/2010/main" val="10844453"/>
-      </p:ext>
-    </p:extLst>
-  </p:cSld>
-  <p:clrMapOvr>
-    <a:masterClrMapping/>
-  </p:clrMapOvr>
-  <p:timing>
-    <p:tnLst>
-      <p:par>
-        <p:cTn id="1" dur="indefinite" restart="never" nodeType="tmRoot"/>
-      </p:par>
-    </p:tnLst>
-  </p:timing>
-</p:sld>
-</file>
-
-<file path=ppt/slides/slide35.xml><?xml version="1.0" encoding="utf-8"?>
-<p:sld xmlns:a="http://schemas.openxmlformats.org/drawingml/2006/main" xmlns:r="http://schemas.openxmlformats.org/officeDocument/2006/relationships" xmlns:p="http://schemas.openxmlformats.org/presentationml/2006/main">
-  <p:cSld>
-    <p:spTree>
-      <p:nvGrpSpPr>
-        <p:cNvPr id="1" name=""/>
-        <p:cNvGrpSpPr/>
-        <p:nvPr/>
-      </p:nvGrpSpPr>
-      <p:grpSpPr>
-        <a:xfrm>
-          <a:off x="0" y="0"/>
-          <a:ext cx="0" cy="0"/>
-          <a:chOff x="0" y="0"/>
-          <a:chExt cx="0" cy="0"/>
-        </a:xfrm>
-      </p:grpSpPr>
-      <p:sp>
-        <p:nvSpPr>
-          <p:cNvPr id="2" name="Título 1"/>
-          <p:cNvSpPr>
-            <a:spLocks noGrp="1"/>
-          </p:cNvSpPr>
-          <p:nvPr>
-            <p:ph type="title"/>
-          </p:nvPr>
-        </p:nvSpPr>
-        <p:spPr/>
-        <p:txBody>
-          <a:bodyPr/>
-          <a:lstStyle/>
-          <a:p>
-            <a:endParaRPr lang="es-MX"/>
-          </a:p>
-        </p:txBody>
-      </p:sp>
-      <p:sp>
-        <p:nvSpPr>
-          <p:cNvPr id="3" name="Marcador de texto 2"/>
-          <p:cNvSpPr>
-            <a:spLocks noGrp="1"/>
-          </p:cNvSpPr>
-          <p:nvPr>
-            <p:ph type="body" idx="1"/>
-          </p:nvPr>
-        </p:nvSpPr>
-        <p:spPr/>
-        <p:txBody>
-          <a:bodyPr/>
-          <a:lstStyle/>
-          <a:p>
-            <a:r>
-              <a:rPr lang="es-MX" sz="2000" dirty="0" smtClean="0"/>
-              <a:t>Prueba de Turing:</a:t>
-            </a:r>
-          </a:p>
-          <a:p>
-            <a:pPr lvl="1"/>
-            <a:r>
-              <a:rPr lang="es-MX" sz="2000" dirty="0" smtClean="0"/>
-              <a:t>Procesamiento de Lenguaje Natural (NLP): Para comunicarse</a:t>
-            </a:r>
-          </a:p>
-          <a:p>
-            <a:pPr lvl="1"/>
-            <a:r>
-              <a:rPr lang="es-MX" sz="2000" dirty="0" smtClean="0"/>
-              <a:t>Representación de Conocimiento: Para representar su información</a:t>
-            </a:r>
-          </a:p>
-          <a:p>
-            <a:pPr lvl="1"/>
-            <a:r>
-              <a:rPr lang="es-MX" sz="2000" dirty="0" smtClean="0"/>
-              <a:t>Razonamiento automático: para procesar la información que tiene y convertirla en respuestas.</a:t>
-            </a:r>
-          </a:p>
-          <a:p>
-            <a:pPr lvl="1"/>
-            <a:r>
-              <a:rPr lang="es-MX" sz="2000" dirty="0" smtClean="0"/>
-              <a:t>Machine </a:t>
-            </a:r>
-            <a:r>
-              <a:rPr lang="es-MX" sz="2000" dirty="0" err="1" smtClean="0"/>
-              <a:t>Learning</a:t>
-            </a:r>
-            <a:r>
-              <a:rPr lang="es-MX" sz="2000" dirty="0" smtClean="0"/>
-              <a:t>: Para aprender de nuevas interacciones.</a:t>
-            </a:r>
-            <a:endParaRPr lang="es-MX" sz="2000" dirty="0"/>
-          </a:p>
-        </p:txBody>
-      </p:sp>
-      <p:sp>
-        <p:nvSpPr>
-          <p:cNvPr id="4" name="Marcador de número de diapositiva 3"/>
-          <p:cNvSpPr>
-            <a:spLocks noGrp="1"/>
-          </p:cNvSpPr>
-          <p:nvPr>
-            <p:ph type="sldNum" idx="12"/>
-          </p:nvPr>
-        </p:nvSpPr>
-        <p:spPr/>
-        <p:txBody>
-          <a:bodyPr/>
-          <a:lstStyle/>
-          <a:p>
-            <a:pPr marL="0" lvl="0" indent="0">
-              <a:spcBef>
-                <a:spcPts val="0"/>
-              </a:spcBef>
-              <a:spcAft>
-                <a:spcPts val="0"/>
-              </a:spcAft>
-              <a:buNone/>
-            </a:pPr>
-            <a:fld id="{00000000-1234-1234-1234-123412341234}" type="slidenum">
-              <a:rPr lang="es-MX" smtClean="0"/>
-              <a:t>35</a:t>
-            </a:fld>
-            <a:endParaRPr lang="es-MX"/>
-          </a:p>
-        </p:txBody>
-      </p:sp>
-    </p:spTree>
-    <p:extLst>
-      <p:ext uri="{BB962C8B-B14F-4D97-AF65-F5344CB8AC3E}">
-        <p14:creationId xmlns:p14="http://schemas.microsoft.com/office/powerpoint/2010/main" val="3379606699"/>
-      </p:ext>
-    </p:extLst>
-  </p:cSld>
-  <p:clrMapOvr>
-    <a:masterClrMapping/>
-  </p:clrMapOvr>
-  <p:timing>
-    <p:tnLst>
-      <p:par>
-        <p:cTn id="1" dur="indefinite" restart="never" nodeType="tmRoot"/>
-      </p:par>
-    </p:tnLst>
-  </p:timing>
-</p:sld>
-</file>
-
-<file path=ppt/slides/slide36.xml><?xml version="1.0" encoding="utf-8"?>
-<p:sld xmlns:a="http://schemas.openxmlformats.org/drawingml/2006/main" xmlns:r="http://schemas.openxmlformats.org/officeDocument/2006/relationships" xmlns:p="http://schemas.openxmlformats.org/presentationml/2006/main">
-  <p:cSld>
-    <p:spTree>
-      <p:nvGrpSpPr>
-        <p:cNvPr id="1" name=""/>
-        <p:cNvGrpSpPr/>
-        <p:nvPr/>
-      </p:nvGrpSpPr>
-      <p:grpSpPr>
-        <a:xfrm>
-          <a:off x="0" y="0"/>
-          <a:ext cx="0" cy="0"/>
-          <a:chOff x="0" y="0"/>
-          <a:chExt cx="0" cy="0"/>
-        </a:xfrm>
-      </p:grpSpPr>
-      <p:sp>
-        <p:nvSpPr>
-          <p:cNvPr id="2" name="Título 1"/>
-          <p:cNvSpPr>
-            <a:spLocks noGrp="1"/>
-          </p:cNvSpPr>
-          <p:nvPr>
-            <p:ph type="title"/>
-          </p:nvPr>
-        </p:nvSpPr>
-        <p:spPr/>
-        <p:txBody>
-          <a:bodyPr/>
-          <a:lstStyle/>
-          <a:p>
-            <a:endParaRPr lang="es-MX"/>
-          </a:p>
-        </p:txBody>
-      </p:sp>
-      <p:sp>
-        <p:nvSpPr>
-          <p:cNvPr id="3" name="Marcador de texto 2"/>
-          <p:cNvSpPr>
-            <a:spLocks noGrp="1"/>
-          </p:cNvSpPr>
-          <p:nvPr>
-            <p:ph type="body" idx="1"/>
-          </p:nvPr>
-        </p:nvSpPr>
-        <p:spPr/>
-        <p:txBody>
-          <a:bodyPr/>
-          <a:lstStyle/>
-          <a:p>
-            <a:r>
-              <a:rPr lang="es-MX" dirty="0" smtClean="0"/>
-              <a:t>Una “moderna” prueba de Turing también incluye:</a:t>
-            </a:r>
-          </a:p>
-          <a:p>
-            <a:pPr lvl="1"/>
-            <a:r>
-              <a:rPr lang="es-MX" dirty="0" smtClean="0"/>
-              <a:t>Visión de Computadora: Para interactuar con la persona</a:t>
-            </a:r>
-          </a:p>
-          <a:p>
-            <a:pPr lvl="1"/>
-            <a:r>
-              <a:rPr lang="es-MX" dirty="0" smtClean="0"/>
-              <a:t>Robótica: Para interactuar con la persona.</a:t>
-            </a:r>
-            <a:endParaRPr lang="es-MX" dirty="0"/>
-          </a:p>
-        </p:txBody>
-      </p:sp>
-      <p:sp>
-        <p:nvSpPr>
-          <p:cNvPr id="4" name="Marcador de número de diapositiva 3"/>
-          <p:cNvSpPr>
-            <a:spLocks noGrp="1"/>
-          </p:cNvSpPr>
-          <p:nvPr>
-            <p:ph type="sldNum" idx="12"/>
-          </p:nvPr>
-        </p:nvSpPr>
-        <p:spPr/>
-        <p:txBody>
-          <a:bodyPr/>
-          <a:lstStyle/>
-          <a:p>
-            <a:pPr marL="0" lvl="0" indent="0">
-              <a:spcBef>
-                <a:spcPts val="0"/>
-              </a:spcBef>
-              <a:spcAft>
-                <a:spcPts val="0"/>
-              </a:spcAft>
-              <a:buNone/>
-            </a:pPr>
-            <a:fld id="{00000000-1234-1234-1234-123412341234}" type="slidenum">
-              <a:rPr lang="es-MX" smtClean="0"/>
-              <a:t>36</a:t>
-            </a:fld>
-            <a:endParaRPr lang="es-MX"/>
-          </a:p>
-        </p:txBody>
-      </p:sp>
-    </p:spTree>
-    <p:extLst>
-      <p:ext uri="{BB962C8B-B14F-4D97-AF65-F5344CB8AC3E}">
-        <p14:creationId xmlns:p14="http://schemas.microsoft.com/office/powerpoint/2010/main" val="2757509867"/>
-      </p:ext>
-    </p:extLst>
-  </p:cSld>
-  <p:clrMapOvr>
-    <a:masterClrMapping/>
-  </p:clrMapOvr>
-  <p:timing>
-    <p:tnLst>
-      <p:par>
-        <p:cTn id="1" dur="indefinite" restart="never" nodeType="tmRoot"/>
-      </p:par>
-    </p:tnLst>
-  </p:timing>
-</p:sld>
-</file>
-
-<file path=ppt/slides/slide37.xml><?xml version="1.0" encoding="utf-8"?>
-<p:sld xmlns:a="http://schemas.openxmlformats.org/drawingml/2006/main" xmlns:r="http://schemas.openxmlformats.org/officeDocument/2006/relationships" xmlns:p="http://schemas.openxmlformats.org/presentationml/2006/main">
-  <p:cSld>
-    <p:spTree>
-      <p:nvGrpSpPr>
-        <p:cNvPr id="1" name=""/>
-        <p:cNvGrpSpPr/>
-        <p:nvPr/>
-      </p:nvGrpSpPr>
-      <p:grpSpPr>
-        <a:xfrm>
-          <a:off x="0" y="0"/>
-          <a:ext cx="0" cy="0"/>
-          <a:chOff x="0" y="0"/>
-          <a:chExt cx="0" cy="0"/>
-        </a:xfrm>
-      </p:grpSpPr>
-      <p:sp>
-        <p:nvSpPr>
-          <p:cNvPr id="2" name="Título 1"/>
-          <p:cNvSpPr>
-            <a:spLocks noGrp="1"/>
-          </p:cNvSpPr>
-          <p:nvPr>
-            <p:ph type="title"/>
-          </p:nvPr>
-        </p:nvSpPr>
-        <p:spPr/>
-        <p:txBody>
-          <a:bodyPr/>
-          <a:lstStyle/>
-          <a:p>
-            <a:endParaRPr lang="es-MX"/>
-          </a:p>
-        </p:txBody>
-      </p:sp>
-      <p:sp>
-        <p:nvSpPr>
-          <p:cNvPr id="3" name="Marcador de texto 2"/>
-          <p:cNvSpPr>
-            <a:spLocks noGrp="1"/>
-          </p:cNvSpPr>
-          <p:nvPr>
-            <p:ph type="body" idx="1"/>
-          </p:nvPr>
-        </p:nvSpPr>
-        <p:spPr/>
-        <p:txBody>
-          <a:bodyPr/>
-          <a:lstStyle/>
-          <a:p>
-            <a:r>
-              <a:rPr lang="es-MX" dirty="0" smtClean="0"/>
-              <a:t>¿Creen que la prueba de Turing sea suficiente o necesaria para estudiar AI?</a:t>
-            </a:r>
-          </a:p>
-          <a:p>
-            <a:endParaRPr lang="es-MX" dirty="0"/>
-          </a:p>
-          <a:p>
-            <a:pPr lvl="1"/>
-            <a:r>
-              <a:rPr lang="es-MX" dirty="0" smtClean="0"/>
-              <a:t>Ingeniería en Aeronáutica</a:t>
-            </a:r>
-          </a:p>
-          <a:p>
-            <a:pPr lvl="1"/>
-            <a:r>
-              <a:rPr lang="es-MX" dirty="0" smtClean="0"/>
-              <a:t>Ingeniería Automotriz</a:t>
-            </a:r>
-            <a:endParaRPr lang="es-MX" dirty="0"/>
-          </a:p>
-        </p:txBody>
-      </p:sp>
-      <p:sp>
-        <p:nvSpPr>
-          <p:cNvPr id="4" name="Marcador de número de diapositiva 3"/>
-          <p:cNvSpPr>
-            <a:spLocks noGrp="1"/>
-          </p:cNvSpPr>
-          <p:nvPr>
-            <p:ph type="sldNum" idx="12"/>
-          </p:nvPr>
-        </p:nvSpPr>
-        <p:spPr/>
-        <p:txBody>
-          <a:bodyPr/>
-          <a:lstStyle/>
-          <a:p>
-            <a:pPr marL="0" lvl="0" indent="0">
-              <a:spcBef>
-                <a:spcPts val="0"/>
-              </a:spcBef>
-              <a:spcAft>
-                <a:spcPts val="0"/>
-              </a:spcAft>
-              <a:buNone/>
-            </a:pPr>
-            <a:fld id="{00000000-1234-1234-1234-123412341234}" type="slidenum">
-              <a:rPr lang="es-MX" smtClean="0"/>
-              <a:t>37</a:t>
-            </a:fld>
-            <a:endParaRPr lang="es-MX"/>
-          </a:p>
-        </p:txBody>
-      </p:sp>
-    </p:spTree>
-    <p:extLst>
-      <p:ext uri="{BB962C8B-B14F-4D97-AF65-F5344CB8AC3E}">
-        <p14:creationId xmlns:p14="http://schemas.microsoft.com/office/powerpoint/2010/main" val="702478197"/>
-      </p:ext>
-    </p:extLst>
-  </p:cSld>
-  <p:clrMapOvr>
-    <a:masterClrMapping/>
-  </p:clrMapOvr>
-  <p:timing>
-    <p:tnLst>
-      <p:par>
-        <p:cTn id="1" dur="indefinite" restart="never" nodeType="tmRoot"/>
-      </p:par>
-    </p:tnLst>
-  </p:timing>
-</p:sld>
-</file>
-
-<file path=ppt/slides/slide38.xml><?xml version="1.0" encoding="utf-8"?>
-<p:sld xmlns:a="http://schemas.openxmlformats.org/drawingml/2006/main" xmlns:r="http://schemas.openxmlformats.org/officeDocument/2006/relationships" xmlns:p="http://schemas.openxmlformats.org/presentationml/2006/main">
-  <p:cSld>
-    <p:spTree>
-      <p:nvGrpSpPr>
-        <p:cNvPr id="1" name=""/>
-        <p:cNvGrpSpPr/>
-        <p:nvPr/>
-      </p:nvGrpSpPr>
-      <p:grpSpPr>
-        <a:xfrm>
-          <a:off x="0" y="0"/>
-          <a:ext cx="0" cy="0"/>
-          <a:chOff x="0" y="0"/>
-          <a:chExt cx="0" cy="0"/>
-        </a:xfrm>
-      </p:grpSpPr>
-      <p:sp>
-        <p:nvSpPr>
-          <p:cNvPr id="2" name="Título 1"/>
-          <p:cNvSpPr>
-            <a:spLocks noGrp="1"/>
-          </p:cNvSpPr>
-          <p:nvPr>
-            <p:ph type="title"/>
-          </p:nvPr>
-        </p:nvSpPr>
-        <p:spPr/>
-        <p:txBody>
-          <a:bodyPr/>
-          <a:lstStyle/>
-          <a:p>
-            <a:r>
-              <a:rPr lang="es-MX" dirty="0" smtClean="0"/>
-              <a:t>¿Qué es AI/ML?</a:t>
-            </a:r>
-            <a:endParaRPr lang="es-MX" dirty="0"/>
-          </a:p>
-        </p:txBody>
-      </p:sp>
-      <p:sp>
-        <p:nvSpPr>
-          <p:cNvPr id="3" name="Marcador de texto 2"/>
-          <p:cNvSpPr>
-            <a:spLocks noGrp="1"/>
-          </p:cNvSpPr>
-          <p:nvPr>
-            <p:ph type="body" idx="1"/>
-          </p:nvPr>
-        </p:nvSpPr>
-        <p:spPr/>
-        <p:txBody>
-          <a:bodyPr/>
-          <a:lstStyle/>
-          <a:p>
-            <a:r>
-              <a:rPr lang="es-MX" dirty="0" smtClean="0"/>
-              <a:t>El modelo cognitivo, pensando como humanos</a:t>
-            </a:r>
-            <a:endParaRPr lang="es-MX" dirty="0"/>
-          </a:p>
-        </p:txBody>
-      </p:sp>
-      <p:sp>
-        <p:nvSpPr>
-          <p:cNvPr id="4" name="Marcador de número de diapositiva 3"/>
-          <p:cNvSpPr>
-            <a:spLocks noGrp="1"/>
-          </p:cNvSpPr>
-          <p:nvPr>
-            <p:ph type="sldNum" idx="12"/>
-          </p:nvPr>
-        </p:nvSpPr>
-        <p:spPr/>
-        <p:txBody>
-          <a:bodyPr/>
-          <a:lstStyle/>
-          <a:p>
-            <a:pPr marL="0" lvl="0" indent="0">
-              <a:spcBef>
-                <a:spcPts val="0"/>
-              </a:spcBef>
-              <a:spcAft>
-                <a:spcPts val="0"/>
-              </a:spcAft>
-              <a:buNone/>
-            </a:pPr>
-            <a:fld id="{00000000-1234-1234-1234-123412341234}" type="slidenum">
-              <a:rPr lang="es-MX" smtClean="0"/>
-              <a:t>38</a:t>
-            </a:fld>
-            <a:endParaRPr lang="es-MX"/>
-          </a:p>
-        </p:txBody>
-      </p:sp>
-    </p:spTree>
-    <p:extLst>
-      <p:ext uri="{BB962C8B-B14F-4D97-AF65-F5344CB8AC3E}">
-        <p14:creationId xmlns:p14="http://schemas.microsoft.com/office/powerpoint/2010/main" val="1940329166"/>
-      </p:ext>
-    </p:extLst>
-  </p:cSld>
-  <p:clrMapOvr>
-    <a:masterClrMapping/>
-  </p:clrMapOvr>
-</p:sld>
-</file>
-
-<file path=ppt/slides/slide39.xml><?xml version="1.0" encoding="utf-8"?>
-<p:sld xmlns:a="http://schemas.openxmlformats.org/drawingml/2006/main" xmlns:r="http://schemas.openxmlformats.org/officeDocument/2006/relationships" xmlns:p="http://schemas.openxmlformats.org/presentationml/2006/main">
-  <p:cSld>
-    <p:spTree>
-      <p:nvGrpSpPr>
-        <p:cNvPr id="1" name=""/>
-        <p:cNvGrpSpPr/>
-        <p:nvPr/>
-      </p:nvGrpSpPr>
-      <p:grpSpPr>
-        <a:xfrm>
-          <a:off x="0" y="0"/>
-          <a:ext cx="0" cy="0"/>
-          <a:chOff x="0" y="0"/>
-          <a:chExt cx="0" cy="0"/>
-        </a:xfrm>
-      </p:grpSpPr>
-      <p:sp>
-        <p:nvSpPr>
-          <p:cNvPr id="2" name="Título 1"/>
-          <p:cNvSpPr>
-            <a:spLocks noGrp="1"/>
-          </p:cNvSpPr>
-          <p:nvPr>
-            <p:ph type="title"/>
-          </p:nvPr>
-        </p:nvSpPr>
-        <p:spPr/>
-        <p:txBody>
-          <a:bodyPr/>
-          <a:lstStyle/>
-          <a:p>
-            <a:endParaRPr lang="es-MX"/>
-          </a:p>
-        </p:txBody>
-      </p:sp>
-      <p:sp>
-        <p:nvSpPr>
-          <p:cNvPr id="3" name="Marcador de texto 2"/>
-          <p:cNvSpPr>
-            <a:spLocks noGrp="1"/>
-          </p:cNvSpPr>
-          <p:nvPr>
-            <p:ph type="body" idx="1"/>
-          </p:nvPr>
-        </p:nvSpPr>
-        <p:spPr/>
-        <p:txBody>
-          <a:bodyPr/>
-          <a:lstStyle/>
-          <a:p>
-            <a:r>
-              <a:rPr lang="es-MX" dirty="0" smtClean="0"/>
-              <a:t>El modelo cognitivo usa las ciencias cognitivas para modelar como funciona el cerebro.</a:t>
-            </a:r>
-          </a:p>
-          <a:p>
-            <a:r>
-              <a:rPr lang="es-MX" dirty="0" smtClean="0"/>
-              <a:t>De la misma forma en la que modelamos como se mueve un dedo.</a:t>
-            </a:r>
-          </a:p>
-          <a:p>
-            <a:pPr lvl="1"/>
-            <a:r>
-              <a:rPr lang="es-MX" dirty="0" smtClean="0"/>
-              <a:t>Poleas, palancas, </a:t>
-            </a:r>
-            <a:r>
-              <a:rPr lang="es-MX" dirty="0" err="1" smtClean="0"/>
-              <a:t>etc</a:t>
-            </a:r>
-            <a:endParaRPr lang="es-MX" dirty="0" smtClean="0"/>
-          </a:p>
-          <a:p>
-            <a:endParaRPr lang="es-MX" dirty="0"/>
-          </a:p>
-        </p:txBody>
-      </p:sp>
-      <p:sp>
-        <p:nvSpPr>
-          <p:cNvPr id="4" name="Marcador de número de diapositiva 3"/>
-          <p:cNvSpPr>
-            <a:spLocks noGrp="1"/>
-          </p:cNvSpPr>
-          <p:nvPr>
-            <p:ph type="sldNum" idx="12"/>
-          </p:nvPr>
-        </p:nvSpPr>
-        <p:spPr/>
-        <p:txBody>
-          <a:bodyPr/>
-          <a:lstStyle/>
-          <a:p>
-            <a:pPr marL="0" lvl="0" indent="0">
-              <a:spcBef>
-                <a:spcPts val="0"/>
-              </a:spcBef>
-              <a:spcAft>
-                <a:spcPts val="0"/>
-              </a:spcAft>
-              <a:buNone/>
-            </a:pPr>
-            <a:fld id="{00000000-1234-1234-1234-123412341234}" type="slidenum">
-              <a:rPr lang="es-MX" smtClean="0"/>
-              <a:t>39</a:t>
-            </a:fld>
-            <a:endParaRPr lang="es-MX"/>
-          </a:p>
-        </p:txBody>
-      </p:sp>
-    </p:spTree>
-    <p:extLst>
-      <p:ext uri="{BB962C8B-B14F-4D97-AF65-F5344CB8AC3E}">
-        <p14:creationId xmlns:p14="http://schemas.microsoft.com/office/powerpoint/2010/main" val="2571365828"/>
-      </p:ext>
-    </p:extLst>
-  </p:cSld>
-  <p:clrMapOvr>
-    <a:masterClrMapping/>
-  </p:clrMapOvr>
-</p:sld>
-</file>
-
-<file path=ppt/slides/slide4.xml><?xml version="1.0" encoding="utf-8"?>
+<file path=ppt/slides/slide3.xml><?xml version="1.0" encoding="utf-8"?>
 <p:sld xmlns:a="http://schemas.openxmlformats.org/drawingml/2006/main" xmlns:r="http://schemas.openxmlformats.org/officeDocument/2006/relationships" xmlns:p="http://schemas.openxmlformats.org/presentationml/2006/main">
   <p:cSld>
     <p:spTree>
@@ -13532,7 +12387,6 @@
               <a:rPr lang="es-ES" dirty="0"/>
               <a:t>En esta clase estudiaremos las diferentes técnicas de Inteligencia Artificial y sus aplicaciones en la industria de los videojuegos. Se verán técnicas básicas y el estado del arte, así como técnicas para evaluar cada algoritmo con diferentes sets de datos.</a:t>
             </a:r>
-            <a:endParaRPr lang="es-ES" dirty="0"/>
           </a:p>
         </p:txBody>
       </p:sp>
@@ -13572,7 +12426,7 @@
             </a:pPr>
             <a:fld id="{00000000-1234-1234-1234-123412341234}" type="slidenum">
               <a:rPr lang="en"/>
-              <a:t>4</a:t>
+              <a:t>3</a:t>
             </a:fld>
             <a:endParaRPr/>
           </a:p>
@@ -14156,6 +13010,1295 @@
 </p:sld>
 </file>
 
+<file path=ppt/slides/slide30.xml><?xml version="1.0" encoding="utf-8"?>
+<p:sld xmlns:a="http://schemas.openxmlformats.org/drawingml/2006/main" xmlns:r="http://schemas.openxmlformats.org/officeDocument/2006/relationships" xmlns:p="http://schemas.openxmlformats.org/presentationml/2006/main">
+  <p:cSld>
+    <p:spTree>
+      <p:nvGrpSpPr>
+        <p:cNvPr id="1" name=""/>
+        <p:cNvGrpSpPr/>
+        <p:nvPr/>
+      </p:nvGrpSpPr>
+      <p:grpSpPr>
+        <a:xfrm>
+          <a:off x="0" y="0"/>
+          <a:ext cx="0" cy="0"/>
+          <a:chOff x="0" y="0"/>
+          <a:chExt cx="0" cy="0"/>
+        </a:xfrm>
+      </p:grpSpPr>
+      <p:sp>
+        <p:nvSpPr>
+          <p:cNvPr id="2" name="Título 1"/>
+          <p:cNvSpPr>
+            <a:spLocks noGrp="1"/>
+          </p:cNvSpPr>
+          <p:nvPr>
+            <p:ph type="title"/>
+          </p:nvPr>
+        </p:nvSpPr>
+        <p:spPr/>
+        <p:txBody>
+          <a:bodyPr/>
+          <a:lstStyle/>
+          <a:p>
+            <a:r>
+              <a:rPr lang="es-MX" dirty="0"/>
+              <a:t>¿Qué es AI/ML?</a:t>
+            </a:r>
+          </a:p>
+        </p:txBody>
+      </p:sp>
+      <p:sp>
+        <p:nvSpPr>
+          <p:cNvPr id="3" name="Marcador de texto 2"/>
+          <p:cNvSpPr>
+            <a:spLocks noGrp="1"/>
+          </p:cNvSpPr>
+          <p:nvPr>
+            <p:ph type="body" idx="1"/>
+          </p:nvPr>
+        </p:nvSpPr>
+        <p:spPr/>
+        <p:txBody>
+          <a:bodyPr/>
+          <a:lstStyle/>
+          <a:p>
+            <a:r>
+              <a:rPr lang="es-MX" sz="1800" dirty="0"/>
+              <a:t>La definición </a:t>
+            </a:r>
+            <a:r>
+              <a:rPr lang="es-MX" sz="1800" dirty="0" err="1"/>
+              <a:t>via</a:t>
+            </a:r>
+            <a:r>
+              <a:rPr lang="es-MX" sz="1800" dirty="0"/>
+              <a:t> la prueba de Turing, actuando humanamente:</a:t>
+            </a:r>
+          </a:p>
+          <a:p>
+            <a:pPr lvl="1"/>
+            <a:r>
+              <a:rPr lang="es-MX" sz="1800" dirty="0"/>
+              <a:t>¿Qué es la prueba de Turing?</a:t>
+            </a:r>
+          </a:p>
+        </p:txBody>
+      </p:sp>
+      <p:sp>
+        <p:nvSpPr>
+          <p:cNvPr id="4" name="Marcador de número de diapositiva 3"/>
+          <p:cNvSpPr>
+            <a:spLocks noGrp="1"/>
+          </p:cNvSpPr>
+          <p:nvPr>
+            <p:ph type="sldNum" idx="12"/>
+          </p:nvPr>
+        </p:nvSpPr>
+        <p:spPr/>
+        <p:txBody>
+          <a:bodyPr/>
+          <a:lstStyle/>
+          <a:p>
+            <a:pPr marL="0" lvl="0" indent="0">
+              <a:spcBef>
+                <a:spcPts val="0"/>
+              </a:spcBef>
+              <a:spcAft>
+                <a:spcPts val="0"/>
+              </a:spcAft>
+              <a:buNone/>
+            </a:pPr>
+            <a:fld id="{00000000-1234-1234-1234-123412341234}" type="slidenum">
+              <a:rPr lang="es-MX" smtClean="0"/>
+              <a:t>30</a:t>
+            </a:fld>
+            <a:endParaRPr lang="es-MX"/>
+          </a:p>
+        </p:txBody>
+      </p:sp>
+    </p:spTree>
+    <p:extLst>
+      <p:ext uri="{BB962C8B-B14F-4D97-AF65-F5344CB8AC3E}">
+        <p14:creationId xmlns:p14="http://schemas.microsoft.com/office/powerpoint/2010/main" val="2496319811"/>
+      </p:ext>
+    </p:extLst>
+  </p:cSld>
+  <p:clrMapOvr>
+    <a:masterClrMapping/>
+  </p:clrMapOvr>
+</p:sld>
+</file>
+
+<file path=ppt/slides/slide31.xml><?xml version="1.0" encoding="utf-8"?>
+<p:sld xmlns:a="http://schemas.openxmlformats.org/drawingml/2006/main" xmlns:r="http://schemas.openxmlformats.org/officeDocument/2006/relationships" xmlns:p="http://schemas.openxmlformats.org/presentationml/2006/main">
+  <p:cSld>
+    <p:spTree>
+      <p:nvGrpSpPr>
+        <p:cNvPr id="1" name=""/>
+        <p:cNvGrpSpPr/>
+        <p:nvPr/>
+      </p:nvGrpSpPr>
+      <p:grpSpPr>
+        <a:xfrm>
+          <a:off x="0" y="0"/>
+          <a:ext cx="0" cy="0"/>
+          <a:chOff x="0" y="0"/>
+          <a:chExt cx="0" cy="0"/>
+        </a:xfrm>
+      </p:grpSpPr>
+      <p:sp>
+        <p:nvSpPr>
+          <p:cNvPr id="2" name="Título 1"/>
+          <p:cNvSpPr>
+            <a:spLocks noGrp="1"/>
+          </p:cNvSpPr>
+          <p:nvPr>
+            <p:ph type="title"/>
+          </p:nvPr>
+        </p:nvSpPr>
+        <p:spPr/>
+        <p:txBody>
+          <a:bodyPr/>
+          <a:lstStyle/>
+          <a:p>
+            <a:endParaRPr lang="es-MX"/>
+          </a:p>
+        </p:txBody>
+      </p:sp>
+      <p:sp>
+        <p:nvSpPr>
+          <p:cNvPr id="3" name="Marcador de texto 2"/>
+          <p:cNvSpPr>
+            <a:spLocks noGrp="1"/>
+          </p:cNvSpPr>
+          <p:nvPr>
+            <p:ph type="body" idx="1"/>
+          </p:nvPr>
+        </p:nvSpPr>
+        <p:spPr/>
+        <p:txBody>
+          <a:bodyPr/>
+          <a:lstStyle/>
+          <a:p>
+            <a:r>
+              <a:rPr lang="es-MX" dirty="0"/>
+              <a:t>La prueba de Turing es una prueba diseñada por Alan Turing, donde una máquina se define inteligente:</a:t>
+            </a:r>
+          </a:p>
+          <a:p>
+            <a:pPr lvl="1"/>
+            <a:r>
+              <a:rPr lang="es-MX" dirty="0"/>
+              <a:t>Si durante una conversación, un humano no puede distinguir si la máquina es máquina o humano.</a:t>
+            </a:r>
+          </a:p>
+        </p:txBody>
+      </p:sp>
+      <p:sp>
+        <p:nvSpPr>
+          <p:cNvPr id="4" name="Marcador de número de diapositiva 3"/>
+          <p:cNvSpPr>
+            <a:spLocks noGrp="1"/>
+          </p:cNvSpPr>
+          <p:nvPr>
+            <p:ph type="sldNum" idx="12"/>
+          </p:nvPr>
+        </p:nvSpPr>
+        <p:spPr/>
+        <p:txBody>
+          <a:bodyPr/>
+          <a:lstStyle/>
+          <a:p>
+            <a:pPr marL="0" lvl="0" indent="0">
+              <a:spcBef>
+                <a:spcPts val="0"/>
+              </a:spcBef>
+              <a:spcAft>
+                <a:spcPts val="0"/>
+              </a:spcAft>
+              <a:buNone/>
+            </a:pPr>
+            <a:fld id="{00000000-1234-1234-1234-123412341234}" type="slidenum">
+              <a:rPr lang="es-MX" smtClean="0"/>
+              <a:t>31</a:t>
+            </a:fld>
+            <a:endParaRPr lang="es-MX"/>
+          </a:p>
+        </p:txBody>
+      </p:sp>
+    </p:spTree>
+    <p:extLst>
+      <p:ext uri="{BB962C8B-B14F-4D97-AF65-F5344CB8AC3E}">
+        <p14:creationId xmlns:p14="http://schemas.microsoft.com/office/powerpoint/2010/main" val="3278708825"/>
+      </p:ext>
+    </p:extLst>
+  </p:cSld>
+  <p:clrMapOvr>
+    <a:masterClrMapping/>
+  </p:clrMapOvr>
+</p:sld>
+</file>
+
+<file path=ppt/slides/slide32.xml><?xml version="1.0" encoding="utf-8"?>
+<p:sld xmlns:a="http://schemas.openxmlformats.org/drawingml/2006/main" xmlns:r="http://schemas.openxmlformats.org/officeDocument/2006/relationships" xmlns:p="http://schemas.openxmlformats.org/presentationml/2006/main">
+  <p:cSld>
+    <p:spTree>
+      <p:nvGrpSpPr>
+        <p:cNvPr id="1" name=""/>
+        <p:cNvGrpSpPr/>
+        <p:nvPr/>
+      </p:nvGrpSpPr>
+      <p:grpSpPr>
+        <a:xfrm>
+          <a:off x="0" y="0"/>
+          <a:ext cx="0" cy="0"/>
+          <a:chOff x="0" y="0"/>
+          <a:chExt cx="0" cy="0"/>
+        </a:xfrm>
+      </p:grpSpPr>
+      <p:sp>
+        <p:nvSpPr>
+          <p:cNvPr id="2" name="Título 1"/>
+          <p:cNvSpPr>
+            <a:spLocks noGrp="1"/>
+          </p:cNvSpPr>
+          <p:nvPr>
+            <p:ph type="title"/>
+          </p:nvPr>
+        </p:nvSpPr>
+        <p:spPr/>
+        <p:txBody>
+          <a:bodyPr/>
+          <a:lstStyle/>
+          <a:p>
+            <a:r>
+              <a:rPr lang="es-MX" dirty="0"/>
+              <a:t>En videojuegos</a:t>
+            </a:r>
+          </a:p>
+        </p:txBody>
+      </p:sp>
+      <p:sp>
+        <p:nvSpPr>
+          <p:cNvPr id="3" name="Marcador de texto 2"/>
+          <p:cNvSpPr>
+            <a:spLocks noGrp="1"/>
+          </p:cNvSpPr>
+          <p:nvPr>
+            <p:ph type="body" idx="1"/>
+          </p:nvPr>
+        </p:nvSpPr>
+        <p:spPr/>
+        <p:txBody>
+          <a:bodyPr/>
+          <a:lstStyle/>
+          <a:p>
+            <a:r>
+              <a:rPr lang="es-MX" dirty="0"/>
+              <a:t>En un juego, el jugador no puede distinguir si la máquina es máquina o humano.</a:t>
+            </a:r>
+          </a:p>
+        </p:txBody>
+      </p:sp>
+      <p:sp>
+        <p:nvSpPr>
+          <p:cNvPr id="4" name="Marcador de número de diapositiva 3"/>
+          <p:cNvSpPr>
+            <a:spLocks noGrp="1"/>
+          </p:cNvSpPr>
+          <p:nvPr>
+            <p:ph type="sldNum" idx="12"/>
+          </p:nvPr>
+        </p:nvSpPr>
+        <p:spPr/>
+        <p:txBody>
+          <a:bodyPr/>
+          <a:lstStyle/>
+          <a:p>
+            <a:pPr marL="0" lvl="0" indent="0">
+              <a:spcBef>
+                <a:spcPts val="0"/>
+              </a:spcBef>
+              <a:spcAft>
+                <a:spcPts val="0"/>
+              </a:spcAft>
+              <a:buNone/>
+            </a:pPr>
+            <a:fld id="{00000000-1234-1234-1234-123412341234}" type="slidenum">
+              <a:rPr lang="es-MX" smtClean="0"/>
+              <a:t>32</a:t>
+            </a:fld>
+            <a:endParaRPr lang="es-MX"/>
+          </a:p>
+        </p:txBody>
+      </p:sp>
+    </p:spTree>
+    <p:extLst>
+      <p:ext uri="{BB962C8B-B14F-4D97-AF65-F5344CB8AC3E}">
+        <p14:creationId xmlns:p14="http://schemas.microsoft.com/office/powerpoint/2010/main" val="2782364419"/>
+      </p:ext>
+    </p:extLst>
+  </p:cSld>
+  <p:clrMapOvr>
+    <a:masterClrMapping/>
+  </p:clrMapOvr>
+</p:sld>
+</file>
+
+<file path=ppt/slides/slide33.xml><?xml version="1.0" encoding="utf-8"?>
+<p:sld xmlns:a="http://schemas.openxmlformats.org/drawingml/2006/main" xmlns:r="http://schemas.openxmlformats.org/officeDocument/2006/relationships" xmlns:p="http://schemas.openxmlformats.org/presentationml/2006/main">
+  <p:cSld>
+    <p:spTree>
+      <p:nvGrpSpPr>
+        <p:cNvPr id="1" name=""/>
+        <p:cNvGrpSpPr/>
+        <p:nvPr/>
+      </p:nvGrpSpPr>
+      <p:grpSpPr>
+        <a:xfrm>
+          <a:off x="0" y="0"/>
+          <a:ext cx="0" cy="0"/>
+          <a:chOff x="0" y="0"/>
+          <a:chExt cx="0" cy="0"/>
+        </a:xfrm>
+      </p:grpSpPr>
+      <p:sp>
+        <p:nvSpPr>
+          <p:cNvPr id="2" name="Título 1"/>
+          <p:cNvSpPr>
+            <a:spLocks noGrp="1"/>
+          </p:cNvSpPr>
+          <p:nvPr>
+            <p:ph type="title"/>
+          </p:nvPr>
+        </p:nvSpPr>
+        <p:spPr/>
+        <p:txBody>
+          <a:bodyPr/>
+          <a:lstStyle/>
+          <a:p>
+            <a:endParaRPr lang="es-MX"/>
+          </a:p>
+        </p:txBody>
+      </p:sp>
+      <p:sp>
+        <p:nvSpPr>
+          <p:cNvPr id="3" name="Marcador de texto 2"/>
+          <p:cNvSpPr>
+            <a:spLocks noGrp="1"/>
+          </p:cNvSpPr>
+          <p:nvPr>
+            <p:ph type="body" idx="1"/>
+          </p:nvPr>
+        </p:nvSpPr>
+        <p:spPr/>
+        <p:txBody>
+          <a:bodyPr/>
+          <a:lstStyle/>
+          <a:p>
+            <a:r>
+              <a:rPr lang="es-MX" dirty="0"/>
+              <a:t>¿Qué se necesita para pasar la prueba de Turing (técnicamente)?</a:t>
+            </a:r>
+          </a:p>
+          <a:p>
+            <a:endParaRPr lang="es-MX" dirty="0"/>
+          </a:p>
+        </p:txBody>
+      </p:sp>
+      <p:sp>
+        <p:nvSpPr>
+          <p:cNvPr id="4" name="Marcador de número de diapositiva 3"/>
+          <p:cNvSpPr>
+            <a:spLocks noGrp="1"/>
+          </p:cNvSpPr>
+          <p:nvPr>
+            <p:ph type="sldNum" idx="12"/>
+          </p:nvPr>
+        </p:nvSpPr>
+        <p:spPr/>
+        <p:txBody>
+          <a:bodyPr/>
+          <a:lstStyle/>
+          <a:p>
+            <a:pPr marL="0" lvl="0" indent="0">
+              <a:spcBef>
+                <a:spcPts val="0"/>
+              </a:spcBef>
+              <a:spcAft>
+                <a:spcPts val="0"/>
+              </a:spcAft>
+              <a:buNone/>
+            </a:pPr>
+            <a:fld id="{00000000-1234-1234-1234-123412341234}" type="slidenum">
+              <a:rPr lang="es-MX" smtClean="0"/>
+              <a:t>33</a:t>
+            </a:fld>
+            <a:endParaRPr lang="es-MX"/>
+          </a:p>
+        </p:txBody>
+      </p:sp>
+    </p:spTree>
+    <p:extLst>
+      <p:ext uri="{BB962C8B-B14F-4D97-AF65-F5344CB8AC3E}">
+        <p14:creationId xmlns:p14="http://schemas.microsoft.com/office/powerpoint/2010/main" val="10844453"/>
+      </p:ext>
+    </p:extLst>
+  </p:cSld>
+  <p:clrMapOvr>
+    <a:masterClrMapping/>
+  </p:clrMapOvr>
+</p:sld>
+</file>
+
+<file path=ppt/slides/slide34.xml><?xml version="1.0" encoding="utf-8"?>
+<p:sld xmlns:a="http://schemas.openxmlformats.org/drawingml/2006/main" xmlns:r="http://schemas.openxmlformats.org/officeDocument/2006/relationships" xmlns:p="http://schemas.openxmlformats.org/presentationml/2006/main">
+  <p:cSld>
+    <p:spTree>
+      <p:nvGrpSpPr>
+        <p:cNvPr id="1" name=""/>
+        <p:cNvGrpSpPr/>
+        <p:nvPr/>
+      </p:nvGrpSpPr>
+      <p:grpSpPr>
+        <a:xfrm>
+          <a:off x="0" y="0"/>
+          <a:ext cx="0" cy="0"/>
+          <a:chOff x="0" y="0"/>
+          <a:chExt cx="0" cy="0"/>
+        </a:xfrm>
+      </p:grpSpPr>
+      <p:sp>
+        <p:nvSpPr>
+          <p:cNvPr id="2" name="Título 1"/>
+          <p:cNvSpPr>
+            <a:spLocks noGrp="1"/>
+          </p:cNvSpPr>
+          <p:nvPr>
+            <p:ph type="title"/>
+          </p:nvPr>
+        </p:nvSpPr>
+        <p:spPr/>
+        <p:txBody>
+          <a:bodyPr/>
+          <a:lstStyle/>
+          <a:p>
+            <a:endParaRPr lang="es-MX"/>
+          </a:p>
+        </p:txBody>
+      </p:sp>
+      <p:sp>
+        <p:nvSpPr>
+          <p:cNvPr id="3" name="Marcador de texto 2"/>
+          <p:cNvSpPr>
+            <a:spLocks noGrp="1"/>
+          </p:cNvSpPr>
+          <p:nvPr>
+            <p:ph type="body" idx="1"/>
+          </p:nvPr>
+        </p:nvSpPr>
+        <p:spPr/>
+        <p:txBody>
+          <a:bodyPr/>
+          <a:lstStyle/>
+          <a:p>
+            <a:r>
+              <a:rPr lang="es-MX" sz="2000" dirty="0"/>
+              <a:t>Prueba de Turing:</a:t>
+            </a:r>
+          </a:p>
+          <a:p>
+            <a:pPr lvl="1"/>
+            <a:r>
+              <a:rPr lang="es-MX" sz="2000" dirty="0"/>
+              <a:t>Procesamiento de Lenguaje Natural (NLP): Para comunicarse</a:t>
+            </a:r>
+          </a:p>
+          <a:p>
+            <a:pPr lvl="1"/>
+            <a:r>
+              <a:rPr lang="es-MX" sz="2000" dirty="0"/>
+              <a:t>Representación de Conocimiento: Para representar su información</a:t>
+            </a:r>
+          </a:p>
+          <a:p>
+            <a:pPr lvl="1"/>
+            <a:r>
+              <a:rPr lang="es-MX" sz="2000" dirty="0"/>
+              <a:t>Razonamiento automático: para procesar la información que tiene y convertirla en respuestas.</a:t>
+            </a:r>
+          </a:p>
+          <a:p>
+            <a:pPr lvl="1"/>
+            <a:r>
+              <a:rPr lang="es-MX" sz="2000" dirty="0"/>
+              <a:t>Machine </a:t>
+            </a:r>
+            <a:r>
+              <a:rPr lang="es-MX" sz="2000" dirty="0" err="1"/>
+              <a:t>Learning</a:t>
+            </a:r>
+            <a:r>
+              <a:rPr lang="es-MX" sz="2000" dirty="0"/>
+              <a:t>: Para aprender de nuevas interacciones.</a:t>
+            </a:r>
+          </a:p>
+        </p:txBody>
+      </p:sp>
+      <p:sp>
+        <p:nvSpPr>
+          <p:cNvPr id="4" name="Marcador de número de diapositiva 3"/>
+          <p:cNvSpPr>
+            <a:spLocks noGrp="1"/>
+          </p:cNvSpPr>
+          <p:nvPr>
+            <p:ph type="sldNum" idx="12"/>
+          </p:nvPr>
+        </p:nvSpPr>
+        <p:spPr/>
+        <p:txBody>
+          <a:bodyPr/>
+          <a:lstStyle/>
+          <a:p>
+            <a:pPr marL="0" lvl="0" indent="0">
+              <a:spcBef>
+                <a:spcPts val="0"/>
+              </a:spcBef>
+              <a:spcAft>
+                <a:spcPts val="0"/>
+              </a:spcAft>
+              <a:buNone/>
+            </a:pPr>
+            <a:fld id="{00000000-1234-1234-1234-123412341234}" type="slidenum">
+              <a:rPr lang="es-MX" smtClean="0"/>
+              <a:t>34</a:t>
+            </a:fld>
+            <a:endParaRPr lang="es-MX"/>
+          </a:p>
+        </p:txBody>
+      </p:sp>
+    </p:spTree>
+    <p:extLst>
+      <p:ext uri="{BB962C8B-B14F-4D97-AF65-F5344CB8AC3E}">
+        <p14:creationId xmlns:p14="http://schemas.microsoft.com/office/powerpoint/2010/main" val="3379606699"/>
+      </p:ext>
+    </p:extLst>
+  </p:cSld>
+  <p:clrMapOvr>
+    <a:masterClrMapping/>
+  </p:clrMapOvr>
+</p:sld>
+</file>
+
+<file path=ppt/slides/slide35.xml><?xml version="1.0" encoding="utf-8"?>
+<p:sld xmlns:a="http://schemas.openxmlformats.org/drawingml/2006/main" xmlns:r="http://schemas.openxmlformats.org/officeDocument/2006/relationships" xmlns:p="http://schemas.openxmlformats.org/presentationml/2006/main">
+  <p:cSld>
+    <p:spTree>
+      <p:nvGrpSpPr>
+        <p:cNvPr id="1" name=""/>
+        <p:cNvGrpSpPr/>
+        <p:nvPr/>
+      </p:nvGrpSpPr>
+      <p:grpSpPr>
+        <a:xfrm>
+          <a:off x="0" y="0"/>
+          <a:ext cx="0" cy="0"/>
+          <a:chOff x="0" y="0"/>
+          <a:chExt cx="0" cy="0"/>
+        </a:xfrm>
+      </p:grpSpPr>
+      <p:sp>
+        <p:nvSpPr>
+          <p:cNvPr id="2" name="Título 1"/>
+          <p:cNvSpPr>
+            <a:spLocks noGrp="1"/>
+          </p:cNvSpPr>
+          <p:nvPr>
+            <p:ph type="title"/>
+          </p:nvPr>
+        </p:nvSpPr>
+        <p:spPr/>
+        <p:txBody>
+          <a:bodyPr/>
+          <a:lstStyle/>
+          <a:p>
+            <a:endParaRPr lang="es-MX"/>
+          </a:p>
+        </p:txBody>
+      </p:sp>
+      <p:sp>
+        <p:nvSpPr>
+          <p:cNvPr id="3" name="Marcador de texto 2"/>
+          <p:cNvSpPr>
+            <a:spLocks noGrp="1"/>
+          </p:cNvSpPr>
+          <p:nvPr>
+            <p:ph type="body" idx="1"/>
+          </p:nvPr>
+        </p:nvSpPr>
+        <p:spPr/>
+        <p:txBody>
+          <a:bodyPr/>
+          <a:lstStyle/>
+          <a:p>
+            <a:r>
+              <a:rPr lang="es-MX" dirty="0"/>
+              <a:t>Una “moderna” prueba de Turing también incluye:</a:t>
+            </a:r>
+          </a:p>
+          <a:p>
+            <a:pPr lvl="1"/>
+            <a:r>
+              <a:rPr lang="es-MX" dirty="0"/>
+              <a:t>Visión de Computadora: Para interactuar con la persona</a:t>
+            </a:r>
+          </a:p>
+          <a:p>
+            <a:pPr lvl="1"/>
+            <a:r>
+              <a:rPr lang="es-MX" dirty="0"/>
+              <a:t>Robótica: Para interactuar con la persona.</a:t>
+            </a:r>
+          </a:p>
+        </p:txBody>
+      </p:sp>
+      <p:sp>
+        <p:nvSpPr>
+          <p:cNvPr id="4" name="Marcador de número de diapositiva 3"/>
+          <p:cNvSpPr>
+            <a:spLocks noGrp="1"/>
+          </p:cNvSpPr>
+          <p:nvPr>
+            <p:ph type="sldNum" idx="12"/>
+          </p:nvPr>
+        </p:nvSpPr>
+        <p:spPr/>
+        <p:txBody>
+          <a:bodyPr/>
+          <a:lstStyle/>
+          <a:p>
+            <a:pPr marL="0" lvl="0" indent="0">
+              <a:spcBef>
+                <a:spcPts val="0"/>
+              </a:spcBef>
+              <a:spcAft>
+                <a:spcPts val="0"/>
+              </a:spcAft>
+              <a:buNone/>
+            </a:pPr>
+            <a:fld id="{00000000-1234-1234-1234-123412341234}" type="slidenum">
+              <a:rPr lang="es-MX" smtClean="0"/>
+              <a:t>35</a:t>
+            </a:fld>
+            <a:endParaRPr lang="es-MX"/>
+          </a:p>
+        </p:txBody>
+      </p:sp>
+    </p:spTree>
+    <p:extLst>
+      <p:ext uri="{BB962C8B-B14F-4D97-AF65-F5344CB8AC3E}">
+        <p14:creationId xmlns:p14="http://schemas.microsoft.com/office/powerpoint/2010/main" val="2757509867"/>
+      </p:ext>
+    </p:extLst>
+  </p:cSld>
+  <p:clrMapOvr>
+    <a:masterClrMapping/>
+  </p:clrMapOvr>
+</p:sld>
+</file>
+
+<file path=ppt/slides/slide36.xml><?xml version="1.0" encoding="utf-8"?>
+<p:sld xmlns:a="http://schemas.openxmlformats.org/drawingml/2006/main" xmlns:r="http://schemas.openxmlformats.org/officeDocument/2006/relationships" xmlns:p="http://schemas.openxmlformats.org/presentationml/2006/main">
+  <p:cSld>
+    <p:spTree>
+      <p:nvGrpSpPr>
+        <p:cNvPr id="1" name=""/>
+        <p:cNvGrpSpPr/>
+        <p:nvPr/>
+      </p:nvGrpSpPr>
+      <p:grpSpPr>
+        <a:xfrm>
+          <a:off x="0" y="0"/>
+          <a:ext cx="0" cy="0"/>
+          <a:chOff x="0" y="0"/>
+          <a:chExt cx="0" cy="0"/>
+        </a:xfrm>
+      </p:grpSpPr>
+      <p:sp>
+        <p:nvSpPr>
+          <p:cNvPr id="2" name="Título 1"/>
+          <p:cNvSpPr>
+            <a:spLocks noGrp="1"/>
+          </p:cNvSpPr>
+          <p:nvPr>
+            <p:ph type="title"/>
+          </p:nvPr>
+        </p:nvSpPr>
+        <p:spPr/>
+        <p:txBody>
+          <a:bodyPr/>
+          <a:lstStyle/>
+          <a:p>
+            <a:endParaRPr lang="es-MX"/>
+          </a:p>
+        </p:txBody>
+      </p:sp>
+      <p:sp>
+        <p:nvSpPr>
+          <p:cNvPr id="3" name="Marcador de texto 2"/>
+          <p:cNvSpPr>
+            <a:spLocks noGrp="1"/>
+          </p:cNvSpPr>
+          <p:nvPr>
+            <p:ph type="body" idx="1"/>
+          </p:nvPr>
+        </p:nvSpPr>
+        <p:spPr/>
+        <p:txBody>
+          <a:bodyPr/>
+          <a:lstStyle/>
+          <a:p>
+            <a:r>
+              <a:rPr lang="es-MX" dirty="0"/>
+              <a:t>¿Creen que la prueba de Turing sea suficiente o necesaria para estudiar AI?</a:t>
+            </a:r>
+          </a:p>
+          <a:p>
+            <a:endParaRPr lang="es-MX" dirty="0"/>
+          </a:p>
+          <a:p>
+            <a:pPr lvl="1"/>
+            <a:r>
+              <a:rPr lang="es-MX" dirty="0"/>
+              <a:t>Ingeniería en Aeronáutica</a:t>
+            </a:r>
+          </a:p>
+          <a:p>
+            <a:pPr lvl="1"/>
+            <a:r>
+              <a:rPr lang="es-MX" dirty="0"/>
+              <a:t>Ingeniería Automotriz</a:t>
+            </a:r>
+          </a:p>
+        </p:txBody>
+      </p:sp>
+      <p:sp>
+        <p:nvSpPr>
+          <p:cNvPr id="4" name="Marcador de número de diapositiva 3"/>
+          <p:cNvSpPr>
+            <a:spLocks noGrp="1"/>
+          </p:cNvSpPr>
+          <p:nvPr>
+            <p:ph type="sldNum" idx="12"/>
+          </p:nvPr>
+        </p:nvSpPr>
+        <p:spPr/>
+        <p:txBody>
+          <a:bodyPr/>
+          <a:lstStyle/>
+          <a:p>
+            <a:pPr marL="0" lvl="0" indent="0">
+              <a:spcBef>
+                <a:spcPts val="0"/>
+              </a:spcBef>
+              <a:spcAft>
+                <a:spcPts val="0"/>
+              </a:spcAft>
+              <a:buNone/>
+            </a:pPr>
+            <a:fld id="{00000000-1234-1234-1234-123412341234}" type="slidenum">
+              <a:rPr lang="es-MX" smtClean="0"/>
+              <a:t>36</a:t>
+            </a:fld>
+            <a:endParaRPr lang="es-MX"/>
+          </a:p>
+        </p:txBody>
+      </p:sp>
+    </p:spTree>
+    <p:extLst>
+      <p:ext uri="{BB962C8B-B14F-4D97-AF65-F5344CB8AC3E}">
+        <p14:creationId xmlns:p14="http://schemas.microsoft.com/office/powerpoint/2010/main" val="702478197"/>
+      </p:ext>
+    </p:extLst>
+  </p:cSld>
+  <p:clrMapOvr>
+    <a:masterClrMapping/>
+  </p:clrMapOvr>
+</p:sld>
+</file>
+
+<file path=ppt/slides/slide37.xml><?xml version="1.0" encoding="utf-8"?>
+<p:sld xmlns:a="http://schemas.openxmlformats.org/drawingml/2006/main" xmlns:r="http://schemas.openxmlformats.org/officeDocument/2006/relationships" xmlns:p="http://schemas.openxmlformats.org/presentationml/2006/main">
+  <p:cSld>
+    <p:spTree>
+      <p:nvGrpSpPr>
+        <p:cNvPr id="1" name=""/>
+        <p:cNvGrpSpPr/>
+        <p:nvPr/>
+      </p:nvGrpSpPr>
+      <p:grpSpPr>
+        <a:xfrm>
+          <a:off x="0" y="0"/>
+          <a:ext cx="0" cy="0"/>
+          <a:chOff x="0" y="0"/>
+          <a:chExt cx="0" cy="0"/>
+        </a:xfrm>
+      </p:grpSpPr>
+      <p:sp>
+        <p:nvSpPr>
+          <p:cNvPr id="2" name="Título 1"/>
+          <p:cNvSpPr>
+            <a:spLocks noGrp="1"/>
+          </p:cNvSpPr>
+          <p:nvPr>
+            <p:ph type="title"/>
+          </p:nvPr>
+        </p:nvSpPr>
+        <p:spPr/>
+        <p:txBody>
+          <a:bodyPr/>
+          <a:lstStyle/>
+          <a:p>
+            <a:r>
+              <a:rPr lang="es-MX" dirty="0"/>
+              <a:t>¿Qué es AI/ML?</a:t>
+            </a:r>
+          </a:p>
+        </p:txBody>
+      </p:sp>
+      <p:sp>
+        <p:nvSpPr>
+          <p:cNvPr id="3" name="Marcador de texto 2"/>
+          <p:cNvSpPr>
+            <a:spLocks noGrp="1"/>
+          </p:cNvSpPr>
+          <p:nvPr>
+            <p:ph type="body" idx="1"/>
+          </p:nvPr>
+        </p:nvSpPr>
+        <p:spPr/>
+        <p:txBody>
+          <a:bodyPr/>
+          <a:lstStyle/>
+          <a:p>
+            <a:r>
+              <a:rPr lang="es-MX" dirty="0"/>
+              <a:t>El modelo cognitivo, pensando como humanos</a:t>
+            </a:r>
+          </a:p>
+        </p:txBody>
+      </p:sp>
+      <p:sp>
+        <p:nvSpPr>
+          <p:cNvPr id="4" name="Marcador de número de diapositiva 3"/>
+          <p:cNvSpPr>
+            <a:spLocks noGrp="1"/>
+          </p:cNvSpPr>
+          <p:nvPr>
+            <p:ph type="sldNum" idx="12"/>
+          </p:nvPr>
+        </p:nvSpPr>
+        <p:spPr/>
+        <p:txBody>
+          <a:bodyPr/>
+          <a:lstStyle/>
+          <a:p>
+            <a:pPr marL="0" lvl="0" indent="0">
+              <a:spcBef>
+                <a:spcPts val="0"/>
+              </a:spcBef>
+              <a:spcAft>
+                <a:spcPts val="0"/>
+              </a:spcAft>
+              <a:buNone/>
+            </a:pPr>
+            <a:fld id="{00000000-1234-1234-1234-123412341234}" type="slidenum">
+              <a:rPr lang="es-MX" smtClean="0"/>
+              <a:t>37</a:t>
+            </a:fld>
+            <a:endParaRPr lang="es-MX"/>
+          </a:p>
+        </p:txBody>
+      </p:sp>
+    </p:spTree>
+    <p:extLst>
+      <p:ext uri="{BB962C8B-B14F-4D97-AF65-F5344CB8AC3E}">
+        <p14:creationId xmlns:p14="http://schemas.microsoft.com/office/powerpoint/2010/main" val="1940329166"/>
+      </p:ext>
+    </p:extLst>
+  </p:cSld>
+  <p:clrMapOvr>
+    <a:masterClrMapping/>
+  </p:clrMapOvr>
+</p:sld>
+</file>
+
+<file path=ppt/slides/slide38.xml><?xml version="1.0" encoding="utf-8"?>
+<p:sld xmlns:a="http://schemas.openxmlformats.org/drawingml/2006/main" xmlns:r="http://schemas.openxmlformats.org/officeDocument/2006/relationships" xmlns:p="http://schemas.openxmlformats.org/presentationml/2006/main">
+  <p:cSld>
+    <p:spTree>
+      <p:nvGrpSpPr>
+        <p:cNvPr id="1" name=""/>
+        <p:cNvGrpSpPr/>
+        <p:nvPr/>
+      </p:nvGrpSpPr>
+      <p:grpSpPr>
+        <a:xfrm>
+          <a:off x="0" y="0"/>
+          <a:ext cx="0" cy="0"/>
+          <a:chOff x="0" y="0"/>
+          <a:chExt cx="0" cy="0"/>
+        </a:xfrm>
+      </p:grpSpPr>
+      <p:sp>
+        <p:nvSpPr>
+          <p:cNvPr id="2" name="Título 1"/>
+          <p:cNvSpPr>
+            <a:spLocks noGrp="1"/>
+          </p:cNvSpPr>
+          <p:nvPr>
+            <p:ph type="title"/>
+          </p:nvPr>
+        </p:nvSpPr>
+        <p:spPr/>
+        <p:txBody>
+          <a:bodyPr/>
+          <a:lstStyle/>
+          <a:p>
+            <a:endParaRPr lang="es-MX"/>
+          </a:p>
+        </p:txBody>
+      </p:sp>
+      <p:sp>
+        <p:nvSpPr>
+          <p:cNvPr id="3" name="Marcador de texto 2"/>
+          <p:cNvSpPr>
+            <a:spLocks noGrp="1"/>
+          </p:cNvSpPr>
+          <p:nvPr>
+            <p:ph type="body" idx="1"/>
+          </p:nvPr>
+        </p:nvSpPr>
+        <p:spPr/>
+        <p:txBody>
+          <a:bodyPr/>
+          <a:lstStyle/>
+          <a:p>
+            <a:r>
+              <a:rPr lang="es-MX" dirty="0"/>
+              <a:t>El modelo cognitivo usa las ciencias cognitivas para modelar como funciona el cerebro.</a:t>
+            </a:r>
+          </a:p>
+          <a:p>
+            <a:r>
+              <a:rPr lang="es-MX" dirty="0"/>
+              <a:t>De la misma forma en la que modelamos como se mueve un dedo.</a:t>
+            </a:r>
+          </a:p>
+          <a:p>
+            <a:pPr lvl="1"/>
+            <a:r>
+              <a:rPr lang="es-MX" dirty="0"/>
+              <a:t>Poleas, palancas, </a:t>
+            </a:r>
+            <a:r>
+              <a:rPr lang="es-MX" dirty="0" err="1"/>
+              <a:t>etc</a:t>
+            </a:r>
+            <a:endParaRPr lang="es-MX" dirty="0"/>
+          </a:p>
+          <a:p>
+            <a:endParaRPr lang="es-MX" dirty="0"/>
+          </a:p>
+        </p:txBody>
+      </p:sp>
+      <p:sp>
+        <p:nvSpPr>
+          <p:cNvPr id="4" name="Marcador de número de diapositiva 3"/>
+          <p:cNvSpPr>
+            <a:spLocks noGrp="1"/>
+          </p:cNvSpPr>
+          <p:nvPr>
+            <p:ph type="sldNum" idx="12"/>
+          </p:nvPr>
+        </p:nvSpPr>
+        <p:spPr/>
+        <p:txBody>
+          <a:bodyPr/>
+          <a:lstStyle/>
+          <a:p>
+            <a:pPr marL="0" lvl="0" indent="0">
+              <a:spcBef>
+                <a:spcPts val="0"/>
+              </a:spcBef>
+              <a:spcAft>
+                <a:spcPts val="0"/>
+              </a:spcAft>
+              <a:buNone/>
+            </a:pPr>
+            <a:fld id="{00000000-1234-1234-1234-123412341234}" type="slidenum">
+              <a:rPr lang="es-MX" smtClean="0"/>
+              <a:t>38</a:t>
+            </a:fld>
+            <a:endParaRPr lang="es-MX"/>
+          </a:p>
+        </p:txBody>
+      </p:sp>
+    </p:spTree>
+    <p:extLst>
+      <p:ext uri="{BB962C8B-B14F-4D97-AF65-F5344CB8AC3E}">
+        <p14:creationId xmlns:p14="http://schemas.microsoft.com/office/powerpoint/2010/main" val="2571365828"/>
+      </p:ext>
+    </p:extLst>
+  </p:cSld>
+  <p:clrMapOvr>
+    <a:masterClrMapping/>
+  </p:clrMapOvr>
+</p:sld>
+</file>
+
+<file path=ppt/slides/slide39.xml><?xml version="1.0" encoding="utf-8"?>
+<p:sld xmlns:a="http://schemas.openxmlformats.org/drawingml/2006/main" xmlns:r="http://schemas.openxmlformats.org/officeDocument/2006/relationships" xmlns:p="http://schemas.openxmlformats.org/presentationml/2006/main">
+  <p:cSld>
+    <p:spTree>
+      <p:nvGrpSpPr>
+        <p:cNvPr id="1" name=""/>
+        <p:cNvGrpSpPr/>
+        <p:nvPr/>
+      </p:nvGrpSpPr>
+      <p:grpSpPr>
+        <a:xfrm>
+          <a:off x="0" y="0"/>
+          <a:ext cx="0" cy="0"/>
+          <a:chOff x="0" y="0"/>
+          <a:chExt cx="0" cy="0"/>
+        </a:xfrm>
+      </p:grpSpPr>
+      <p:sp>
+        <p:nvSpPr>
+          <p:cNvPr id="2" name="Título 1"/>
+          <p:cNvSpPr>
+            <a:spLocks noGrp="1"/>
+          </p:cNvSpPr>
+          <p:nvPr>
+            <p:ph type="title"/>
+          </p:nvPr>
+        </p:nvSpPr>
+        <p:spPr/>
+        <p:txBody>
+          <a:bodyPr/>
+          <a:lstStyle/>
+          <a:p>
+            <a:r>
+              <a:rPr lang="es-MX" dirty="0"/>
+              <a:t>¿Qué es AI/ML?</a:t>
+            </a:r>
+          </a:p>
+        </p:txBody>
+      </p:sp>
+      <p:sp>
+        <p:nvSpPr>
+          <p:cNvPr id="3" name="Marcador de texto 2"/>
+          <p:cNvSpPr>
+            <a:spLocks noGrp="1"/>
+          </p:cNvSpPr>
+          <p:nvPr>
+            <p:ph type="body" idx="1"/>
+          </p:nvPr>
+        </p:nvSpPr>
+        <p:spPr/>
+        <p:txBody>
+          <a:bodyPr/>
+          <a:lstStyle/>
+          <a:p>
+            <a:r>
+              <a:rPr lang="es-MX" dirty="0"/>
+              <a:t>Las leyes del pensamiento: Pensamiento Razonado</a:t>
+            </a:r>
+          </a:p>
+        </p:txBody>
+      </p:sp>
+      <p:sp>
+        <p:nvSpPr>
+          <p:cNvPr id="4" name="Marcador de número de diapositiva 3"/>
+          <p:cNvSpPr>
+            <a:spLocks noGrp="1"/>
+          </p:cNvSpPr>
+          <p:nvPr>
+            <p:ph type="sldNum" idx="12"/>
+          </p:nvPr>
+        </p:nvSpPr>
+        <p:spPr/>
+        <p:txBody>
+          <a:bodyPr/>
+          <a:lstStyle/>
+          <a:p>
+            <a:pPr marL="0" lvl="0" indent="0">
+              <a:spcBef>
+                <a:spcPts val="0"/>
+              </a:spcBef>
+              <a:spcAft>
+                <a:spcPts val="0"/>
+              </a:spcAft>
+              <a:buNone/>
+            </a:pPr>
+            <a:fld id="{00000000-1234-1234-1234-123412341234}" type="slidenum">
+              <a:rPr lang="es-MX" smtClean="0"/>
+              <a:t>39</a:t>
+            </a:fld>
+            <a:endParaRPr lang="es-MX"/>
+          </a:p>
+        </p:txBody>
+      </p:sp>
+    </p:spTree>
+    <p:extLst>
+      <p:ext uri="{BB962C8B-B14F-4D97-AF65-F5344CB8AC3E}">
+        <p14:creationId xmlns:p14="http://schemas.microsoft.com/office/powerpoint/2010/main" val="3807007556"/>
+      </p:ext>
+    </p:extLst>
+  </p:cSld>
+  <p:clrMapOvr>
+    <a:masterClrMapping/>
+  </p:clrMapOvr>
+</p:sld>
+</file>
+
+<file path=ppt/slides/slide4.xml><?xml version="1.0" encoding="utf-8"?>
+<p:sld xmlns:a="http://schemas.openxmlformats.org/drawingml/2006/main" xmlns:r="http://schemas.openxmlformats.org/officeDocument/2006/relationships" xmlns:p="http://schemas.openxmlformats.org/presentationml/2006/main">
+  <p:cSld>
+    <p:spTree>
+      <p:nvGrpSpPr>
+        <p:cNvPr id="1" name=""/>
+        <p:cNvGrpSpPr/>
+        <p:nvPr/>
+      </p:nvGrpSpPr>
+      <p:grpSpPr>
+        <a:xfrm>
+          <a:off x="0" y="0"/>
+          <a:ext cx="0" cy="0"/>
+          <a:chOff x="0" y="0"/>
+          <a:chExt cx="0" cy="0"/>
+        </a:xfrm>
+      </p:grpSpPr>
+      <p:sp>
+        <p:nvSpPr>
+          <p:cNvPr id="2" name="Title 1">
+            <a:extLst>
+              <a:ext uri="{FF2B5EF4-FFF2-40B4-BE49-F238E27FC236}">
+                <a16:creationId xmlns:a16="http://schemas.microsoft.com/office/drawing/2014/main" id="{5E72ACDF-CA51-42A3-8FE7-3B52525FFB9E}"/>
+              </a:ext>
+            </a:extLst>
+          </p:cNvPr>
+          <p:cNvSpPr>
+            <a:spLocks noGrp="1"/>
+          </p:cNvSpPr>
+          <p:nvPr>
+            <p:ph type="title"/>
+          </p:nvPr>
+        </p:nvSpPr>
+        <p:spPr/>
+        <p:txBody>
+          <a:bodyPr/>
+          <a:lstStyle/>
+          <a:p>
+            <a:r>
+              <a:rPr lang="es-MX" dirty="0" err="1"/>
+              <a:t>Outcomes</a:t>
+            </a:r>
+            <a:endParaRPr lang="en-US" dirty="0"/>
+          </a:p>
+        </p:txBody>
+      </p:sp>
+      <p:sp>
+        <p:nvSpPr>
+          <p:cNvPr id="3" name="Text Placeholder 2">
+            <a:extLst>
+              <a:ext uri="{FF2B5EF4-FFF2-40B4-BE49-F238E27FC236}">
+                <a16:creationId xmlns:a16="http://schemas.microsoft.com/office/drawing/2014/main" id="{D3178225-9254-4B1C-86B8-B86CDF7B7A68}"/>
+              </a:ext>
+            </a:extLst>
+          </p:cNvPr>
+          <p:cNvSpPr>
+            <a:spLocks noGrp="1"/>
+          </p:cNvSpPr>
+          <p:nvPr>
+            <p:ph type="body" idx="1"/>
+          </p:nvPr>
+        </p:nvSpPr>
+        <p:spPr/>
+        <p:txBody>
+          <a:bodyPr/>
+          <a:lstStyle/>
+          <a:p>
+            <a:r>
+              <a:rPr lang="es-ES" dirty="0"/>
+              <a:t>Los estudiantes serán capaces de implementar y </a:t>
+            </a:r>
+            <a:r>
+              <a:rPr lang="es-ES" b="1" dirty="0"/>
+              <a:t>validar</a:t>
+            </a:r>
+            <a:r>
+              <a:rPr lang="es-ES" dirty="0"/>
+              <a:t> diferentes técnicas de Inteligencia Artificial en diferentes sets de datos relacionados a distintos campos. Los estudiantes aprenderán la diferencia entre aprendizaje supervisado y no supervisado.</a:t>
+            </a:r>
+            <a:endParaRPr lang="en-US" dirty="0"/>
+          </a:p>
+        </p:txBody>
+      </p:sp>
+      <p:sp>
+        <p:nvSpPr>
+          <p:cNvPr id="4" name="Slide Number Placeholder 3">
+            <a:extLst>
+              <a:ext uri="{FF2B5EF4-FFF2-40B4-BE49-F238E27FC236}">
+                <a16:creationId xmlns:a16="http://schemas.microsoft.com/office/drawing/2014/main" id="{B8B0DE30-14E2-4D78-A716-3F2B0DCD3684}"/>
+              </a:ext>
+            </a:extLst>
+          </p:cNvPr>
+          <p:cNvSpPr>
+            <a:spLocks noGrp="1"/>
+          </p:cNvSpPr>
+          <p:nvPr>
+            <p:ph type="sldNum" idx="12"/>
+          </p:nvPr>
+        </p:nvSpPr>
+        <p:spPr/>
+        <p:txBody>
+          <a:bodyPr/>
+          <a:lstStyle/>
+          <a:p>
+            <a:pPr marL="0" lvl="0" indent="0">
+              <a:spcBef>
+                <a:spcPts val="0"/>
+              </a:spcBef>
+              <a:spcAft>
+                <a:spcPts val="0"/>
+              </a:spcAft>
+              <a:buNone/>
+            </a:pPr>
+            <a:fld id="{00000000-1234-1234-1234-123412341234}" type="slidenum">
+              <a:rPr lang="en" smtClean="0"/>
+              <a:t>4</a:t>
+            </a:fld>
+            <a:endParaRPr lang="en"/>
+          </a:p>
+        </p:txBody>
+      </p:sp>
+    </p:spTree>
+    <p:extLst>
+      <p:ext uri="{BB962C8B-B14F-4D97-AF65-F5344CB8AC3E}">
+        <p14:creationId xmlns:p14="http://schemas.microsoft.com/office/powerpoint/2010/main" val="2374480611"/>
+      </p:ext>
+    </p:extLst>
+  </p:cSld>
+  <p:clrMapOvr>
+    <a:masterClrMapping/>
+  </p:clrMapOvr>
+</p:sld>
+</file>
+
 <file path=ppt/slides/slide40.xml><?xml version="1.0" encoding="utf-8"?>
 <p:sld xmlns:a="http://schemas.openxmlformats.org/drawingml/2006/main" xmlns:r="http://schemas.openxmlformats.org/officeDocument/2006/relationships" xmlns:p="http://schemas.openxmlformats.org/presentationml/2006/main">
   <p:cSld>
@@ -14188,11 +14331,7 @@
           <a:bodyPr/>
           <a:lstStyle/>
           <a:p>
-            <a:r>
-              <a:rPr lang="es-MX" dirty="0" smtClean="0"/>
-              <a:t>¿Qué es AI/ML?</a:t>
-            </a:r>
-            <a:endParaRPr lang="es-MX" dirty="0"/>
+            <a:endParaRPr lang="es-MX"/>
           </a:p>
         </p:txBody>
       </p:sp>
@@ -14212,10 +14351,9 @@
           <a:lstStyle/>
           <a:p>
             <a:r>
-              <a:rPr lang="es-MX" dirty="0" smtClean="0"/>
-              <a:t>Las leyes del pensamiento: Pensamiento Razonado</a:t>
-            </a:r>
-            <a:endParaRPr lang="es-MX" dirty="0"/>
+              <a:rPr lang="es-MX" dirty="0"/>
+              <a:t>Inteligencia Artificial basada en silogismos filosóficos.</a:t>
+            </a:r>
           </a:p>
         </p:txBody>
       </p:sp>
@@ -14254,7 +14392,7 @@
     </p:spTree>
     <p:extLst>
       <p:ext uri="{BB962C8B-B14F-4D97-AF65-F5344CB8AC3E}">
-        <p14:creationId xmlns:p14="http://schemas.microsoft.com/office/powerpoint/2010/main" val="3807007556"/>
+        <p14:creationId xmlns:p14="http://schemas.microsoft.com/office/powerpoint/2010/main" val="1187913695"/>
       </p:ext>
     </p:extLst>
   </p:cSld>
@@ -14316,10 +14454,34 @@
           <a:lstStyle/>
           <a:p>
             <a:r>
-              <a:rPr lang="es-MX" dirty="0" smtClean="0"/>
-              <a:t>Inteligencia Artificial basada en silogismos filosóficos.</a:t>
-            </a:r>
+              <a:rPr lang="es-MX" dirty="0"/>
+              <a:t>Se usan las reglas del pensamiento filosófico, como los </a:t>
+            </a:r>
+            <a:r>
+              <a:rPr lang="es-MX" dirty="0" err="1"/>
+              <a:t>if</a:t>
+            </a:r>
+            <a:r>
+              <a:rPr lang="es-MX" dirty="0"/>
+              <a:t>, </a:t>
+            </a:r>
+            <a:r>
+              <a:rPr lang="es-MX" dirty="0" err="1"/>
+              <a:t>then</a:t>
+            </a:r>
+            <a:r>
+              <a:rPr lang="es-MX" dirty="0"/>
+              <a:t>, AND, OR</a:t>
+            </a:r>
+          </a:p>
+          <a:p>
             <a:endParaRPr lang="es-MX" dirty="0"/>
+          </a:p>
+          <a:p>
+            <a:r>
+              <a:rPr lang="es-MX" dirty="0"/>
+              <a:t>¿Cuál les parece un problema con esta forma de hacer las cosas?</a:t>
+            </a:r>
           </a:p>
         </p:txBody>
       </p:sp>
@@ -14358,7 +14520,7 @@
     </p:spTree>
     <p:extLst>
       <p:ext uri="{BB962C8B-B14F-4D97-AF65-F5344CB8AC3E}">
-        <p14:creationId xmlns:p14="http://schemas.microsoft.com/office/powerpoint/2010/main" val="1187913695"/>
+        <p14:creationId xmlns:p14="http://schemas.microsoft.com/office/powerpoint/2010/main" val="3191010595"/>
       </p:ext>
     </p:extLst>
   </p:cSld>
@@ -14420,34 +14582,11 @@
           <a:lstStyle/>
           <a:p>
             <a:r>
-              <a:rPr lang="es-MX" dirty="0" smtClean="0"/>
-              <a:t>Se usan las reglas del pensamiento filosófico, como los </a:t>
-            </a:r>
-            <a:r>
-              <a:rPr lang="es-MX" dirty="0" err="1" smtClean="0"/>
-              <a:t>if</a:t>
-            </a:r>
-            <a:r>
-              <a:rPr lang="es-MX" dirty="0" smtClean="0"/>
-              <a:t>, </a:t>
-            </a:r>
-            <a:r>
-              <a:rPr lang="es-MX" dirty="0" err="1" smtClean="0"/>
-              <a:t>then</a:t>
-            </a:r>
-            <a:r>
-              <a:rPr lang="es-MX" dirty="0" smtClean="0"/>
-              <a:t>, AND, OR</a:t>
-            </a:r>
-          </a:p>
-          <a:p>
-            <a:endParaRPr lang="es-MX" dirty="0"/>
-          </a:p>
-          <a:p>
-            <a:r>
-              <a:rPr lang="es-MX" dirty="0" smtClean="0"/>
-              <a:t>¿Cuál les parece un problema con esta forma de hacer las cosas?</a:t>
-            </a:r>
+              <a:rPr lang="es-MX" dirty="0"/>
+              <a:t>Usando Agentes, Acciones racionales</a:t>
+            </a:r>
+          </a:p>
+          <a:p>
             <a:endParaRPr lang="es-MX" dirty="0"/>
           </a:p>
         </p:txBody>
@@ -14487,7 +14626,7 @@
     </p:spTree>
     <p:extLst>
       <p:ext uri="{BB962C8B-B14F-4D97-AF65-F5344CB8AC3E}">
-        <p14:creationId xmlns:p14="http://schemas.microsoft.com/office/powerpoint/2010/main" val="3191010595"/>
+        <p14:creationId xmlns:p14="http://schemas.microsoft.com/office/powerpoint/2010/main" val="2392687184"/>
       </p:ext>
     </p:extLst>
   </p:cSld>
@@ -14549,12 +14688,15 @@
           <a:lstStyle/>
           <a:p>
             <a:r>
-              <a:rPr lang="es-MX" dirty="0" smtClean="0"/>
-              <a:t>Usando Agentes, Acciones racionales</a:t>
-            </a:r>
-          </a:p>
-          <a:p>
-            <a:endParaRPr lang="es-MX" dirty="0"/>
+              <a:rPr lang="es-MX" dirty="0"/>
+              <a:t>Un agente computacional es aquel que actúa de acuerdo a su entorno.</a:t>
+            </a:r>
+          </a:p>
+          <a:p>
+            <a:r>
+              <a:rPr lang="es-MX" dirty="0"/>
+              <a:t>Esta acción debe de llegar al mejor resultado.</a:t>
+            </a:r>
           </a:p>
         </p:txBody>
       </p:sp>
@@ -14593,7 +14735,7 @@
     </p:spTree>
     <p:extLst>
       <p:ext uri="{BB962C8B-B14F-4D97-AF65-F5344CB8AC3E}">
-        <p14:creationId xmlns:p14="http://schemas.microsoft.com/office/powerpoint/2010/main" val="2392687184"/>
+        <p14:creationId xmlns:p14="http://schemas.microsoft.com/office/powerpoint/2010/main" val="2789760796"/>
       </p:ext>
     </p:extLst>
   </p:cSld>
@@ -14641,35 +14783,6 @@
       </p:sp>
       <p:sp>
         <p:nvSpPr>
-          <p:cNvPr id="3" name="Marcador de texto 2"/>
-          <p:cNvSpPr>
-            <a:spLocks noGrp="1"/>
-          </p:cNvSpPr>
-          <p:nvPr>
-            <p:ph type="body" idx="1"/>
-          </p:nvPr>
-        </p:nvSpPr>
-        <p:spPr/>
-        <p:txBody>
-          <a:bodyPr/>
-          <a:lstStyle/>
-          <a:p>
-            <a:r>
-              <a:rPr lang="es-MX" dirty="0" smtClean="0"/>
-              <a:t>Un agente computacional es aquel que actúa de acuerdo a su entorno.</a:t>
-            </a:r>
-          </a:p>
-          <a:p>
-            <a:r>
-              <a:rPr lang="es-MX" dirty="0" smtClean="0"/>
-              <a:t>Esta acción debe de llegar al mejor resultado.</a:t>
-            </a:r>
-            <a:endParaRPr lang="es-MX" dirty="0"/>
-          </a:p>
-        </p:txBody>
-      </p:sp>
-      <p:sp>
-        <p:nvSpPr>
           <p:cNvPr id="4" name="Marcador de número de diapositiva 3"/>
           <p:cNvSpPr>
             <a:spLocks noGrp="1"/>
@@ -14695,87 +14808,6 @@
             <a:fld id="{00000000-1234-1234-1234-123412341234}" type="slidenum">
               <a:rPr lang="es-MX" smtClean="0"/>
               <a:t>44</a:t>
-            </a:fld>
-            <a:endParaRPr lang="es-MX"/>
-          </a:p>
-        </p:txBody>
-      </p:sp>
-    </p:spTree>
-    <p:extLst>
-      <p:ext uri="{BB962C8B-B14F-4D97-AF65-F5344CB8AC3E}">
-        <p14:creationId xmlns:p14="http://schemas.microsoft.com/office/powerpoint/2010/main" val="2789760796"/>
-      </p:ext>
-    </p:extLst>
-  </p:cSld>
-  <p:clrMapOvr>
-    <a:masterClrMapping/>
-  </p:clrMapOvr>
-</p:sld>
-</file>
-
-<file path=ppt/slides/slide45.xml><?xml version="1.0" encoding="utf-8"?>
-<p:sld xmlns:a="http://schemas.openxmlformats.org/drawingml/2006/main" xmlns:r="http://schemas.openxmlformats.org/officeDocument/2006/relationships" xmlns:p="http://schemas.openxmlformats.org/presentationml/2006/main">
-  <p:cSld>
-    <p:spTree>
-      <p:nvGrpSpPr>
-        <p:cNvPr id="1" name=""/>
-        <p:cNvGrpSpPr/>
-        <p:nvPr/>
-      </p:nvGrpSpPr>
-      <p:grpSpPr>
-        <a:xfrm>
-          <a:off x="0" y="0"/>
-          <a:ext cx="0" cy="0"/>
-          <a:chOff x="0" y="0"/>
-          <a:chExt cx="0" cy="0"/>
-        </a:xfrm>
-      </p:grpSpPr>
-      <p:sp>
-        <p:nvSpPr>
-          <p:cNvPr id="2" name="Título 1"/>
-          <p:cNvSpPr>
-            <a:spLocks noGrp="1"/>
-          </p:cNvSpPr>
-          <p:nvPr>
-            <p:ph type="title"/>
-          </p:nvPr>
-        </p:nvSpPr>
-        <p:spPr/>
-        <p:txBody>
-          <a:bodyPr/>
-          <a:lstStyle/>
-          <a:p>
-            <a:endParaRPr lang="es-MX"/>
-          </a:p>
-        </p:txBody>
-      </p:sp>
-      <p:sp>
-        <p:nvSpPr>
-          <p:cNvPr id="4" name="Marcador de número de diapositiva 3"/>
-          <p:cNvSpPr>
-            <a:spLocks noGrp="1"/>
-          </p:cNvSpPr>
-          <p:nvPr>
-            <p:ph type="sldNum" idx="12"/>
-          </p:nvPr>
-        </p:nvSpPr>
-        <p:spPr/>
-        <p:txBody>
-          <a:bodyPr/>
-          <a:lstStyle/>
-          <a:p>
-            <a:pPr marL="0" lvl="0" indent="0">
-              <a:spcBef>
-                <a:spcPts val="0"/>
-              </a:spcBef>
-              <a:spcAft>
-                <a:spcPts val="0"/>
-              </a:spcAft>
-              <a:buNone/>
-            </a:pPr>
-            <a:fld id="{00000000-1234-1234-1234-123412341234}" type="slidenum">
-              <a:rPr lang="es-MX" smtClean="0"/>
-              <a:t>45</a:t>
             </a:fld>
             <a:endParaRPr lang="es-MX"/>
           </a:p>
@@ -14822,10 +14854,228 @@
           </a:extLst>
         </p:spPr>
       </p:pic>
+      <mc:AlternateContent xmlns:mc="http://schemas.openxmlformats.org/markup-compatibility/2006">
+        <mc:Choice xmlns:p14="http://schemas.microsoft.com/office/powerpoint/2010/main" Requires="p14">
+          <p:contentPart p14:bwMode="auto" r:id="rId3">
+            <p14:nvContentPartPr>
+              <p14:cNvPr id="3" name="Ink 2">
+                <a:extLst>
+                  <a:ext uri="{FF2B5EF4-FFF2-40B4-BE49-F238E27FC236}">
+                    <a16:creationId xmlns:a16="http://schemas.microsoft.com/office/drawing/2014/main" id="{3FAB4AB5-1A80-4640-859A-37F6C46D7EDD}"/>
+                  </a:ext>
+                </a:extLst>
+              </p14:cNvPr>
+              <p14:cNvContentPartPr/>
+              <p14:nvPr/>
+            </p14:nvContentPartPr>
+            <p14:xfrm>
+              <a:off x="3246120" y="1725840"/>
+              <a:ext cx="3569760" cy="2229480"/>
+            </p14:xfrm>
+          </p:contentPart>
+        </mc:Choice>
+        <mc:Fallback>
+          <p:pic>
+            <p:nvPicPr>
+              <p:cNvPr id="3" name="Ink 2">
+                <a:extLst>
+                  <a:ext uri="{FF2B5EF4-FFF2-40B4-BE49-F238E27FC236}">
+                    <a16:creationId xmlns:a16="http://schemas.microsoft.com/office/drawing/2014/main" id="{3FAB4AB5-1A80-4640-859A-37F6C46D7EDD}"/>
+                  </a:ext>
+                </a:extLst>
+              </p:cNvPr>
+              <p:cNvPicPr/>
+              <p:nvPr/>
+            </p:nvPicPr>
+            <p:blipFill>
+              <a:blip r:embed="rId4"/>
+              <a:stretch>
+                <a:fillRect/>
+              </a:stretch>
+            </p:blipFill>
+            <p:spPr>
+              <a:xfrm>
+                <a:off x="3236760" y="1716480"/>
+                <a:ext cx="3588480" cy="2248200"/>
+              </a:xfrm>
+              <a:prstGeom prst="rect">
+                <a:avLst/>
+              </a:prstGeom>
+            </p:spPr>
+          </p:pic>
+        </mc:Fallback>
+      </mc:AlternateContent>
     </p:spTree>
     <p:extLst>
       <p:ext uri="{BB962C8B-B14F-4D97-AF65-F5344CB8AC3E}">
         <p14:creationId xmlns:p14="http://schemas.microsoft.com/office/powerpoint/2010/main" val="2554248071"/>
+      </p:ext>
+    </p:extLst>
+  </p:cSld>
+  <p:clrMapOvr>
+    <a:masterClrMapping/>
+  </p:clrMapOvr>
+</p:sld>
+</file>
+
+<file path=ppt/slides/slide45.xml><?xml version="1.0" encoding="utf-8"?>
+<p:sld xmlns:a="http://schemas.openxmlformats.org/drawingml/2006/main" xmlns:r="http://schemas.openxmlformats.org/officeDocument/2006/relationships" xmlns:p="http://schemas.openxmlformats.org/presentationml/2006/main">
+  <p:cSld>
+    <p:spTree>
+      <p:nvGrpSpPr>
+        <p:cNvPr id="1" name=""/>
+        <p:cNvGrpSpPr/>
+        <p:nvPr/>
+      </p:nvGrpSpPr>
+      <p:grpSpPr>
+        <a:xfrm>
+          <a:off x="0" y="0"/>
+          <a:ext cx="0" cy="0"/>
+          <a:chOff x="0" y="0"/>
+          <a:chExt cx="0" cy="0"/>
+        </a:xfrm>
+      </p:grpSpPr>
+      <p:sp>
+        <p:nvSpPr>
+          <p:cNvPr id="2" name="Título 1"/>
+          <p:cNvSpPr>
+            <a:spLocks noGrp="1"/>
+          </p:cNvSpPr>
+          <p:nvPr>
+            <p:ph type="title"/>
+          </p:nvPr>
+        </p:nvSpPr>
+        <p:spPr/>
+        <p:txBody>
+          <a:bodyPr/>
+          <a:lstStyle/>
+          <a:p>
+            <a:endParaRPr lang="es-MX"/>
+          </a:p>
+        </p:txBody>
+      </p:sp>
+      <p:sp>
+        <p:nvSpPr>
+          <p:cNvPr id="3" name="Marcador de texto 2"/>
+          <p:cNvSpPr>
+            <a:spLocks noGrp="1"/>
+          </p:cNvSpPr>
+          <p:nvPr>
+            <p:ph type="body" idx="1"/>
+          </p:nvPr>
+        </p:nvSpPr>
+        <p:spPr/>
+        <p:txBody>
+          <a:bodyPr/>
+          <a:lstStyle/>
+          <a:p>
+            <a:r>
+              <a:rPr lang="es-MX" dirty="0"/>
+              <a:t>¿Cómo definimos las reglas y las acciones?</a:t>
+            </a:r>
+          </a:p>
+          <a:p>
+            <a:pPr lvl="1"/>
+            <a:r>
+              <a:rPr lang="es-MX" dirty="0"/>
+              <a:t>NLP, Machine </a:t>
+            </a:r>
+            <a:r>
+              <a:rPr lang="es-MX" dirty="0" err="1"/>
+              <a:t>Learning</a:t>
+            </a:r>
+            <a:r>
+              <a:rPr lang="es-MX" dirty="0"/>
+              <a:t>, </a:t>
+            </a:r>
+            <a:r>
+              <a:rPr lang="es-MX" dirty="0" err="1"/>
+              <a:t>Knowledge</a:t>
+            </a:r>
+            <a:r>
+              <a:rPr lang="es-MX" dirty="0"/>
+              <a:t> </a:t>
+            </a:r>
+            <a:r>
+              <a:rPr lang="es-MX" dirty="0" err="1"/>
+              <a:t>Representation</a:t>
+            </a:r>
+            <a:r>
+              <a:rPr lang="es-MX" dirty="0"/>
+              <a:t>, </a:t>
+            </a:r>
+            <a:r>
+              <a:rPr lang="es-MX" dirty="0" err="1"/>
+              <a:t>etc</a:t>
+            </a:r>
+            <a:endParaRPr lang="es-MX" dirty="0"/>
+          </a:p>
+          <a:p>
+            <a:pPr lvl="1"/>
+            <a:r>
+              <a:rPr lang="es-MX" dirty="0" err="1"/>
+              <a:t>Computer</a:t>
+            </a:r>
+            <a:r>
+              <a:rPr lang="es-MX" dirty="0"/>
+              <a:t> </a:t>
+            </a:r>
+            <a:r>
+              <a:rPr lang="es-MX" dirty="0" err="1"/>
+              <a:t>Vision</a:t>
+            </a:r>
+            <a:endParaRPr lang="es-MX" dirty="0"/>
+          </a:p>
+          <a:p>
+            <a:pPr lvl="1"/>
+            <a:r>
+              <a:rPr lang="es-MX" dirty="0" err="1"/>
+              <a:t>Robotica</a:t>
+            </a:r>
+            <a:endParaRPr lang="es-MX" dirty="0"/>
+          </a:p>
+          <a:p>
+            <a:pPr lvl="1"/>
+            <a:endParaRPr lang="es-MX" dirty="0"/>
+          </a:p>
+        </p:txBody>
+      </p:sp>
+      <p:sp>
+        <p:nvSpPr>
+          <p:cNvPr id="4" name="Marcador de número de diapositiva 3"/>
+          <p:cNvSpPr>
+            <a:spLocks noGrp="1"/>
+          </p:cNvSpPr>
+          <p:nvPr>
+            <p:ph type="sldNum" idx="12"/>
+          </p:nvPr>
+        </p:nvSpPr>
+        <p:spPr/>
+        <p:txBody>
+          <a:bodyPr/>
+          <a:lstStyle/>
+          <a:p>
+            <a:pPr marL="0" lvl="0" indent="0">
+              <a:spcBef>
+                <a:spcPts val="0"/>
+              </a:spcBef>
+              <a:spcAft>
+                <a:spcPts val="0"/>
+              </a:spcAft>
+              <a:buNone/>
+            </a:pPr>
+            <a:fld id="{00000000-1234-1234-1234-123412341234}" type="slidenum">
+              <a:rPr lang="es-MX" smtClean="0"/>
+              <a:t>45</a:t>
+            </a:fld>
+            <a:endParaRPr lang="es-MX"/>
+          </a:p>
+        </p:txBody>
+      </p:sp>
+    </p:spTree>
+    <p:extLst>
+      <p:ext uri="{BB962C8B-B14F-4D97-AF65-F5344CB8AC3E}">
+        <p14:creationId xmlns:p14="http://schemas.microsoft.com/office/powerpoint/2010/main" val="1477776476"/>
       </p:ext>
     </p:extLst>
   </p:cSld>
@@ -14887,73 +15137,23 @@
           <a:lstStyle/>
           <a:p>
             <a:r>
-              <a:rPr lang="es-MX" dirty="0" smtClean="0"/>
-              <a:t>¿Cómo definimos las reglas y las acciones?</a:t>
+              <a:rPr lang="es-MX" dirty="0"/>
+              <a:t>Ventajas del modelo con base en agentes:</a:t>
             </a:r>
           </a:p>
           <a:p>
             <a:pPr lvl="1"/>
             <a:r>
-              <a:rPr lang="es-MX" dirty="0" smtClean="0"/>
-              <a:t>NLP, Machine </a:t>
-            </a:r>
-            <a:r>
-              <a:rPr lang="es-MX" dirty="0" err="1" smtClean="0"/>
-              <a:t>Learning</a:t>
-            </a:r>
-            <a:r>
-              <a:rPr lang="es-MX" dirty="0" smtClean="0"/>
-              <a:t>, </a:t>
-            </a:r>
-            <a:r>
-              <a:rPr lang="es-MX" dirty="0" err="1" smtClean="0"/>
-              <a:t>Knowledge</a:t>
-            </a:r>
-            <a:r>
-              <a:rPr lang="es-MX" dirty="0" smtClean="0"/>
-              <a:t> </a:t>
-            </a:r>
-            <a:r>
-              <a:rPr lang="es-MX" dirty="0" err="1" smtClean="0"/>
-              <a:t>Representation</a:t>
-            </a:r>
-            <a:r>
-              <a:rPr lang="es-MX" dirty="0" smtClean="0"/>
-              <a:t>, </a:t>
-            </a:r>
-            <a:r>
-              <a:rPr lang="es-MX" dirty="0" err="1" smtClean="0"/>
-              <a:t>etc</a:t>
-            </a:r>
-            <a:endParaRPr lang="es-MX" dirty="0" smtClean="0"/>
+              <a:rPr lang="es-MX" dirty="0"/>
+              <a:t>Es mucho mas general que los modelos estrictos lógicos</a:t>
+            </a:r>
           </a:p>
           <a:p>
             <a:pPr lvl="1"/>
             <a:r>
-              <a:rPr lang="es-MX" dirty="0" err="1" smtClean="0"/>
-              <a:t>Computer</a:t>
-            </a:r>
-            <a:r>
-              <a:rPr lang="es-MX" dirty="0" smtClean="0"/>
-              <a:t> </a:t>
-            </a:r>
-            <a:r>
-              <a:rPr lang="es-MX" dirty="0" err="1" smtClean="0"/>
-              <a:t>Vision</a:t>
-            </a:r>
-            <a:endParaRPr lang="es-MX" dirty="0" smtClean="0"/>
-          </a:p>
-          <a:p>
-            <a:pPr lvl="1"/>
-            <a:r>
-              <a:rPr lang="es-MX" dirty="0" err="1" smtClean="0"/>
-              <a:t>Robotica</a:t>
-            </a:r>
-            <a:endParaRPr lang="es-MX" dirty="0" smtClean="0"/>
-          </a:p>
-          <a:p>
-            <a:pPr lvl="1"/>
-            <a:endParaRPr lang="es-MX" dirty="0"/>
+              <a:rPr lang="es-MX" dirty="0"/>
+              <a:t>No se basa en definiciones biológicas, sino en ecuaciones matemáticas claras.</a:t>
+            </a:r>
           </a:p>
         </p:txBody>
       </p:sp>
@@ -14992,7 +15192,7 @@
     </p:spTree>
     <p:extLst>
       <p:ext uri="{BB962C8B-B14F-4D97-AF65-F5344CB8AC3E}">
-        <p14:creationId xmlns:p14="http://schemas.microsoft.com/office/powerpoint/2010/main" val="1477776476"/>
+        <p14:creationId xmlns:p14="http://schemas.microsoft.com/office/powerpoint/2010/main" val="3397930078"/>
       </p:ext>
     </p:extLst>
   </p:cSld>
@@ -15034,44 +15234,10 @@
           <a:bodyPr/>
           <a:lstStyle/>
           <a:p>
-            <a:endParaRPr lang="es-MX"/>
-          </a:p>
-        </p:txBody>
-      </p:sp>
-      <p:sp>
-        <p:nvSpPr>
-          <p:cNvPr id="3" name="Marcador de texto 2"/>
-          <p:cNvSpPr>
-            <a:spLocks noGrp="1"/>
-          </p:cNvSpPr>
-          <p:nvPr>
-            <p:ph type="body" idx="1"/>
-          </p:nvPr>
-        </p:nvSpPr>
-        <p:spPr/>
-        <p:txBody>
-          <a:bodyPr/>
-          <a:lstStyle/>
-          <a:p>
-            <a:r>
-              <a:rPr lang="es-MX" dirty="0" smtClean="0"/>
-              <a:t>Ventajas del modelo con base en agentes:</a:t>
-            </a:r>
-          </a:p>
-          <a:p>
-            <a:pPr lvl="1"/>
-            <a:r>
-              <a:rPr lang="es-MX" dirty="0" smtClean="0"/>
-              <a:t>Es mucho mas general que los modelos estrictos lógicos</a:t>
-            </a:r>
-          </a:p>
-          <a:p>
-            <a:pPr lvl="1"/>
-            <a:r>
-              <a:rPr lang="es-MX" dirty="0" smtClean="0"/>
-              <a:t>No se basa en definiciones biológicas, sino en ecuaciones matemáticas claras.</a:t>
-            </a:r>
-            <a:endParaRPr lang="es-MX" dirty="0"/>
+            <a:r>
+              <a:rPr lang="es-MX" dirty="0"/>
+              <a:t>Ejemplos de agentes inteligentes</a:t>
+            </a:r>
           </a:p>
         </p:txBody>
       </p:sp>
@@ -15102,91 +15268,6 @@
             <a:fld id="{00000000-1234-1234-1234-123412341234}" type="slidenum">
               <a:rPr lang="es-MX" smtClean="0"/>
               <a:t>47</a:t>
-            </a:fld>
-            <a:endParaRPr lang="es-MX"/>
-          </a:p>
-        </p:txBody>
-      </p:sp>
-    </p:spTree>
-    <p:extLst>
-      <p:ext uri="{BB962C8B-B14F-4D97-AF65-F5344CB8AC3E}">
-        <p14:creationId xmlns:p14="http://schemas.microsoft.com/office/powerpoint/2010/main" val="3397930078"/>
-      </p:ext>
-    </p:extLst>
-  </p:cSld>
-  <p:clrMapOvr>
-    <a:masterClrMapping/>
-  </p:clrMapOvr>
-</p:sld>
-</file>
-
-<file path=ppt/slides/slide48.xml><?xml version="1.0" encoding="utf-8"?>
-<p:sld xmlns:a="http://schemas.openxmlformats.org/drawingml/2006/main" xmlns:r="http://schemas.openxmlformats.org/officeDocument/2006/relationships" xmlns:p="http://schemas.openxmlformats.org/presentationml/2006/main">
-  <p:cSld>
-    <p:spTree>
-      <p:nvGrpSpPr>
-        <p:cNvPr id="1" name=""/>
-        <p:cNvGrpSpPr/>
-        <p:nvPr/>
-      </p:nvGrpSpPr>
-      <p:grpSpPr>
-        <a:xfrm>
-          <a:off x="0" y="0"/>
-          <a:ext cx="0" cy="0"/>
-          <a:chOff x="0" y="0"/>
-          <a:chExt cx="0" cy="0"/>
-        </a:xfrm>
-      </p:grpSpPr>
-      <p:sp>
-        <p:nvSpPr>
-          <p:cNvPr id="2" name="Título 1"/>
-          <p:cNvSpPr>
-            <a:spLocks noGrp="1"/>
-          </p:cNvSpPr>
-          <p:nvPr>
-            <p:ph type="title"/>
-          </p:nvPr>
-        </p:nvSpPr>
-        <p:spPr/>
-        <p:txBody>
-          <a:bodyPr/>
-          <a:lstStyle/>
-          <a:p>
-            <a:r>
-              <a:rPr lang="es-MX" dirty="0" smtClean="0"/>
-              <a:t>Ejemplos de agentes inteligentes</a:t>
-            </a:r>
-            <a:endParaRPr lang="es-MX" dirty="0"/>
-          </a:p>
-        </p:txBody>
-      </p:sp>
-      <p:sp>
-        <p:nvSpPr>
-          <p:cNvPr id="4" name="Marcador de número de diapositiva 3"/>
-          <p:cNvSpPr>
-            <a:spLocks noGrp="1"/>
-          </p:cNvSpPr>
-          <p:nvPr>
-            <p:ph type="sldNum" idx="12"/>
-          </p:nvPr>
-        </p:nvSpPr>
-        <p:spPr/>
-        <p:txBody>
-          <a:bodyPr/>
-          <a:lstStyle/>
-          <a:p>
-            <a:pPr marL="0" lvl="0" indent="0">
-              <a:spcBef>
-                <a:spcPts val="0"/>
-              </a:spcBef>
-              <a:spcAft>
-                <a:spcPts val="0"/>
-              </a:spcAft>
-              <a:buNone/>
-            </a:pPr>
-            <a:fld id="{00000000-1234-1234-1234-123412341234}" type="slidenum">
-              <a:rPr lang="es-MX" smtClean="0"/>
-              <a:t>48</a:t>
             </a:fld>
             <a:endParaRPr lang="es-MX"/>
           </a:p>
@@ -15235,6 +15316,57 @@
           </a:extLst>
         </p:spPr>
       </p:pic>
+      <mc:AlternateContent xmlns:mc="http://schemas.openxmlformats.org/markup-compatibility/2006">
+        <mc:Choice xmlns:p14="http://schemas.microsoft.com/office/powerpoint/2010/main" Requires="p14">
+          <p:contentPart p14:bwMode="auto" r:id="rId4">
+            <p14:nvContentPartPr>
+              <p14:cNvPr id="3" name="Ink 2">
+                <a:extLst>
+                  <a:ext uri="{FF2B5EF4-FFF2-40B4-BE49-F238E27FC236}">
+                    <a16:creationId xmlns:a16="http://schemas.microsoft.com/office/drawing/2014/main" id="{B8402322-8C53-4335-8BBA-A0ABF9AD8FE4}"/>
+                  </a:ext>
+                </a:extLst>
+              </p14:cNvPr>
+              <p14:cNvContentPartPr/>
+              <p14:nvPr/>
+            </p14:nvContentPartPr>
+            <p14:xfrm>
+              <a:off x="1651680" y="3946320"/>
+              <a:ext cx="360" cy="360"/>
+            </p14:xfrm>
+          </p:contentPart>
+        </mc:Choice>
+        <mc:Fallback>
+          <p:pic>
+            <p:nvPicPr>
+              <p:cNvPr id="3" name="Ink 2">
+                <a:extLst>
+                  <a:ext uri="{FF2B5EF4-FFF2-40B4-BE49-F238E27FC236}">
+                    <a16:creationId xmlns:a16="http://schemas.microsoft.com/office/drawing/2014/main" id="{B8402322-8C53-4335-8BBA-A0ABF9AD8FE4}"/>
+                  </a:ext>
+                </a:extLst>
+              </p:cNvPr>
+              <p:cNvPicPr/>
+              <p:nvPr/>
+            </p:nvPicPr>
+            <p:blipFill>
+              <a:blip r:embed="rId5"/>
+              <a:stretch>
+                <a:fillRect/>
+              </a:stretch>
+            </p:blipFill>
+            <p:spPr>
+              <a:xfrm>
+                <a:off x="1642320" y="3936960"/>
+                <a:ext cx="19080" cy="19080"/>
+              </a:xfrm>
+              <a:prstGeom prst="rect">
+                <a:avLst/>
+              </a:prstGeom>
+            </p:spPr>
+          </p:pic>
+        </mc:Fallback>
+      </mc:AlternateContent>
     </p:spTree>
     <p:extLst>
       <p:ext uri="{BB962C8B-B14F-4D97-AF65-F5344CB8AC3E}">
@@ -15248,7 +15380,7 @@
 </p:sld>
 </file>
 
-<file path=ppt/slides/slide49.xml><?xml version="1.0" encoding="utf-8"?>
+<file path=ppt/slides/slide48.xml><?xml version="1.0" encoding="utf-8"?>
 <p:sld xmlns:a="http://schemas.openxmlformats.org/drawingml/2006/main" xmlns:r="http://schemas.openxmlformats.org/officeDocument/2006/relationships" xmlns:p="http://schemas.openxmlformats.org/presentationml/2006/main">
   <p:cSld>
     <p:spTree>
@@ -15310,7 +15442,7 @@
             </a:pPr>
             <a:fld id="{00000000-1234-1234-1234-123412341234}" type="slidenum">
               <a:rPr lang="es-MX" smtClean="0"/>
-              <a:t>49</a:t>
+              <a:t>48</a:t>
             </a:fld>
             <a:endParaRPr lang="es-MX"/>
           </a:p>
@@ -15495,7 +15627,7 @@
 </p:sld>
 </file>
 
-<file path=ppt/slides/slide5.xml><?xml version="1.0" encoding="utf-8"?>
+<file path=ppt/slides/slide49.xml><?xml version="1.0" encoding="utf-8"?>
 <p:sld xmlns:a="http://schemas.openxmlformats.org/drawingml/2006/main" xmlns:r="http://schemas.openxmlformats.org/officeDocument/2006/relationships" xmlns:p="http://schemas.openxmlformats.org/presentationml/2006/main">
   <p:cSld>
     <p:spTree>
@@ -15514,140 +15646,6 @@
       </p:grpSpPr>
       <p:sp>
         <p:nvSpPr>
-          <p:cNvPr id="2" name="Title 1">
-            <a:extLst>
-              <a:ext uri="{FF2B5EF4-FFF2-40B4-BE49-F238E27FC236}">
-                <a16:creationId xmlns:a16="http://schemas.microsoft.com/office/drawing/2014/main" id="{5E72ACDF-CA51-42A3-8FE7-3B52525FFB9E}"/>
-              </a:ext>
-            </a:extLst>
-          </p:cNvPr>
-          <p:cNvSpPr>
-            <a:spLocks noGrp="1"/>
-          </p:cNvSpPr>
-          <p:nvPr>
-            <p:ph type="title"/>
-          </p:nvPr>
-        </p:nvSpPr>
-        <p:spPr/>
-        <p:txBody>
-          <a:bodyPr/>
-          <a:lstStyle/>
-          <a:p>
-            <a:r>
-              <a:rPr lang="es-MX" dirty="0" err="1"/>
-              <a:t>Outcomes</a:t>
-            </a:r>
-            <a:endParaRPr lang="en-US" dirty="0"/>
-          </a:p>
-        </p:txBody>
-      </p:sp>
-      <p:sp>
-        <p:nvSpPr>
-          <p:cNvPr id="3" name="Text Placeholder 2">
-            <a:extLst>
-              <a:ext uri="{FF2B5EF4-FFF2-40B4-BE49-F238E27FC236}">
-                <a16:creationId xmlns:a16="http://schemas.microsoft.com/office/drawing/2014/main" id="{D3178225-9254-4B1C-86B8-B86CDF7B7A68}"/>
-              </a:ext>
-            </a:extLst>
-          </p:cNvPr>
-          <p:cNvSpPr>
-            <a:spLocks noGrp="1"/>
-          </p:cNvSpPr>
-          <p:nvPr>
-            <p:ph type="body" idx="1"/>
-          </p:nvPr>
-        </p:nvSpPr>
-        <p:spPr/>
-        <p:txBody>
-          <a:bodyPr/>
-          <a:lstStyle/>
-          <a:p>
-            <a:r>
-              <a:rPr lang="es-ES" dirty="0"/>
-              <a:t>Los estudiantes serán capaces de implementar y </a:t>
-            </a:r>
-            <a:r>
-              <a:rPr lang="es-ES" b="1" dirty="0"/>
-              <a:t>validar</a:t>
-            </a:r>
-            <a:r>
-              <a:rPr lang="es-ES" dirty="0"/>
-              <a:t> diferentes técnicas de Inteligencia Artificial en diferentes sets de datos relacionados a distintos campos. Los estudiantes aprenderán la diferencia entre aprendizaje supervisado y no supervisado.</a:t>
-            </a:r>
-            <a:endParaRPr lang="en-US" dirty="0"/>
-          </a:p>
-        </p:txBody>
-      </p:sp>
-      <p:sp>
-        <p:nvSpPr>
-          <p:cNvPr id="4" name="Slide Number Placeholder 3">
-            <a:extLst>
-              <a:ext uri="{FF2B5EF4-FFF2-40B4-BE49-F238E27FC236}">
-                <a16:creationId xmlns:a16="http://schemas.microsoft.com/office/drawing/2014/main" id="{B8B0DE30-14E2-4D78-A716-3F2B0DCD3684}"/>
-              </a:ext>
-            </a:extLst>
-          </p:cNvPr>
-          <p:cNvSpPr>
-            <a:spLocks noGrp="1"/>
-          </p:cNvSpPr>
-          <p:nvPr>
-            <p:ph type="sldNum" idx="12"/>
-          </p:nvPr>
-        </p:nvSpPr>
-        <p:spPr/>
-        <p:txBody>
-          <a:bodyPr/>
-          <a:lstStyle/>
-          <a:p>
-            <a:pPr marL="0" lvl="0" indent="0">
-              <a:spcBef>
-                <a:spcPts val="0"/>
-              </a:spcBef>
-              <a:spcAft>
-                <a:spcPts val="0"/>
-              </a:spcAft>
-              <a:buNone/>
-            </a:pPr>
-            <a:fld id="{00000000-1234-1234-1234-123412341234}" type="slidenum">
-              <a:rPr lang="en" smtClean="0"/>
-              <a:t>5</a:t>
-            </a:fld>
-            <a:endParaRPr lang="en"/>
-          </a:p>
-        </p:txBody>
-      </p:sp>
-    </p:spTree>
-    <p:extLst>
-      <p:ext uri="{BB962C8B-B14F-4D97-AF65-F5344CB8AC3E}">
-        <p14:creationId xmlns:p14="http://schemas.microsoft.com/office/powerpoint/2010/main" val="2374480611"/>
-      </p:ext>
-    </p:extLst>
-  </p:cSld>
-  <p:clrMapOvr>
-    <a:masterClrMapping/>
-  </p:clrMapOvr>
-</p:sld>
-</file>
-
-<file path=ppt/slides/slide50.xml><?xml version="1.0" encoding="utf-8"?>
-<p:sld xmlns:a="http://schemas.openxmlformats.org/drawingml/2006/main" xmlns:r="http://schemas.openxmlformats.org/officeDocument/2006/relationships" xmlns:p="http://schemas.openxmlformats.org/presentationml/2006/main">
-  <p:cSld>
-    <p:spTree>
-      <p:nvGrpSpPr>
-        <p:cNvPr id="1" name=""/>
-        <p:cNvGrpSpPr/>
-        <p:nvPr/>
-      </p:nvGrpSpPr>
-      <p:grpSpPr>
-        <a:xfrm>
-          <a:off x="0" y="0"/>
-          <a:ext cx="0" cy="0"/>
-          <a:chOff x="0" y="0"/>
-          <a:chExt cx="0" cy="0"/>
-        </a:xfrm>
-      </p:grpSpPr>
-      <p:sp>
-        <p:nvSpPr>
           <p:cNvPr id="2" name="Título 1"/>
           <p:cNvSpPr>
             <a:spLocks noGrp="1"/>
@@ -15662,10 +15660,9 @@
           <a:lstStyle/>
           <a:p>
             <a:r>
-              <a:rPr lang="es-MX" dirty="0" smtClean="0"/>
+              <a:rPr lang="es-MX" dirty="0"/>
               <a:t>Ejemplos Agentes Inteligentes</a:t>
             </a:r>
-            <a:endParaRPr lang="es-MX" dirty="0"/>
           </a:p>
         </p:txBody>
       </p:sp>
@@ -15695,7 +15692,7 @@
             </a:pPr>
             <a:fld id="{00000000-1234-1234-1234-123412341234}" type="slidenum">
               <a:rPr lang="es-MX" smtClean="0"/>
-              <a:t>50</a:t>
+              <a:t>49</a:t>
             </a:fld>
             <a:endParaRPr lang="es-MX"/>
           </a:p>
@@ -15786,7 +15783,7 @@
 </p:sld>
 </file>
 
-<file path=ppt/slides/slide51.xml><?xml version="1.0" encoding="utf-8"?>
+<file path=ppt/slides/slide5.xml><?xml version="1.0" encoding="utf-8"?>
 <p:sld xmlns:a="http://schemas.openxmlformats.org/drawingml/2006/main" xmlns:r="http://schemas.openxmlformats.org/officeDocument/2006/relationships" xmlns:p="http://schemas.openxmlformats.org/presentationml/2006/main">
   <p:cSld>
     <p:spTree>
@@ -15819,10 +15816,9 @@
           <a:lstStyle/>
           <a:p>
             <a:r>
-              <a:rPr lang="es-MX" dirty="0" smtClean="0"/>
-              <a:t>Ejemplos de agentes inteligentes</a:t>
-            </a:r>
-            <a:endParaRPr lang="es-MX" dirty="0"/>
+              <a:rPr lang="es-MX" dirty="0"/>
+              <a:t>Organización</a:t>
+            </a:r>
           </a:p>
         </p:txBody>
       </p:sp>
@@ -15852,7 +15848,172 @@
             </a:pPr>
             <a:fld id="{00000000-1234-1234-1234-123412341234}" type="slidenum">
               <a:rPr lang="es-MX" smtClean="0"/>
-              <a:t>51</a:t>
+              <a:t>5</a:t>
+            </a:fld>
+            <a:endParaRPr lang="es-MX"/>
+          </a:p>
+        </p:txBody>
+      </p:sp>
+      <p:sp>
+        <p:nvSpPr>
+          <p:cNvPr id="5" name="Rectángulo 4"/>
+          <p:cNvSpPr/>
+          <p:nvPr/>
+        </p:nvSpPr>
+        <p:spPr>
+          <a:xfrm>
+            <a:off x="698500" y="1976367"/>
+            <a:ext cx="8083550" cy="1877437"/>
+          </a:xfrm>
+          <a:prstGeom prst="rect">
+            <a:avLst/>
+          </a:prstGeom>
+        </p:spPr>
+        <p:txBody>
+          <a:bodyPr wrap="square">
+            <a:spAutoFit/>
+          </a:bodyPr>
+          <a:lstStyle/>
+          <a:p>
+            <a:r>
+              <a:rPr lang="en-US" sz="2400" dirty="0" err="1"/>
+              <a:t>Horario</a:t>
+            </a:r>
+            <a:r>
+              <a:rPr lang="en-US" sz="2400" dirty="0"/>
+              <a:t>:</a:t>
+            </a:r>
+          </a:p>
+          <a:p>
+            <a:pPr lvl="1"/>
+            <a:r>
+              <a:rPr lang="en-US" sz="2000" dirty="0"/>
+              <a:t>Viernes de 7:00 pm a 10:00 pm</a:t>
+            </a:r>
+          </a:p>
+          <a:p>
+            <a:r>
+              <a:rPr lang="en-US" sz="2400" dirty="0"/>
+              <a:t>Course Website: </a:t>
+            </a:r>
+            <a:r>
+              <a:rPr lang="en-US" sz="2400" dirty="0">
+                <a:hlinkClick r:id="rId2"/>
+              </a:rPr>
+              <a:t>https://leonpalafox.com/aiclase_videojuegos/</a:t>
+            </a:r>
+            <a:endParaRPr lang="en-US" sz="2400" dirty="0"/>
+          </a:p>
+          <a:p>
+            <a:r>
+              <a:rPr lang="en-US" sz="2400" dirty="0"/>
+              <a:t>Horas de </a:t>
+            </a:r>
+            <a:r>
+              <a:rPr lang="en-US" sz="2400" dirty="0" err="1"/>
+              <a:t>Oficina</a:t>
+            </a:r>
+            <a:r>
+              <a:rPr lang="en-US" sz="2400" dirty="0"/>
+              <a:t>: Con </a:t>
+            </a:r>
+            <a:r>
+              <a:rPr lang="en-US" sz="2400" dirty="0" err="1"/>
+              <a:t>cita</a:t>
+            </a:r>
+            <a:r>
+              <a:rPr lang="en-US" sz="2400" dirty="0"/>
+              <a:t> a </a:t>
+            </a:r>
+            <a:r>
+              <a:rPr lang="en-US" sz="2400" dirty="0">
+                <a:hlinkClick r:id="rId3"/>
+              </a:rPr>
+              <a:t>lfpalafox@up.edu.mx</a:t>
+            </a:r>
+            <a:endParaRPr lang="en-US" sz="2400" dirty="0"/>
+          </a:p>
+        </p:txBody>
+      </p:sp>
+    </p:spTree>
+    <p:extLst>
+      <p:ext uri="{BB962C8B-B14F-4D97-AF65-F5344CB8AC3E}">
+        <p14:creationId xmlns:p14="http://schemas.microsoft.com/office/powerpoint/2010/main" val="2744930193"/>
+      </p:ext>
+    </p:extLst>
+  </p:cSld>
+  <p:clrMapOvr>
+    <a:masterClrMapping/>
+  </p:clrMapOvr>
+</p:sld>
+</file>
+
+<file path=ppt/slides/slide50.xml><?xml version="1.0" encoding="utf-8"?>
+<p:sld xmlns:a="http://schemas.openxmlformats.org/drawingml/2006/main" xmlns:r="http://schemas.openxmlformats.org/officeDocument/2006/relationships" xmlns:p="http://schemas.openxmlformats.org/presentationml/2006/main">
+  <p:cSld>
+    <p:spTree>
+      <p:nvGrpSpPr>
+        <p:cNvPr id="1" name=""/>
+        <p:cNvGrpSpPr/>
+        <p:nvPr/>
+      </p:nvGrpSpPr>
+      <p:grpSpPr>
+        <a:xfrm>
+          <a:off x="0" y="0"/>
+          <a:ext cx="0" cy="0"/>
+          <a:chOff x="0" y="0"/>
+          <a:chExt cx="0" cy="0"/>
+        </a:xfrm>
+      </p:grpSpPr>
+      <p:sp>
+        <p:nvSpPr>
+          <p:cNvPr id="2" name="Título 1"/>
+          <p:cNvSpPr>
+            <a:spLocks noGrp="1"/>
+          </p:cNvSpPr>
+          <p:nvPr>
+            <p:ph type="title"/>
+          </p:nvPr>
+        </p:nvSpPr>
+        <p:spPr/>
+        <p:txBody>
+          <a:bodyPr/>
+          <a:lstStyle/>
+          <a:p>
+            <a:r>
+              <a:rPr lang="es-MX" dirty="0"/>
+              <a:t>Ejemplos de agentes inteligentes</a:t>
+            </a:r>
+          </a:p>
+        </p:txBody>
+      </p:sp>
+      <p:sp>
+        <p:nvSpPr>
+          <p:cNvPr id="4" name="Marcador de número de diapositiva 3"/>
+          <p:cNvSpPr>
+            <a:spLocks noGrp="1"/>
+          </p:cNvSpPr>
+          <p:nvPr>
+            <p:ph type="sldNum" idx="12"/>
+          </p:nvPr>
+        </p:nvSpPr>
+        <p:spPr/>
+        <p:txBody>
+          <a:bodyPr/>
+          <a:lstStyle/>
+          <a:p>
+            <a:pPr marL="0" lvl="0" indent="0">
+              <a:spcBef>
+                <a:spcPts val="0"/>
+              </a:spcBef>
+              <a:spcAft>
+                <a:spcPts val="0"/>
+              </a:spcAft>
+              <a:buNone/>
+            </a:pPr>
+            <a:fld id="{00000000-1234-1234-1234-123412341234}" type="slidenum">
+              <a:rPr lang="es-MX" smtClean="0"/>
+              <a:t>50</a:t>
             </a:fld>
             <a:endParaRPr lang="es-MX"/>
           </a:p>
@@ -15914,7 +16075,7 @@
 </p:sld>
 </file>
 
-<file path=ppt/slides/slide52.xml><?xml version="1.0" encoding="utf-8"?>
+<file path=ppt/slides/slide51.xml><?xml version="1.0" encoding="utf-8"?>
 <p:sld xmlns:a="http://schemas.openxmlformats.org/drawingml/2006/main" xmlns:r="http://schemas.openxmlformats.org/officeDocument/2006/relationships" xmlns:p="http://schemas.openxmlformats.org/presentationml/2006/main">
   <p:cSld>
     <p:spTree>
@@ -15976,7 +16137,7 @@
             </a:pPr>
             <a:fld id="{00000000-1234-1234-1234-123412341234}" type="slidenum">
               <a:rPr lang="es-MX" smtClean="0"/>
-              <a:t>52</a:t>
+              <a:t>51</a:t>
             </a:fld>
             <a:endParaRPr lang="es-MX"/>
           </a:p>
@@ -16072,7 +16233,7 @@
   <p:cSld>
     <p:spTree>
       <p:nvGrpSpPr>
-        <p:cNvPr id="1" name=""/>
+        <p:cNvPr id="1" name="Shape 228"/>
         <p:cNvGrpSpPr/>
         <p:nvPr/>
       </p:nvGrpSpPr>
@@ -16086,172 +16247,146 @@
       </p:grpSpPr>
       <p:sp>
         <p:nvSpPr>
-          <p:cNvPr id="2" name="Título 1"/>
-          <p:cNvSpPr>
+          <p:cNvPr id="229" name="Google Shape;229;p15"/>
+          <p:cNvSpPr txBox="1">
             <a:spLocks noGrp="1"/>
           </p:cNvSpPr>
           <p:nvPr>
-            <p:ph type="title"/>
+            <p:ph type="body" idx="1"/>
           </p:nvPr>
-        </p:nvSpPr>
-        <p:spPr/>
-        <p:txBody>
-          <a:bodyPr/>
-          <a:lstStyle/>
-          <a:p>
-            <a:r>
-              <a:rPr lang="es-MX" dirty="0" smtClean="0"/>
-              <a:t>Organización</a:t>
-            </a:r>
-            <a:endParaRPr lang="es-MX" dirty="0"/>
-          </a:p>
-        </p:txBody>
-      </p:sp>
-      <p:sp>
-        <p:nvSpPr>
-          <p:cNvPr id="4" name="Marcador de número de diapositiva 3"/>
-          <p:cNvSpPr>
-            <a:spLocks noGrp="1"/>
-          </p:cNvSpPr>
-          <p:nvPr>
-            <p:ph type="sldNum" idx="12"/>
-          </p:nvPr>
-        </p:nvSpPr>
-        <p:spPr/>
-        <p:txBody>
-          <a:bodyPr/>
-          <a:lstStyle/>
-          <a:p>
-            <a:pPr marL="0" lvl="0" indent="0">
-              <a:spcBef>
-                <a:spcPts val="0"/>
-              </a:spcBef>
-              <a:spcAft>
-                <a:spcPts val="0"/>
-              </a:spcAft>
-              <a:buNone/>
-            </a:pPr>
-            <a:fld id="{00000000-1234-1234-1234-123412341234}" type="slidenum">
-              <a:rPr lang="es-MX" smtClean="0"/>
-              <a:t>6</a:t>
-            </a:fld>
-            <a:endParaRPr lang="es-MX"/>
-          </a:p>
-        </p:txBody>
-      </p:sp>
-      <p:sp>
-        <p:nvSpPr>
-          <p:cNvPr id="5" name="Rectángulo 4"/>
-          <p:cNvSpPr/>
-          <p:nvPr/>
         </p:nvSpPr>
         <p:spPr>
           <a:xfrm>
-            <a:off x="698500" y="1976367"/>
-            <a:ext cx="8083550" cy="1877437"/>
+            <a:off x="829775" y="1202000"/>
+            <a:ext cx="5090700" cy="2745000"/>
           </a:xfrm>
           <a:prstGeom prst="rect">
             <a:avLst/>
           </a:prstGeom>
         </p:spPr>
         <p:txBody>
-          <a:bodyPr wrap="square">
-            <a:spAutoFit/>
+          <a:bodyPr spcFirstLastPara="1" wrap="square" lIns="91425" tIns="91425" rIns="91425" bIns="91425" anchor="t" anchorCtr="0">
+            <a:noAutofit/>
           </a:bodyPr>
           <a:lstStyle/>
           <a:p>
-            <a:r>
-              <a:rPr lang="en-US" sz="2400" dirty="0" err="1"/>
-              <a:t>Horario</a:t>
-            </a:r>
-            <a:r>
-              <a:rPr lang="en-US" sz="2400" dirty="0"/>
-              <a:t>:</a:t>
-            </a:r>
-          </a:p>
-          <a:p>
-            <a:pPr lvl="1"/>
-            <a:r>
-              <a:rPr lang="en-US" sz="2000" dirty="0" err="1" smtClean="0"/>
-              <a:t>Jueves</a:t>
-            </a:r>
-            <a:r>
-              <a:rPr lang="en-US" sz="2000" dirty="0" smtClean="0"/>
-              <a:t> </a:t>
-            </a:r>
-            <a:r>
-              <a:rPr lang="en-US" sz="2000" dirty="0" smtClean="0"/>
-              <a:t>de 4:00 pm a </a:t>
-            </a:r>
-            <a:r>
-              <a:rPr lang="en-US" sz="2000" dirty="0" smtClean="0"/>
-              <a:t>7:00 </a:t>
-            </a:r>
-            <a:r>
-              <a:rPr lang="en-US" sz="2000" dirty="0" smtClean="0"/>
-              <a:t>pm</a:t>
-            </a:r>
-          </a:p>
-          <a:p>
-            <a:r>
-              <a:rPr lang="en-US" sz="2400" dirty="0" smtClean="0"/>
-              <a:t>Course Website: </a:t>
-            </a:r>
-            <a:r>
-              <a:rPr lang="en-US" sz="2400" dirty="0" smtClean="0">
-                <a:hlinkClick r:id="rId2"/>
-              </a:rPr>
-              <a:t>https://</a:t>
-            </a:r>
-            <a:r>
-              <a:rPr lang="en-US" sz="2400" dirty="0" smtClean="0">
-                <a:hlinkClick r:id="rId2"/>
-              </a:rPr>
-              <a:t>leonpalafox.com/aiclase_videojuegos/</a:t>
-            </a:r>
-            <a:endParaRPr lang="en-US" sz="2400" dirty="0" smtClean="0"/>
-          </a:p>
-          <a:p>
-            <a:r>
-              <a:rPr lang="en-US" sz="2400" dirty="0" smtClean="0"/>
-              <a:t>Horas </a:t>
-            </a:r>
-            <a:r>
-              <a:rPr lang="en-US" sz="2400" dirty="0"/>
-              <a:t>de </a:t>
-            </a:r>
-            <a:r>
-              <a:rPr lang="en-US" sz="2400" dirty="0" err="1" smtClean="0"/>
-              <a:t>Oficina</a:t>
-            </a:r>
-            <a:r>
-              <a:rPr lang="en-US" sz="2400" dirty="0" smtClean="0"/>
-              <a:t>: Con </a:t>
-            </a:r>
-            <a:r>
-              <a:rPr lang="en-US" sz="2400" dirty="0" err="1"/>
-              <a:t>cita</a:t>
-            </a:r>
-            <a:r>
-              <a:rPr lang="en-US" sz="2400" dirty="0"/>
-              <a:t> a </a:t>
-            </a:r>
-            <a:r>
-              <a:rPr lang="en-US" sz="2400" dirty="0">
-                <a:hlinkClick r:id="rId3"/>
-              </a:rPr>
-              <a:t>lpalafox@up.edu.mx</a:t>
-            </a:r>
-            <a:endParaRPr lang="en-US" sz="2400" dirty="0"/>
+            <a:pPr marL="0" lvl="0" indent="0">
+              <a:spcBef>
+                <a:spcPts val="600"/>
+              </a:spcBef>
+              <a:spcAft>
+                <a:spcPts val="0"/>
+              </a:spcAft>
+              <a:buNone/>
+            </a:pPr>
+            <a:r>
+              <a:rPr lang="en" dirty="0"/>
+              <a:t>A mi no me importan las buenas calificaciones, mis creaciones seran el testamento de mi desempeño.</a:t>
+            </a:r>
+          </a:p>
+          <a:p>
+            <a:pPr marL="0" lvl="0" indent="0" algn="r">
+              <a:spcBef>
+                <a:spcPts val="600"/>
+              </a:spcBef>
+              <a:spcAft>
+                <a:spcPts val="0"/>
+              </a:spcAft>
+              <a:buNone/>
+            </a:pPr>
+            <a:r>
+              <a:rPr lang="en" dirty="0"/>
+              <a:t>Helmut Kohl</a:t>
+            </a:r>
+            <a:endParaRPr dirty="0"/>
           </a:p>
         </p:txBody>
       </p:sp>
+      <p:sp>
+        <p:nvSpPr>
+          <p:cNvPr id="230" name="Google Shape;230;p15"/>
+          <p:cNvSpPr txBox="1">
+            <a:spLocks noGrp="1"/>
+          </p:cNvSpPr>
+          <p:nvPr>
+            <p:ph type="sldNum" idx="4294967295"/>
+          </p:nvPr>
+        </p:nvSpPr>
+        <p:spPr>
+          <a:xfrm>
+            <a:off x="7618000" y="4636500"/>
+            <a:ext cx="1487400" cy="315600"/>
+          </a:xfrm>
+          <a:prstGeom prst="rect">
+            <a:avLst/>
+          </a:prstGeom>
+        </p:spPr>
+        <p:txBody>
+          <a:bodyPr spcFirstLastPara="1" wrap="square" lIns="91425" tIns="91425" rIns="91425" bIns="91425" anchor="ctr" anchorCtr="0">
+            <a:noAutofit/>
+          </a:bodyPr>
+          <a:lstStyle/>
+          <a:p>
+            <a:pPr marL="0" lvl="0" indent="0">
+              <a:spcBef>
+                <a:spcPts val="0"/>
+              </a:spcBef>
+              <a:spcAft>
+                <a:spcPts val="0"/>
+              </a:spcAft>
+              <a:buNone/>
+            </a:pPr>
+            <a:fld id="{00000000-1234-1234-1234-123412341234}" type="slidenum">
+              <a:rPr lang="en"/>
+              <a:t>6</a:t>
+            </a:fld>
+            <a:endParaRPr/>
+          </a:p>
+        </p:txBody>
+      </p:sp>
+      <p:sp>
+        <p:nvSpPr>
+          <p:cNvPr id="231" name="Google Shape;231;p15"/>
+          <p:cNvSpPr txBox="1">
+            <a:spLocks noGrp="1"/>
+          </p:cNvSpPr>
+          <p:nvPr>
+            <p:ph type="sldNum" idx="12"/>
+          </p:nvPr>
+        </p:nvSpPr>
+        <p:spPr>
+          <a:xfrm>
+            <a:off x="7618000" y="4636500"/>
+            <a:ext cx="1487400" cy="315600"/>
+          </a:xfrm>
+          <a:prstGeom prst="rect">
+            <a:avLst/>
+          </a:prstGeom>
+        </p:spPr>
+        <p:txBody>
+          <a:bodyPr spcFirstLastPara="1" wrap="square" lIns="91425" tIns="91425" rIns="91425" bIns="91425" anchor="ctr" anchorCtr="0">
+            <a:noAutofit/>
+          </a:bodyPr>
+          <a:lstStyle/>
+          <a:p>
+            <a:pPr marL="0" lvl="0" indent="0">
+              <a:spcBef>
+                <a:spcPts val="0"/>
+              </a:spcBef>
+              <a:spcAft>
+                <a:spcPts val="0"/>
+              </a:spcAft>
+              <a:buNone/>
+            </a:pPr>
+            <a:fld id="{00000000-1234-1234-1234-123412341234}" type="slidenum">
+              <a:rPr lang="en"/>
+              <a:t>6</a:t>
+            </a:fld>
+            <a:endParaRPr/>
+          </a:p>
+        </p:txBody>
+      </p:sp>
     </p:spTree>
-    <p:extLst>
-      <p:ext uri="{BB962C8B-B14F-4D97-AF65-F5344CB8AC3E}">
-        <p14:creationId xmlns:p14="http://schemas.microsoft.com/office/powerpoint/2010/main" val="2744930193"/>
-      </p:ext>
-    </p:extLst>
   </p:cSld>
   <p:clrMapOvr>
     <a:masterClrMapping/>
@@ -16333,15 +16468,7 @@
             <a:pPr lvl="1"/>
             <a:r>
               <a:rPr lang="es-MX" sz="1400" dirty="0"/>
-              <a:t>El proyecto final consistirá en el uso de un técnica </a:t>
-            </a:r>
-            <a:r>
-              <a:rPr lang="es-MX" sz="1400" dirty="0" smtClean="0"/>
-              <a:t>Inteligencia Artificial en ambiente de </a:t>
-            </a:r>
-            <a:r>
-              <a:rPr lang="es-MX" sz="1400" dirty="0"/>
-              <a:t>su preferencia, con su correspondiente diseño y evaluación.</a:t>
+              <a:t>El proyecto final consistirá en el uso de un técnica Inteligencia Artificial en ambiente de su preferencia, con su correspondiente diseño y evaluación.</a:t>
             </a:r>
           </a:p>
           <a:p>
@@ -16471,42 +16598,42 @@
           <a:lstStyle/>
           <a:p>
             <a:r>
-              <a:rPr lang="es-MX" sz="1600" dirty="0" smtClean="0"/>
+              <a:rPr lang="es-MX" sz="1600" dirty="0"/>
               <a:t>El restante 40% será distribuido de la siguiente forma:</a:t>
             </a:r>
           </a:p>
           <a:p>
             <a:pPr lvl="1"/>
             <a:r>
-              <a:rPr lang="es-MX" sz="1400" dirty="0" smtClean="0"/>
+              <a:rPr lang="es-MX" sz="1400" dirty="0"/>
               <a:t>Dos exámenes + Final</a:t>
             </a:r>
           </a:p>
           <a:p>
             <a:pPr lvl="2"/>
             <a:r>
-              <a:rPr lang="es-MX" sz="1400" dirty="0" smtClean="0"/>
+              <a:rPr lang="es-MX" sz="1400" dirty="0"/>
               <a:t>1er Parcial es Individual</a:t>
             </a:r>
           </a:p>
           <a:p>
             <a:pPr lvl="2"/>
             <a:r>
-              <a:rPr lang="es-MX" sz="1400" dirty="0" smtClean="0"/>
+              <a:rPr lang="es-MX" sz="1400" dirty="0"/>
               <a:t>2 Parcial es en equipo</a:t>
             </a:r>
           </a:p>
           <a:p>
             <a:pPr lvl="1"/>
             <a:r>
-              <a:rPr lang="es-MX" sz="1400" dirty="0" smtClean="0"/>
+              <a:rPr lang="es-MX" sz="1400" dirty="0"/>
               <a:t>Dos tareas.</a:t>
             </a:r>
           </a:p>
           <a:p>
             <a:pPr lvl="1"/>
             <a:r>
-              <a:rPr lang="es-MX" sz="1400" dirty="0" smtClean="0"/>
+              <a:rPr lang="es-MX" sz="1400" dirty="0"/>
               <a:t>Participación en clase</a:t>
             </a:r>
           </a:p>
@@ -16653,14 +16780,9 @@
               <a:buNone/>
             </a:pPr>
             <a:r>
-              <a:rPr lang="es-MX" dirty="0" smtClean="0"/>
-              <a:t>Qué es </a:t>
-            </a:r>
-            <a:r>
-              <a:rPr lang="es-MX" dirty="0" smtClean="0"/>
-              <a:t>Inteligencia Artificial</a:t>
-            </a:r>
-            <a:endParaRPr lang="es-MX" dirty="0"/>
+              <a:rPr lang="es-MX" dirty="0"/>
+              <a:t>Qué es Inteligencia Artificial</a:t>
+            </a:r>
           </a:p>
         </p:txBody>
       </p:sp>
